--- a/진동/응답스펙트럼소개.pptx
+++ b/진동/응답스펙트럼소개.pptx
@@ -19,7 +19,8 @@
     <p:sldId id="266" r:id="rId13"/>
     <p:sldId id="267" r:id="rId14"/>
     <p:sldId id="268" r:id="rId15"/>
-    <p:sldId id="269" r:id="rId16"/>
+    <p:sldId id="272" r:id="rId16"/>
+    <p:sldId id="269" r:id="rId17"/>
   </p:sldIdLst>
   <p:sldSz cx="9144000" cy="6858000" type="screen4x3"/>
   <p:notesSz cx="6858000" cy="9144000"/>
@@ -257,7 +258,7 @@
           <a:p>
             <a:fld id="{3C7D03A2-AEC8-4931-9055-15E1018574E6}" type="datetimeFigureOut">
               <a:rPr lang="ko-KR" altLang="en-US" smtClean="0"/>
-              <a:t>2022-01-20</a:t>
+              <a:t>2022-01-22</a:t>
             </a:fld>
             <a:endParaRPr lang="ko-KR" altLang="en-US"/>
           </a:p>
@@ -427,7 +428,7 @@
           <a:p>
             <a:fld id="{3C7D03A2-AEC8-4931-9055-15E1018574E6}" type="datetimeFigureOut">
               <a:rPr lang="ko-KR" altLang="en-US" smtClean="0"/>
-              <a:t>2022-01-20</a:t>
+              <a:t>2022-01-22</a:t>
             </a:fld>
             <a:endParaRPr lang="ko-KR" altLang="en-US"/>
           </a:p>
@@ -607,7 +608,7 @@
           <a:p>
             <a:fld id="{3C7D03A2-AEC8-4931-9055-15E1018574E6}" type="datetimeFigureOut">
               <a:rPr lang="ko-KR" altLang="en-US" smtClean="0"/>
-              <a:t>2022-01-20</a:t>
+              <a:t>2022-01-22</a:t>
             </a:fld>
             <a:endParaRPr lang="ko-KR" altLang="en-US"/>
           </a:p>
@@ -777,7 +778,7 @@
           <a:p>
             <a:fld id="{3C7D03A2-AEC8-4931-9055-15E1018574E6}" type="datetimeFigureOut">
               <a:rPr lang="ko-KR" altLang="en-US" smtClean="0"/>
-              <a:t>2022-01-20</a:t>
+              <a:t>2022-01-22</a:t>
             </a:fld>
             <a:endParaRPr lang="ko-KR" altLang="en-US"/>
           </a:p>
@@ -1021,7 +1022,7 @@
           <a:p>
             <a:fld id="{3C7D03A2-AEC8-4931-9055-15E1018574E6}" type="datetimeFigureOut">
               <a:rPr lang="ko-KR" altLang="en-US" smtClean="0"/>
-              <a:t>2022-01-20</a:t>
+              <a:t>2022-01-22</a:t>
             </a:fld>
             <a:endParaRPr lang="ko-KR" altLang="en-US"/>
           </a:p>
@@ -1253,7 +1254,7 @@
           <a:p>
             <a:fld id="{3C7D03A2-AEC8-4931-9055-15E1018574E6}" type="datetimeFigureOut">
               <a:rPr lang="ko-KR" altLang="en-US" smtClean="0"/>
-              <a:t>2022-01-20</a:t>
+              <a:t>2022-01-22</a:t>
             </a:fld>
             <a:endParaRPr lang="ko-KR" altLang="en-US"/>
           </a:p>
@@ -1620,7 +1621,7 @@
           <a:p>
             <a:fld id="{3C7D03A2-AEC8-4931-9055-15E1018574E6}" type="datetimeFigureOut">
               <a:rPr lang="ko-KR" altLang="en-US" smtClean="0"/>
-              <a:t>2022-01-20</a:t>
+              <a:t>2022-01-22</a:t>
             </a:fld>
             <a:endParaRPr lang="ko-KR" altLang="en-US"/>
           </a:p>
@@ -1738,7 +1739,7 @@
           <a:p>
             <a:fld id="{3C7D03A2-AEC8-4931-9055-15E1018574E6}" type="datetimeFigureOut">
               <a:rPr lang="ko-KR" altLang="en-US" smtClean="0"/>
-              <a:t>2022-01-20</a:t>
+              <a:t>2022-01-22</a:t>
             </a:fld>
             <a:endParaRPr lang="ko-KR" altLang="en-US"/>
           </a:p>
@@ -1833,7 +1834,7 @@
           <a:p>
             <a:fld id="{3C7D03A2-AEC8-4931-9055-15E1018574E6}" type="datetimeFigureOut">
               <a:rPr lang="ko-KR" altLang="en-US" smtClean="0"/>
-              <a:t>2022-01-20</a:t>
+              <a:t>2022-01-22</a:t>
             </a:fld>
             <a:endParaRPr lang="ko-KR" altLang="en-US"/>
           </a:p>
@@ -2110,7 +2111,7 @@
           <a:p>
             <a:fld id="{3C7D03A2-AEC8-4931-9055-15E1018574E6}" type="datetimeFigureOut">
               <a:rPr lang="ko-KR" altLang="en-US" smtClean="0"/>
-              <a:t>2022-01-20</a:t>
+              <a:t>2022-01-22</a:t>
             </a:fld>
             <a:endParaRPr lang="ko-KR" altLang="en-US"/>
           </a:p>
@@ -2367,7 +2368,7 @@
           <a:p>
             <a:fld id="{3C7D03A2-AEC8-4931-9055-15E1018574E6}" type="datetimeFigureOut">
               <a:rPr lang="ko-KR" altLang="en-US" smtClean="0"/>
-              <a:t>2022-01-20</a:t>
+              <a:t>2022-01-22</a:t>
             </a:fld>
             <a:endParaRPr lang="ko-KR" altLang="en-US"/>
           </a:p>
@@ -2580,7 +2581,7 @@
           <a:p>
             <a:fld id="{3C7D03A2-AEC8-4931-9055-15E1018574E6}" type="datetimeFigureOut">
               <a:rPr lang="ko-KR" altLang="en-US" smtClean="0"/>
-              <a:t>2022-01-20</a:t>
+              <a:t>2022-01-22</a:t>
             </a:fld>
             <a:endParaRPr lang="ko-KR" altLang="en-US"/>
           </a:p>
@@ -3372,8 +3373,8 @@
           </a:p>
         </p:txBody>
       </p:sp>
-      <mc:AlternateContent xmlns:mc="http://schemas.openxmlformats.org/markup-compatibility/2006">
-        <mc:Choice xmlns:a14="http://schemas.microsoft.com/office/drawing/2010/main" Requires="a14">
+      <mc:AlternateContent xmlns:mc="http://schemas.openxmlformats.org/markup-compatibility/2006" xmlns:a14="http://schemas.microsoft.com/office/drawing/2010/main">
+        <mc:Choice Requires="a14">
           <p:sp>
             <p:nvSpPr>
               <p:cNvPr id="6" name="직사각형 5">
@@ -3749,7 +3750,7 @@
             </p:txBody>
           </p:sp>
         </mc:Choice>
-        <mc:Fallback>
+        <mc:Fallback xmlns="">
           <p:sp>
             <p:nvSpPr>
               <p:cNvPr id="6" name="직사각형 5">
@@ -3849,8 +3850,8 @@
           </a:p>
         </p:txBody>
       </p:sp>
-      <mc:AlternateContent xmlns:mc="http://schemas.openxmlformats.org/markup-compatibility/2006">
-        <mc:Choice xmlns:a14="http://schemas.microsoft.com/office/drawing/2010/main" Requires="a14">
+      <mc:AlternateContent xmlns:mc="http://schemas.openxmlformats.org/markup-compatibility/2006" xmlns:a14="http://schemas.microsoft.com/office/drawing/2010/main">
+        <mc:Choice Requires="a14">
           <p:sp>
             <p:nvSpPr>
               <p:cNvPr id="9" name="TextBox 8">
@@ -3879,6 +3880,7 @@
               </a:bodyPr>
               <a:lstStyle/>
               <a:p>
+                <a:pPr/>
                 <a14:m>
                   <m:oMathPara xmlns:m="http://schemas.openxmlformats.org/officeDocument/2006/math">
                     <m:oMathParaPr>
@@ -4068,7 +4070,7 @@
             </p:txBody>
           </p:sp>
         </mc:Choice>
-        <mc:Fallback>
+        <mc:Fallback xmlns="">
           <p:sp>
             <p:nvSpPr>
               <p:cNvPr id="9" name="TextBox 8">
@@ -4347,8 +4349,8 @@
           </a:p>
         </p:txBody>
       </p:sp>
-      <mc:AlternateContent xmlns:mc="http://schemas.openxmlformats.org/markup-compatibility/2006">
-        <mc:Choice xmlns:a14="http://schemas.microsoft.com/office/drawing/2010/main" Requires="a14">
+      <mc:AlternateContent xmlns:mc="http://schemas.openxmlformats.org/markup-compatibility/2006" xmlns:a14="http://schemas.microsoft.com/office/drawing/2010/main">
+        <mc:Choice Requires="a14">
           <p:sp>
             <p:nvSpPr>
               <p:cNvPr id="8" name="직사각형 7">
@@ -7494,7 +7496,7 @@
             </p:txBody>
           </p:sp>
         </mc:Choice>
-        <mc:Fallback>
+        <mc:Fallback xmlns="">
           <p:sp>
             <p:nvSpPr>
               <p:cNvPr id="8" name="직사각형 7">
@@ -7539,8 +7541,8 @@
           </p:sp>
         </mc:Fallback>
       </mc:AlternateContent>
-      <mc:AlternateContent xmlns:mc="http://schemas.openxmlformats.org/markup-compatibility/2006">
-        <mc:Choice xmlns:a14="http://schemas.microsoft.com/office/drawing/2010/main" Requires="a14">
+      <mc:AlternateContent xmlns:mc="http://schemas.openxmlformats.org/markup-compatibility/2006" xmlns:a14="http://schemas.microsoft.com/office/drawing/2010/main">
+        <mc:Choice Requires="a14">
           <p:sp>
             <p:nvSpPr>
               <p:cNvPr id="10" name="직사각형 9">
@@ -9063,7 +9065,7 @@
             </p:txBody>
           </p:sp>
         </mc:Choice>
-        <mc:Fallback>
+        <mc:Fallback xmlns="">
           <p:sp>
             <p:nvSpPr>
               <p:cNvPr id="10" name="직사각형 9">
@@ -9458,8 +9460,8 @@
           </a:p>
         </p:txBody>
       </p:sp>
-      <mc:AlternateContent xmlns:mc="http://schemas.openxmlformats.org/markup-compatibility/2006">
-        <mc:Choice xmlns:a14="http://schemas.microsoft.com/office/drawing/2010/main" Requires="a14">
+      <mc:AlternateContent xmlns:mc="http://schemas.openxmlformats.org/markup-compatibility/2006" xmlns:a14="http://schemas.microsoft.com/office/drawing/2010/main">
+        <mc:Choice Requires="a14">
           <p:sp>
             <p:nvSpPr>
               <p:cNvPr id="6" name="직사각형 5">
@@ -9698,7 +9700,7 @@
             </p:txBody>
           </p:sp>
         </mc:Choice>
-        <mc:Fallback>
+        <mc:Fallback xmlns="">
           <p:sp>
             <p:nvSpPr>
               <p:cNvPr id="6" name="직사각형 5">
@@ -9743,8 +9745,8 @@
           </p:sp>
         </mc:Fallback>
       </mc:AlternateContent>
-      <mc:AlternateContent xmlns:mc="http://schemas.openxmlformats.org/markup-compatibility/2006">
-        <mc:Choice xmlns:a14="http://schemas.microsoft.com/office/drawing/2010/main" Requires="a14">
+      <mc:AlternateContent xmlns:mc="http://schemas.openxmlformats.org/markup-compatibility/2006" xmlns:a14="http://schemas.microsoft.com/office/drawing/2010/main">
+        <mc:Choice Requires="a14">
           <p:sp>
             <p:nvSpPr>
               <p:cNvPr id="7" name="직사각형 6">
@@ -10160,7 +10162,7 @@
             </p:txBody>
           </p:sp>
         </mc:Choice>
-        <mc:Fallback>
+        <mc:Fallback xmlns="">
           <p:sp>
             <p:nvSpPr>
               <p:cNvPr id="7" name="직사각형 6">
@@ -10249,8 +10251,8 @@
           </a:p>
         </p:txBody>
       </p:sp>
-      <mc:AlternateContent xmlns:mc="http://schemas.openxmlformats.org/markup-compatibility/2006">
-        <mc:Choice xmlns:a14="http://schemas.microsoft.com/office/drawing/2010/main" Requires="a14">
+      <mc:AlternateContent xmlns:mc="http://schemas.openxmlformats.org/markup-compatibility/2006" xmlns:a14="http://schemas.microsoft.com/office/drawing/2010/main">
+        <mc:Choice Requires="a14">
           <p:sp>
             <p:nvSpPr>
               <p:cNvPr id="9" name="직사각형 8">
@@ -10278,6 +10280,7 @@
               </a:bodyPr>
               <a:lstStyle/>
               <a:p>
+                <a:pPr/>
                 <a14:m>
                   <m:oMathPara xmlns:m="http://schemas.openxmlformats.org/officeDocument/2006/math">
                     <m:oMathParaPr>
@@ -10545,7 +10548,7 @@
             </p:txBody>
           </p:sp>
         </mc:Choice>
-        <mc:Fallback>
+        <mc:Fallback xmlns="">
           <p:sp>
             <p:nvSpPr>
               <p:cNvPr id="9" name="직사각형 8">
@@ -10590,8 +10593,8 @@
           </p:sp>
         </mc:Fallback>
       </mc:AlternateContent>
-      <mc:AlternateContent xmlns:mc="http://schemas.openxmlformats.org/markup-compatibility/2006">
-        <mc:Choice xmlns:a14="http://schemas.microsoft.com/office/drawing/2010/main" Requires="a14">
+      <mc:AlternateContent xmlns:mc="http://schemas.openxmlformats.org/markup-compatibility/2006" xmlns:a14="http://schemas.microsoft.com/office/drawing/2010/main">
+        <mc:Choice Requires="a14">
           <p:sp>
             <p:nvSpPr>
               <p:cNvPr id="10" name="직사각형 9">
@@ -10630,7 +10633,7 @@
                         <m:dPr>
                           <m:begChr m:val=""/>
                           <m:ctrlPr>
-                            <a:rPr lang="ko-KR" altLang="en-US">
+                            <a:rPr lang="ko-KR" altLang="en-US" i="1">
                               <a:latin typeface="Cambria Math" panose="02040503050406030204" pitchFamily="18" charset="0"/>
                             </a:rPr>
                           </m:ctrlPr>
@@ -10640,7 +10643,7 @@
                             <m:dPr>
                               <m:endChr m:val=""/>
                               <m:ctrlPr>
-                                <a:rPr lang="ko-KR" altLang="en-US">
+                                <a:rPr lang="ko-KR" altLang="en-US" i="1">
                                   <a:latin typeface="Cambria Math" panose="02040503050406030204" pitchFamily="18" charset="0"/>
                                 </a:rPr>
                               </m:ctrlPr>
@@ -10649,7 +10652,7 @@
                               <m:f>
                                 <m:fPr>
                                   <m:ctrlPr>
-                                    <a:rPr lang="ko-KR" altLang="en-US">
+                                    <a:rPr lang="ko-KR" altLang="en-US" i="1">
                                       <a:latin typeface="Cambria Math" panose="02040503050406030204" pitchFamily="18" charset="0"/>
                                     </a:rPr>
                                   </m:ctrlPr>
@@ -11129,7 +11132,7 @@
             </p:txBody>
           </p:sp>
         </mc:Choice>
-        <mc:Fallback>
+        <mc:Fallback xmlns="">
           <p:sp>
             <p:nvSpPr>
               <p:cNvPr id="10" name="직사각형 9">
@@ -11215,8 +11218,8 @@
           </a:fontRef>
         </p:style>
       </p:cxnSp>
-      <mc:AlternateContent xmlns:mc="http://schemas.openxmlformats.org/markup-compatibility/2006">
-        <mc:Choice xmlns:a14="http://schemas.microsoft.com/office/drawing/2010/main" Requires="a14">
+      <mc:AlternateContent xmlns:mc="http://schemas.openxmlformats.org/markup-compatibility/2006" xmlns:a14="http://schemas.microsoft.com/office/drawing/2010/main">
+        <mc:Choice Requires="a14">
           <p:sp>
             <p:nvSpPr>
               <p:cNvPr id="13" name="TextBox 12">
@@ -11245,6 +11248,7 @@
               </a:bodyPr>
               <a:lstStyle/>
               <a:p>
+                <a:pPr/>
                 <a14:m>
                   <m:oMathPara xmlns:m="http://schemas.openxmlformats.org/officeDocument/2006/math">
                     <m:oMathParaPr>
@@ -11284,7 +11288,7 @@
             </p:txBody>
           </p:sp>
         </mc:Choice>
-        <mc:Fallback>
+        <mc:Fallback xmlns="">
           <p:sp>
             <p:nvSpPr>
               <p:cNvPr id="13" name="TextBox 12">
@@ -11329,8 +11333,8 @@
           </p:sp>
         </mc:Fallback>
       </mc:AlternateContent>
-      <mc:AlternateContent xmlns:mc="http://schemas.openxmlformats.org/markup-compatibility/2006">
-        <mc:Choice xmlns:a14="http://schemas.microsoft.com/office/drawing/2010/main" Requires="a14">
+      <mc:AlternateContent xmlns:mc="http://schemas.openxmlformats.org/markup-compatibility/2006" xmlns:a14="http://schemas.microsoft.com/office/drawing/2010/main">
+        <mc:Choice Requires="a14">
           <p:sp>
             <p:nvSpPr>
               <p:cNvPr id="14" name="TextBox 13">
@@ -11359,6 +11363,7 @@
               </a:bodyPr>
               <a:lstStyle/>
               <a:p>
+                <a:pPr/>
                 <a14:m>
                   <m:oMathPara xmlns:m="http://schemas.openxmlformats.org/officeDocument/2006/math">
                     <m:oMathParaPr>
@@ -11398,7 +11403,7 @@
             </p:txBody>
           </p:sp>
         </mc:Choice>
-        <mc:Fallback>
+        <mc:Fallback xmlns="">
           <p:sp>
             <p:nvSpPr>
               <p:cNvPr id="14" name="TextBox 13">
@@ -11558,8 +11563,8 @@
           </a:p>
         </p:txBody>
       </p:sp>
-      <mc:AlternateContent xmlns:mc="http://schemas.openxmlformats.org/markup-compatibility/2006">
-        <mc:Choice xmlns:a14="http://schemas.microsoft.com/office/drawing/2010/main" Requires="a14">
+      <mc:AlternateContent xmlns:mc="http://schemas.openxmlformats.org/markup-compatibility/2006" xmlns:a14="http://schemas.microsoft.com/office/drawing/2010/main">
+        <mc:Choice Requires="a14">
           <p:sp>
             <p:nvSpPr>
               <p:cNvPr id="19" name="TextBox 18">
@@ -11588,6 +11593,7 @@
               </a:bodyPr>
               <a:lstStyle/>
               <a:p>
+                <a:pPr/>
                 <a14:m>
                   <m:oMathPara xmlns:m="http://schemas.openxmlformats.org/officeDocument/2006/math">
                     <m:oMathParaPr>
@@ -11597,7 +11603,7 @@
                       <m:sSub>
                         <m:sSubPr>
                           <m:ctrlPr>
-                            <a:rPr lang="en-US" altLang="ko-KR" b="0" i="0" smtClean="0">
+                            <a:rPr lang="en-US" altLang="ko-KR" b="0" i="1" smtClean="0">
                               <a:latin typeface="Cambria Math" panose="02040503050406030204" pitchFamily="18" charset="0"/>
                             </a:rPr>
                           </m:ctrlPr>
@@ -11640,7 +11646,7 @@
                       <m:f>
                         <m:fPr>
                           <m:ctrlPr>
-                            <a:rPr lang="en-US" altLang="ko-KR" b="0" smtClean="0">
+                            <a:rPr lang="en-US" altLang="ko-KR" b="0" i="1" smtClean="0">
                               <a:latin typeface="Cambria Math" panose="02040503050406030204" pitchFamily="18" charset="0"/>
                             </a:rPr>
                           </m:ctrlPr>
@@ -11649,7 +11655,7 @@
                           <m:sSub>
                             <m:sSubPr>
                               <m:ctrlPr>
-                                <a:rPr lang="en-US" altLang="ko-KR" b="0" smtClean="0">
+                                <a:rPr lang="en-US" altLang="ko-KR" b="0" i="1" smtClean="0">
                                   <a:latin typeface="Cambria Math" panose="02040503050406030204" pitchFamily="18" charset="0"/>
                                 </a:rPr>
                               </m:ctrlPr>
@@ -11682,7 +11688,7 @@
                           <m:sSub>
                             <m:sSubPr>
                               <m:ctrlPr>
-                                <a:rPr lang="en-US" altLang="ko-KR" b="0" smtClean="0">
+                                <a:rPr lang="en-US" altLang="ko-KR" b="0" i="1" smtClean="0">
                                   <a:latin typeface="Cambria Math" panose="02040503050406030204" pitchFamily="18" charset="0"/>
                                 </a:rPr>
                               </m:ctrlPr>
@@ -11720,7 +11726,7 @@
             </p:txBody>
           </p:sp>
         </mc:Choice>
-        <mc:Fallback>
+        <mc:Fallback xmlns="">
           <p:sp>
             <p:nvSpPr>
               <p:cNvPr id="19" name="TextBox 18">
@@ -11817,8 +11823,8 @@
           </a:p>
         </p:txBody>
       </p:sp>
-      <mc:AlternateContent xmlns:mc="http://schemas.openxmlformats.org/markup-compatibility/2006">
-        <mc:Choice xmlns:a14="http://schemas.microsoft.com/office/drawing/2010/main" Requires="a14">
+      <mc:AlternateContent xmlns:mc="http://schemas.openxmlformats.org/markup-compatibility/2006" xmlns:a14="http://schemas.microsoft.com/office/drawing/2010/main">
+        <mc:Choice Requires="a14">
           <p:sp>
             <p:nvSpPr>
               <p:cNvPr id="21" name="직사각형 20">
@@ -12057,7 +12063,7 @@
             </p:txBody>
           </p:sp>
         </mc:Choice>
-        <mc:Fallback>
+        <mc:Fallback xmlns="">
           <p:sp>
             <p:nvSpPr>
               <p:cNvPr id="21" name="직사각형 20">
@@ -12102,8 +12108,8 @@
           </p:sp>
         </mc:Fallback>
       </mc:AlternateContent>
-      <mc:AlternateContent xmlns:mc="http://schemas.openxmlformats.org/markup-compatibility/2006">
-        <mc:Choice xmlns:a14="http://schemas.microsoft.com/office/drawing/2010/main" Requires="a14">
+      <mc:AlternateContent xmlns:mc="http://schemas.openxmlformats.org/markup-compatibility/2006" xmlns:a14="http://schemas.microsoft.com/office/drawing/2010/main">
+        <mc:Choice Requires="a14">
           <p:sp>
             <p:nvSpPr>
               <p:cNvPr id="22" name="직사각형 21">
@@ -12131,6 +12137,7 @@
               </a:bodyPr>
               <a:lstStyle/>
               <a:p>
+                <a:pPr/>
                 <a14:m>
                   <m:oMathPara xmlns:m="http://schemas.openxmlformats.org/officeDocument/2006/math">
                     <m:oMathParaPr>
@@ -12398,7 +12405,7 @@
             </p:txBody>
           </p:sp>
         </mc:Choice>
-        <mc:Fallback>
+        <mc:Fallback xmlns="">
           <p:sp>
             <p:nvSpPr>
               <p:cNvPr id="22" name="직사각형 21">
@@ -12586,8 +12593,8 @@
           </a:p>
         </p:txBody>
       </p:sp>
-      <mc:AlternateContent xmlns:mc="http://schemas.openxmlformats.org/markup-compatibility/2006">
-        <mc:Choice xmlns:a14="http://schemas.microsoft.com/office/drawing/2010/main" Requires="a14">
+      <mc:AlternateContent xmlns:mc="http://schemas.openxmlformats.org/markup-compatibility/2006" xmlns:a14="http://schemas.microsoft.com/office/drawing/2010/main">
+        <mc:Choice Requires="a14">
           <p:sp>
             <p:nvSpPr>
               <p:cNvPr id="2" name="TextBox 1">
@@ -12646,7 +12653,11 @@
                   <a:buChar char="Ø"/>
                 </a:pPr>
                 <a:r>
-                  <a:rPr lang="en-US" altLang="ko-KR" dirty="0"/>
+                  <a:rPr lang="en-US" altLang="ko-KR" dirty="0">
+                    <a:solidFill>
+                      <a:srgbClr val="0000FF"/>
+                    </a:solidFill>
+                  </a:rPr>
                   <a:t>Newmark </a:t>
                 </a:r>
                 <a14:m>
@@ -12656,6 +12667,9 @@
                         <m:sty m:val="p"/>
                       </m:rPr>
                       <a:rPr lang="ko-KR" altLang="en-US" i="0" dirty="0" smtClean="0">
+                        <a:solidFill>
+                          <a:srgbClr val="0000FF"/>
+                        </a:solidFill>
                         <a:latin typeface="Cambria Math" panose="02040503050406030204" pitchFamily="18" charset="0"/>
                       </a:rPr>
                       <m:t>β</m:t>
@@ -12663,14 +12677,18 @@
                   </m:oMath>
                 </a14:m>
                 <a:r>
-                  <a:rPr lang="en-US" altLang="ko-KR" dirty="0"/>
+                  <a:rPr lang="en-US" altLang="ko-KR" dirty="0">
+                    <a:solidFill>
+                      <a:srgbClr val="0000FF"/>
+                    </a:solidFill>
+                  </a:rPr>
                   <a:t> Method - Implicit</a:t>
                 </a:r>
               </a:p>
             </p:txBody>
           </p:sp>
         </mc:Choice>
-        <mc:Fallback>
+        <mc:Fallback xmlns="">
           <p:sp>
             <p:nvSpPr>
               <p:cNvPr id="2" name="TextBox 1">
@@ -12715,8 +12733,8 @@
           </p:sp>
         </mc:Fallback>
       </mc:AlternateContent>
-      <mc:AlternateContent xmlns:mc="http://schemas.openxmlformats.org/markup-compatibility/2006">
-        <mc:Choice xmlns:a14="http://schemas.microsoft.com/office/drawing/2010/main" Requires="a14">
+      <mc:AlternateContent xmlns:mc="http://schemas.openxmlformats.org/markup-compatibility/2006" xmlns:a14="http://schemas.microsoft.com/office/drawing/2010/main">
+        <mc:Choice Requires="a14">
           <p:sp>
             <p:nvSpPr>
               <p:cNvPr id="5" name="직사각형 4">
@@ -13493,7 +13511,7 @@
             </p:txBody>
           </p:sp>
         </mc:Choice>
-        <mc:Fallback>
+        <mc:Fallback xmlns="">
           <p:sp>
             <p:nvSpPr>
               <p:cNvPr id="5" name="직사각형 4">
@@ -13616,8 +13634,8 @@
           </a:p>
         </p:txBody>
       </p:sp>
-      <mc:AlternateContent xmlns:mc="http://schemas.openxmlformats.org/markup-compatibility/2006">
-        <mc:Choice xmlns:a14="http://schemas.microsoft.com/office/drawing/2010/main" Requires="a14">
+      <mc:AlternateContent xmlns:mc="http://schemas.openxmlformats.org/markup-compatibility/2006" xmlns:a14="http://schemas.microsoft.com/office/drawing/2010/main">
+        <mc:Choice Requires="a14">
           <p:sp>
             <p:nvSpPr>
               <p:cNvPr id="8" name="직사각형 7">
@@ -13990,7 +14008,7 @@
             </p:txBody>
           </p:sp>
         </mc:Choice>
-        <mc:Fallback>
+        <mc:Fallback xmlns="">
           <p:sp>
             <p:nvSpPr>
               <p:cNvPr id="8" name="직사각형 7">
@@ -14035,8 +14053,8 @@
           </p:sp>
         </mc:Fallback>
       </mc:AlternateContent>
-      <mc:AlternateContent xmlns:mc="http://schemas.openxmlformats.org/markup-compatibility/2006">
-        <mc:Choice xmlns:a14="http://schemas.microsoft.com/office/drawing/2010/main" Requires="a14">
+      <mc:AlternateContent xmlns:mc="http://schemas.openxmlformats.org/markup-compatibility/2006" xmlns:a14="http://schemas.microsoft.com/office/drawing/2010/main">
+        <mc:Choice Requires="a14">
           <p:sp>
             <p:nvSpPr>
               <p:cNvPr id="9" name="직사각형 8">
@@ -14588,7 +14606,7 @@
             </p:txBody>
           </p:sp>
         </mc:Choice>
-        <mc:Fallback>
+        <mc:Fallback xmlns="">
           <p:sp>
             <p:nvSpPr>
               <p:cNvPr id="9" name="직사각형 8">
@@ -14633,8 +14651,8 @@
           </p:sp>
         </mc:Fallback>
       </mc:AlternateContent>
-      <mc:AlternateContent xmlns:mc="http://schemas.openxmlformats.org/markup-compatibility/2006">
-        <mc:Choice xmlns:a14="http://schemas.microsoft.com/office/drawing/2010/main" Requires="a14">
+      <mc:AlternateContent xmlns:mc="http://schemas.openxmlformats.org/markup-compatibility/2006" xmlns:a14="http://schemas.microsoft.com/office/drawing/2010/main">
+        <mc:Choice Requires="a14">
           <p:sp>
             <p:nvSpPr>
               <p:cNvPr id="10" name="직사각형 9">
@@ -15007,7 +15025,7 @@
             </p:txBody>
           </p:sp>
         </mc:Choice>
-        <mc:Fallback>
+        <mc:Fallback xmlns="">
           <p:sp>
             <p:nvSpPr>
               <p:cNvPr id="10" name="직사각형 9">
@@ -15091,8 +15109,8 @@
           </a:p>
         </p:txBody>
       </p:sp>
-      <mc:AlternateContent xmlns:mc="http://schemas.openxmlformats.org/markup-compatibility/2006">
-        <mc:Choice xmlns:a14="http://schemas.microsoft.com/office/drawing/2010/main" Requires="a14">
+      <mc:AlternateContent xmlns:mc="http://schemas.openxmlformats.org/markup-compatibility/2006" xmlns:a14="http://schemas.microsoft.com/office/drawing/2010/main">
+        <mc:Choice Requires="a14">
           <p:sp>
             <p:nvSpPr>
               <p:cNvPr id="12" name="직사각형 11">
@@ -15131,7 +15149,7 @@
                         <m:dPr>
                           <m:begChr m:val=""/>
                           <m:ctrlPr>
-                            <a:rPr lang="ko-KR" altLang="en-US">
+                            <a:rPr lang="ko-KR" altLang="en-US" i="1">
                               <a:latin typeface="Cambria Math" panose="02040503050406030204" pitchFamily="18" charset="0"/>
                             </a:rPr>
                           </m:ctrlPr>
@@ -15141,7 +15159,7 @@
                             <m:dPr>
                               <m:endChr m:val=""/>
                               <m:ctrlPr>
-                                <a:rPr lang="ko-KR" altLang="en-US">
+                                <a:rPr lang="ko-KR" altLang="en-US" i="1">
                                   <a:latin typeface="Cambria Math" panose="02040503050406030204" pitchFamily="18" charset="0"/>
                                 </a:rPr>
                               </m:ctrlPr>
@@ -15714,7 +15732,7 @@
             </p:txBody>
           </p:sp>
         </mc:Choice>
-        <mc:Fallback>
+        <mc:Fallback xmlns="">
           <p:sp>
             <p:nvSpPr>
               <p:cNvPr id="12" name="직사각형 11">
@@ -15802,8 +15820,8 @@
           </a:fontRef>
         </p:style>
       </p:cxnSp>
-      <mc:AlternateContent xmlns:mc="http://schemas.openxmlformats.org/markup-compatibility/2006">
-        <mc:Choice xmlns:a14="http://schemas.microsoft.com/office/drawing/2010/main" Requires="a14">
+      <mc:AlternateContent xmlns:mc="http://schemas.openxmlformats.org/markup-compatibility/2006" xmlns:a14="http://schemas.microsoft.com/office/drawing/2010/main">
+        <mc:Choice Requires="a14">
           <p:sp>
             <p:nvSpPr>
               <p:cNvPr id="14" name="TextBox 13">
@@ -15832,6 +15850,7 @@
               </a:bodyPr>
               <a:lstStyle/>
               <a:p>
+                <a:pPr/>
                 <a14:m>
                   <m:oMathPara xmlns:m="http://schemas.openxmlformats.org/officeDocument/2006/math">
                     <m:oMathParaPr>
@@ -15871,7 +15890,7 @@
             </p:txBody>
           </p:sp>
         </mc:Choice>
-        <mc:Fallback>
+        <mc:Fallback xmlns="">
           <p:sp>
             <p:nvSpPr>
               <p:cNvPr id="14" name="TextBox 13">
@@ -15916,8 +15935,8 @@
           </p:sp>
         </mc:Fallback>
       </mc:AlternateContent>
-      <mc:AlternateContent xmlns:mc="http://schemas.openxmlformats.org/markup-compatibility/2006">
-        <mc:Choice xmlns:a14="http://schemas.microsoft.com/office/drawing/2010/main" Requires="a14">
+      <mc:AlternateContent xmlns:mc="http://schemas.openxmlformats.org/markup-compatibility/2006" xmlns:a14="http://schemas.microsoft.com/office/drawing/2010/main">
+        <mc:Choice Requires="a14">
           <p:sp>
             <p:nvSpPr>
               <p:cNvPr id="15" name="TextBox 14">
@@ -15946,6 +15965,7 @@
               </a:bodyPr>
               <a:lstStyle/>
               <a:p>
+                <a:pPr/>
                 <a14:m>
                   <m:oMathPara xmlns:m="http://schemas.openxmlformats.org/officeDocument/2006/math">
                     <m:oMathParaPr>
@@ -15985,7 +16005,7 @@
             </p:txBody>
           </p:sp>
         </mc:Choice>
-        <mc:Fallback>
+        <mc:Fallback xmlns="">
           <p:sp>
             <p:nvSpPr>
               <p:cNvPr id="15" name="TextBox 14">
@@ -16145,6 +16165,735 @@
           </a:p>
         </p:txBody>
       </p:sp>
+      <p:pic>
+        <p:nvPicPr>
+          <p:cNvPr id="1026" name="Picture 2" descr="https://ars.els-cdn.com/content/image/3-s2.0-B9781856176613000076-f07-02-9781856176613.jpg">
+            <a:extLst>
+              <a:ext uri="{FF2B5EF4-FFF2-40B4-BE49-F238E27FC236}">
+                <a16:creationId xmlns:a16="http://schemas.microsoft.com/office/drawing/2014/main" id="{5B6BC42C-5344-4D09-9019-A114514AC3B1}"/>
+              </a:ext>
+            </a:extLst>
+          </p:cNvPr>
+          <p:cNvPicPr>
+            <a:picLocks noChangeAspect="1" noChangeArrowheads="1"/>
+          </p:cNvPicPr>
+          <p:nvPr/>
+        </p:nvPicPr>
+        <p:blipFill>
+          <a:blip r:embed="rId10">
+            <a:extLst>
+              <a:ext uri="{28A0092B-C50C-407E-A947-70E740481C1C}">
+                <a14:useLocalDpi xmlns:a14="http://schemas.microsoft.com/office/drawing/2010/main" val="0"/>
+              </a:ext>
+            </a:extLst>
+          </a:blip>
+          <a:srcRect/>
+          <a:stretch>
+            <a:fillRect/>
+          </a:stretch>
+        </p:blipFill>
+        <p:spPr bwMode="auto">
+          <a:xfrm>
+            <a:off x="4429357" y="780768"/>
+            <a:ext cx="1940673" cy="1631497"/>
+          </a:xfrm>
+          <a:prstGeom prst="rect">
+            <a:avLst/>
+          </a:prstGeom>
+          <a:noFill/>
+          <a:extLst>
+            <a:ext uri="{909E8E84-426E-40DD-AFC4-6F175D3DCCD1}">
+              <a14:hiddenFill xmlns:a14="http://schemas.microsoft.com/office/drawing/2010/main">
+                <a:solidFill>
+                  <a:srgbClr val="FFFFFF"/>
+                </a:solidFill>
+              </a14:hiddenFill>
+            </a:ext>
+          </a:extLst>
+        </p:spPr>
+      </p:pic>
+      <mc:AlternateContent xmlns:mc="http://schemas.openxmlformats.org/markup-compatibility/2006">
+        <mc:Choice xmlns:a14="http://schemas.microsoft.com/office/drawing/2010/main" Requires="a14">
+          <p:sp>
+            <p:nvSpPr>
+              <p:cNvPr id="19" name="TextBox 18">
+                <a:extLst>
+                  <a:ext uri="{FF2B5EF4-FFF2-40B4-BE49-F238E27FC236}">
+                    <a16:creationId xmlns:a16="http://schemas.microsoft.com/office/drawing/2014/main" id="{029E4CAF-1C06-4BC2-BB3E-19338EE02CC3}"/>
+                  </a:ext>
+                </a:extLst>
+              </p:cNvPr>
+              <p:cNvSpPr txBox="1"/>
+              <p:nvPr/>
+            </p:nvSpPr>
+            <p:spPr>
+              <a:xfrm>
+                <a:off x="6508051" y="779107"/>
+                <a:ext cx="2497928" cy="1374800"/>
+              </a:xfrm>
+              <a:prstGeom prst="rect">
+                <a:avLst/>
+              </a:prstGeom>
+              <a:noFill/>
+            </p:spPr>
+            <p:txBody>
+              <a:bodyPr wrap="none" lIns="0" tIns="0" rIns="0" bIns="0" rtlCol="0">
+                <a:spAutoFit/>
+              </a:bodyPr>
+              <a:lstStyle/>
+              <a:p>
+                <a:r>
+                  <a:rPr lang="en-US" altLang="ko-KR" sz="1200" dirty="0">
+                    <a:latin typeface="맑은 고딕" panose="020B0503020000020004" pitchFamily="50" charset="-127"/>
+                    <a:ea typeface="맑은 고딕" panose="020B0503020000020004" pitchFamily="50" charset="-127"/>
+                  </a:rPr>
+                  <a:t>※</a:t>
+                </a:r>
+                <a:r>
+                  <a:rPr lang="ko-KR" altLang="en-US" sz="1200" dirty="0"/>
+                  <a:t>참고</a:t>
+                </a:r>
+                <a:r>
+                  <a:rPr lang="en-US" altLang="ko-KR" sz="1200" dirty="0"/>
+                  <a:t>: ANSYS Default</a:t>
+                </a:r>
+              </a:p>
+              <a:p>
+                <a:r>
+                  <a:rPr lang="en-US" altLang="ko-KR" sz="1200" dirty="0"/>
+                  <a:t>(Stability condition </a:t>
+                </a:r>
+                <a:r>
+                  <a:rPr lang="ko-KR" altLang="en-US" sz="1200" dirty="0"/>
+                  <a:t>고려</a:t>
+                </a:r>
+                <a:r>
+                  <a:rPr lang="en-US" altLang="ko-KR" sz="1200" dirty="0"/>
+                  <a:t>)</a:t>
+                </a:r>
+                <a:endParaRPr lang="ko-KR" altLang="en-US" sz="1200" dirty="0"/>
+              </a:p>
+              <a:p>
+                <a:pPr/>
+                <a14:m>
+                  <m:oMathPara xmlns:m="http://schemas.openxmlformats.org/officeDocument/2006/math">
+                    <m:oMathParaPr>
+                      <m:jc m:val="left"/>
+                    </m:oMathParaPr>
+                    <m:oMath xmlns:m="http://schemas.openxmlformats.org/officeDocument/2006/math">
+                      <m:r>
+                        <a:rPr lang="en-US" altLang="ko-KR" sz="1200" b="0" i="1" smtClean="0">
+                          <a:latin typeface="Cambria Math" panose="02040503050406030204" pitchFamily="18" charset="0"/>
+                        </a:rPr>
+                        <m:t>𝛾</m:t>
+                      </m:r>
+                      <m:r>
+                        <a:rPr lang="en-US" altLang="ko-KR" sz="1200" b="0" i="1" smtClean="0">
+                          <a:latin typeface="Cambria Math" panose="02040503050406030204" pitchFamily="18" charset="0"/>
+                        </a:rPr>
+                        <m:t>=</m:t>
+                      </m:r>
+                      <m:f>
+                        <m:fPr>
+                          <m:ctrlPr>
+                            <a:rPr lang="en-US" altLang="ko-KR" sz="1200" b="0" i="1" smtClean="0">
+                              <a:latin typeface="Cambria Math" panose="02040503050406030204" pitchFamily="18" charset="0"/>
+                            </a:rPr>
+                          </m:ctrlPr>
+                        </m:fPr>
+                        <m:num>
+                          <m:r>
+                            <a:rPr lang="en-US" altLang="ko-KR" sz="1200" b="0" i="1" smtClean="0">
+                              <a:latin typeface="Cambria Math" panose="02040503050406030204" pitchFamily="18" charset="0"/>
+                            </a:rPr>
+                            <m:t>1</m:t>
+                          </m:r>
+                        </m:num>
+                        <m:den>
+                          <m:r>
+                            <a:rPr lang="en-US" altLang="ko-KR" sz="1200" b="0" i="1" smtClean="0">
+                              <a:latin typeface="Cambria Math" panose="02040503050406030204" pitchFamily="18" charset="0"/>
+                            </a:rPr>
+                            <m:t>2</m:t>
+                          </m:r>
+                        </m:den>
+                      </m:f>
+                      <m:r>
+                        <a:rPr lang="en-US" altLang="ko-KR" sz="1200" b="0" i="1" smtClean="0">
+                          <a:latin typeface="Cambria Math" panose="02040503050406030204" pitchFamily="18" charset="0"/>
+                        </a:rPr>
+                        <m:t>+</m:t>
+                      </m:r>
+                      <m:r>
+                        <a:rPr lang="en-US" altLang="ko-KR" sz="1200" b="0" i="1" smtClean="0">
+                          <a:latin typeface="Cambria Math" panose="02040503050406030204" pitchFamily="18" charset="0"/>
+                        </a:rPr>
+                        <m:t>𝛿</m:t>
+                      </m:r>
+                      <m:r>
+                        <a:rPr lang="en-US" altLang="ko-KR" sz="1200" b="0" i="1" smtClean="0">
+                          <a:latin typeface="Cambria Math" panose="02040503050406030204" pitchFamily="18" charset="0"/>
+                        </a:rPr>
+                        <m:t>, </m:t>
+                      </m:r>
+                      <m:r>
+                        <a:rPr lang="en-US" altLang="ko-KR" sz="1200" b="0" i="1" smtClean="0">
+                          <a:latin typeface="Cambria Math" panose="02040503050406030204" pitchFamily="18" charset="0"/>
+                        </a:rPr>
+                        <m:t>𝛽</m:t>
+                      </m:r>
+                      <m:r>
+                        <a:rPr lang="en-US" altLang="ko-KR" sz="1200" b="0" i="1" smtClean="0">
+                          <a:latin typeface="Cambria Math" panose="02040503050406030204" pitchFamily="18" charset="0"/>
+                        </a:rPr>
+                        <m:t>=</m:t>
+                      </m:r>
+                      <m:f>
+                        <m:fPr>
+                          <m:ctrlPr>
+                            <a:rPr lang="en-US" altLang="ko-KR" sz="1200" b="0" i="1" smtClean="0">
+                              <a:latin typeface="Cambria Math" panose="02040503050406030204" pitchFamily="18" charset="0"/>
+                            </a:rPr>
+                          </m:ctrlPr>
+                        </m:fPr>
+                        <m:num>
+                          <m:r>
+                            <a:rPr lang="en-US" altLang="ko-KR" sz="1200" b="0" i="1" smtClean="0">
+                              <a:latin typeface="Cambria Math" panose="02040503050406030204" pitchFamily="18" charset="0"/>
+                            </a:rPr>
+                            <m:t>1</m:t>
+                          </m:r>
+                        </m:num>
+                        <m:den>
+                          <m:r>
+                            <a:rPr lang="en-US" altLang="ko-KR" sz="1200" b="0" i="1" smtClean="0">
+                              <a:latin typeface="Cambria Math" panose="02040503050406030204" pitchFamily="18" charset="0"/>
+                            </a:rPr>
+                            <m:t>4</m:t>
+                          </m:r>
+                        </m:den>
+                      </m:f>
+                      <m:sSup>
+                        <m:sSupPr>
+                          <m:ctrlPr>
+                            <a:rPr lang="en-US" altLang="ko-KR" sz="1200" b="0" i="1" smtClean="0">
+                              <a:latin typeface="Cambria Math" panose="02040503050406030204" pitchFamily="18" charset="0"/>
+                            </a:rPr>
+                          </m:ctrlPr>
+                        </m:sSupPr>
+                        <m:e>
+                          <m:d>
+                            <m:dPr>
+                              <m:ctrlPr>
+                                <a:rPr lang="en-US" altLang="ko-KR" sz="1200" b="0" i="1" smtClean="0">
+                                  <a:latin typeface="Cambria Math" panose="02040503050406030204" pitchFamily="18" charset="0"/>
+                                </a:rPr>
+                              </m:ctrlPr>
+                            </m:dPr>
+                            <m:e>
+                              <m:f>
+                                <m:fPr>
+                                  <m:ctrlPr>
+                                    <a:rPr lang="en-US" altLang="ko-KR" sz="1200" b="0" i="1" smtClean="0">
+                                      <a:latin typeface="Cambria Math" panose="02040503050406030204" pitchFamily="18" charset="0"/>
+                                    </a:rPr>
+                                  </m:ctrlPr>
+                                </m:fPr>
+                                <m:num>
+                                  <m:r>
+                                    <a:rPr lang="en-US" altLang="ko-KR" sz="1200" b="0" i="1" smtClean="0">
+                                      <a:latin typeface="Cambria Math" panose="02040503050406030204" pitchFamily="18" charset="0"/>
+                                    </a:rPr>
+                                    <m:t>1</m:t>
+                                  </m:r>
+                                </m:num>
+                                <m:den>
+                                  <m:r>
+                                    <a:rPr lang="en-US" altLang="ko-KR" sz="1200" b="0" i="1" smtClean="0">
+                                      <a:latin typeface="Cambria Math" panose="02040503050406030204" pitchFamily="18" charset="0"/>
+                                    </a:rPr>
+                                    <m:t>2</m:t>
+                                  </m:r>
+                                </m:den>
+                              </m:f>
+                              <m:r>
+                                <a:rPr lang="en-US" altLang="ko-KR" sz="1200" b="0" i="1" smtClean="0">
+                                  <a:latin typeface="Cambria Math" panose="02040503050406030204" pitchFamily="18" charset="0"/>
+                                </a:rPr>
+                                <m:t>+</m:t>
+                              </m:r>
+                              <m:r>
+                                <a:rPr lang="en-US" altLang="ko-KR" sz="1200" i="1">
+                                  <a:latin typeface="Cambria Math" panose="02040503050406030204" pitchFamily="18" charset="0"/>
+                                </a:rPr>
+                                <m:t>𝛿</m:t>
+                              </m:r>
+                            </m:e>
+                          </m:d>
+                        </m:e>
+                        <m:sup>
+                          <m:r>
+                            <a:rPr lang="en-US" altLang="ko-KR" sz="1200" b="0" i="1" smtClean="0">
+                              <a:latin typeface="Cambria Math" panose="02040503050406030204" pitchFamily="18" charset="0"/>
+                            </a:rPr>
+                            <m:t>2</m:t>
+                          </m:r>
+                        </m:sup>
+                      </m:sSup>
+                      <m:r>
+                        <a:rPr lang="en-US" altLang="ko-KR" sz="1200" b="0" i="1" smtClean="0">
+                          <a:latin typeface="Cambria Math" panose="02040503050406030204" pitchFamily="18" charset="0"/>
+                        </a:rPr>
+                        <m:t>, </m:t>
+                      </m:r>
+                      <m:r>
+                        <a:rPr lang="en-US" altLang="ko-KR" sz="1200" b="0" i="1" smtClean="0">
+                          <a:latin typeface="Cambria Math" panose="02040503050406030204" pitchFamily="18" charset="0"/>
+                        </a:rPr>
+                        <m:t>𝛿</m:t>
+                      </m:r>
+                      <m:r>
+                        <a:rPr lang="en-US" altLang="ko-KR" sz="1200" b="0" i="1" smtClean="0">
+                          <a:latin typeface="Cambria Math" panose="02040503050406030204" pitchFamily="18" charset="0"/>
+                        </a:rPr>
+                        <m:t>=0.005</m:t>
+                      </m:r>
+                    </m:oMath>
+                  </m:oMathPara>
+                </a14:m>
+                <a:endParaRPr lang="en-US" altLang="ko-KR" sz="1200" b="0" dirty="0"/>
+              </a:p>
+              <a:p>
+                <a:pPr/>
+                <a14:m>
+                  <m:oMath xmlns:m="http://schemas.openxmlformats.org/officeDocument/2006/math">
+                    <m:r>
+                      <a:rPr lang="en-US" altLang="ko-KR" sz="1200" i="1">
+                        <a:latin typeface="Cambria Math" panose="02040503050406030204" pitchFamily="18" charset="0"/>
+                      </a:rPr>
+                      <m:t>𝛿</m:t>
+                    </m:r>
+                  </m:oMath>
+                </a14:m>
+                <a:r>
+                  <a:rPr lang="en-US" altLang="ko-KR" sz="1200" b="0" dirty="0"/>
+                  <a:t> : amplitude decay factor </a:t>
+                </a:r>
+                <a:br>
+                  <a:rPr lang="en-US" altLang="ko-KR" sz="1200" b="0" dirty="0"/>
+                </a:br>
+                <a:r>
+                  <a:rPr lang="en-US" altLang="ko-KR" sz="1200" b="0" dirty="0">
+                    <a:sym typeface="Wingdings" panose="05000000000000000000" pitchFamily="2" charset="2"/>
+                  </a:rPr>
+                  <a:t> unconditionally stable </a:t>
+                </a:r>
+                <a:r>
+                  <a:rPr lang="ko-KR" altLang="en-US" sz="1200" b="0" dirty="0">
+                    <a:sym typeface="Wingdings" panose="05000000000000000000" pitchFamily="2" charset="2"/>
+                  </a:rPr>
+                  <a:t>하게 하지만</a:t>
+                </a:r>
+                <a:r>
+                  <a:rPr lang="en-US" altLang="ko-KR" sz="1200" b="0" dirty="0">
+                    <a:sym typeface="Wingdings" panose="05000000000000000000" pitchFamily="2" charset="2"/>
+                  </a:rPr>
+                  <a:t>,</a:t>
+                </a:r>
+              </a:p>
+              <a:p>
+                <a:pPr/>
+                <a:r>
+                  <a:rPr lang="ko-KR" altLang="en-US" sz="1200" dirty="0">
+                    <a:sym typeface="Wingdings" panose="05000000000000000000" pitchFamily="2" charset="2"/>
+                  </a:rPr>
+                  <a:t>해석결과에 인공 감쇠를 발생시킴</a:t>
+                </a:r>
+                <a:endParaRPr lang="en-US" altLang="ko-KR" sz="1200" b="0" dirty="0"/>
+              </a:p>
+            </p:txBody>
+          </p:sp>
+        </mc:Choice>
+        <mc:Fallback>
+          <p:sp>
+            <p:nvSpPr>
+              <p:cNvPr id="19" name="TextBox 18">
+                <a:extLst>
+                  <a:ext uri="{FF2B5EF4-FFF2-40B4-BE49-F238E27FC236}">
+                    <a16:creationId xmlns:a16="http://schemas.microsoft.com/office/drawing/2014/main" id="{029E4CAF-1C06-4BC2-BB3E-19338EE02CC3}"/>
+                  </a:ext>
+                </a:extLst>
+              </p:cNvPr>
+              <p:cNvSpPr txBox="1">
+                <a:spLocks noRot="1" noChangeAspect="1" noMove="1" noResize="1" noEditPoints="1" noAdjustHandles="1" noChangeArrowheads="1" noChangeShapeType="1" noTextEdit="1"/>
+              </p:cNvSpPr>
+              <p:nvPr/>
+            </p:nvSpPr>
+            <p:spPr>
+              <a:xfrm>
+                <a:off x="6508051" y="779107"/>
+                <a:ext cx="2497928" cy="1374800"/>
+              </a:xfrm>
+              <a:prstGeom prst="rect">
+                <a:avLst/>
+              </a:prstGeom>
+              <a:blipFill>
+                <a:blip r:embed="rId11"/>
+                <a:stretch>
+                  <a:fillRect l="-3912" t="-4000" r="-489" b="-5333"/>
+                </a:stretch>
+              </a:blipFill>
+            </p:spPr>
+            <p:txBody>
+              <a:bodyPr/>
+              <a:lstStyle/>
+              <a:p>
+                <a:r>
+                  <a:rPr lang="ko-KR" altLang="en-US">
+                    <a:noFill/>
+                  </a:rPr>
+                  <a:t> </a:t>
+                </a:r>
+              </a:p>
+            </p:txBody>
+          </p:sp>
+        </mc:Fallback>
+      </mc:AlternateContent>
+      <mc:AlternateContent xmlns:mc="http://schemas.openxmlformats.org/markup-compatibility/2006">
+        <mc:Choice xmlns:a14="http://schemas.microsoft.com/office/drawing/2010/main" Requires="a14">
+          <p:sp>
+            <p:nvSpPr>
+              <p:cNvPr id="18" name="TextBox 17">
+                <a:extLst>
+                  <a:ext uri="{FF2B5EF4-FFF2-40B4-BE49-F238E27FC236}">
+                    <a16:creationId xmlns:a16="http://schemas.microsoft.com/office/drawing/2014/main" id="{2FED9257-D30B-4F14-AFB3-486B69193324}"/>
+                  </a:ext>
+                </a:extLst>
+              </p:cNvPr>
+              <p:cNvSpPr txBox="1"/>
+              <p:nvPr/>
+            </p:nvSpPr>
+            <p:spPr>
+              <a:xfrm>
+                <a:off x="5615069" y="2442766"/>
+                <a:ext cx="3414140" cy="913905"/>
+              </a:xfrm>
+              <a:prstGeom prst="rect">
+                <a:avLst/>
+              </a:prstGeom>
+              <a:noFill/>
+            </p:spPr>
+            <p:txBody>
+              <a:bodyPr wrap="none" lIns="0" tIns="0" rIns="0" bIns="0" rtlCol="0">
+                <a:spAutoFit/>
+              </a:bodyPr>
+              <a:lstStyle/>
+              <a:p>
+                <a:r>
+                  <a:rPr lang="en-US" altLang="ko-KR" sz="1400" b="0" dirty="0"/>
+                  <a:t>Central Difference Method (</a:t>
+                </a:r>
+                <a14:m>
+                  <m:oMath xmlns:m="http://schemas.openxmlformats.org/officeDocument/2006/math">
+                    <m:r>
+                      <a:rPr lang="en-US" altLang="ko-KR" sz="1400" b="0" i="1" smtClean="0">
+                        <a:latin typeface="Cambria Math" panose="02040503050406030204" pitchFamily="18" charset="0"/>
+                      </a:rPr>
+                      <m:t>𝛾</m:t>
+                    </m:r>
+                    <m:r>
+                      <a:rPr lang="en-US" altLang="ko-KR" sz="1400" b="0" i="1" smtClean="0">
+                        <a:latin typeface="Cambria Math" panose="02040503050406030204" pitchFamily="18" charset="0"/>
+                      </a:rPr>
+                      <m:t>=</m:t>
+                    </m:r>
+                    <m:f>
+                      <m:fPr>
+                        <m:ctrlPr>
+                          <a:rPr lang="en-US" altLang="ko-KR" sz="1400" b="0" i="1" smtClean="0">
+                            <a:latin typeface="Cambria Math" panose="02040503050406030204" pitchFamily="18" charset="0"/>
+                          </a:rPr>
+                        </m:ctrlPr>
+                      </m:fPr>
+                      <m:num>
+                        <m:r>
+                          <a:rPr lang="en-US" altLang="ko-KR" sz="1400" b="0" i="1" smtClean="0">
+                            <a:latin typeface="Cambria Math" panose="02040503050406030204" pitchFamily="18" charset="0"/>
+                          </a:rPr>
+                          <m:t>1</m:t>
+                        </m:r>
+                      </m:num>
+                      <m:den>
+                        <m:r>
+                          <a:rPr lang="en-US" altLang="ko-KR" sz="1400" b="0" i="1" smtClean="0">
+                            <a:latin typeface="Cambria Math" panose="02040503050406030204" pitchFamily="18" charset="0"/>
+                          </a:rPr>
+                          <m:t>2</m:t>
+                        </m:r>
+                      </m:den>
+                    </m:f>
+                    <m:r>
+                      <a:rPr lang="en-US" altLang="ko-KR" sz="1400" b="0" i="1" smtClean="0">
+                        <a:latin typeface="Cambria Math" panose="02040503050406030204" pitchFamily="18" charset="0"/>
+                      </a:rPr>
+                      <m:t>, </m:t>
+                    </m:r>
+                    <m:r>
+                      <a:rPr lang="en-US" altLang="ko-KR" sz="1400" b="0" i="1" smtClean="0">
+                        <a:latin typeface="Cambria Math" panose="02040503050406030204" pitchFamily="18" charset="0"/>
+                      </a:rPr>
+                      <m:t>𝛽</m:t>
+                    </m:r>
+                    <m:r>
+                      <a:rPr lang="en-US" altLang="ko-KR" sz="1400" b="0" i="1" smtClean="0">
+                        <a:latin typeface="Cambria Math" panose="02040503050406030204" pitchFamily="18" charset="0"/>
+                      </a:rPr>
+                      <m:t>=0</m:t>
+                    </m:r>
+                  </m:oMath>
+                </a14:m>
+                <a:r>
+                  <a:rPr lang="en-US" altLang="ko-KR" sz="1400" b="0" dirty="0"/>
+                  <a:t>)</a:t>
+                </a:r>
+              </a:p>
+              <a:p>
+                <a:r>
+                  <a:rPr lang="en-US" altLang="ko-KR" sz="1400" dirty="0"/>
+                  <a:t>Constant Acceleration Method (</a:t>
+                </a:r>
+                <a14:m>
+                  <m:oMath xmlns:m="http://schemas.openxmlformats.org/officeDocument/2006/math">
+                    <m:r>
+                      <a:rPr lang="en-US" altLang="ko-KR" sz="1400" i="1">
+                        <a:latin typeface="Cambria Math" panose="02040503050406030204" pitchFamily="18" charset="0"/>
+                      </a:rPr>
+                      <m:t>𝛾</m:t>
+                    </m:r>
+                    <m:r>
+                      <a:rPr lang="en-US" altLang="ko-KR" sz="1400" i="1">
+                        <a:latin typeface="Cambria Math" panose="02040503050406030204" pitchFamily="18" charset="0"/>
+                      </a:rPr>
+                      <m:t>=</m:t>
+                    </m:r>
+                    <m:f>
+                      <m:fPr>
+                        <m:ctrlPr>
+                          <a:rPr lang="en-US" altLang="ko-KR" sz="1400" i="1">
+                            <a:latin typeface="Cambria Math" panose="02040503050406030204" pitchFamily="18" charset="0"/>
+                          </a:rPr>
+                        </m:ctrlPr>
+                      </m:fPr>
+                      <m:num>
+                        <m:r>
+                          <a:rPr lang="en-US" altLang="ko-KR" sz="1400" i="1">
+                            <a:latin typeface="Cambria Math" panose="02040503050406030204" pitchFamily="18" charset="0"/>
+                          </a:rPr>
+                          <m:t>1</m:t>
+                        </m:r>
+                      </m:num>
+                      <m:den>
+                        <m:r>
+                          <a:rPr lang="en-US" altLang="ko-KR" sz="1400" i="1">
+                            <a:latin typeface="Cambria Math" panose="02040503050406030204" pitchFamily="18" charset="0"/>
+                          </a:rPr>
+                          <m:t>2</m:t>
+                        </m:r>
+                      </m:den>
+                    </m:f>
+                    <m:r>
+                      <a:rPr lang="en-US" altLang="ko-KR" sz="1400" i="1">
+                        <a:latin typeface="Cambria Math" panose="02040503050406030204" pitchFamily="18" charset="0"/>
+                      </a:rPr>
+                      <m:t>, </m:t>
+                    </m:r>
+                    <m:r>
+                      <a:rPr lang="en-US" altLang="ko-KR" sz="1400" i="1">
+                        <a:latin typeface="Cambria Math" panose="02040503050406030204" pitchFamily="18" charset="0"/>
+                      </a:rPr>
+                      <m:t>𝛽</m:t>
+                    </m:r>
+                    <m:r>
+                      <a:rPr lang="en-US" altLang="ko-KR" sz="1400" i="1">
+                        <a:latin typeface="Cambria Math" panose="02040503050406030204" pitchFamily="18" charset="0"/>
+                      </a:rPr>
+                      <m:t>=</m:t>
+                    </m:r>
+                    <m:f>
+                      <m:fPr>
+                        <m:ctrlPr>
+                          <a:rPr lang="en-US" altLang="ko-KR" sz="1400" b="0" i="0" smtClean="0">
+                            <a:latin typeface="Cambria Math" panose="02040503050406030204" pitchFamily="18" charset="0"/>
+                          </a:rPr>
+                        </m:ctrlPr>
+                      </m:fPr>
+                      <m:num>
+                        <m:r>
+                          <a:rPr lang="en-US" altLang="ko-KR" sz="1400" b="0" i="0" smtClean="0">
+                            <a:latin typeface="Cambria Math" panose="02040503050406030204" pitchFamily="18" charset="0"/>
+                          </a:rPr>
+                          <m:t>1</m:t>
+                        </m:r>
+                      </m:num>
+                      <m:den>
+                        <m:r>
+                          <a:rPr lang="en-US" altLang="ko-KR" sz="1400" b="0" i="0" smtClean="0">
+                            <a:latin typeface="Cambria Math" panose="02040503050406030204" pitchFamily="18" charset="0"/>
+                          </a:rPr>
+                          <m:t>4</m:t>
+                        </m:r>
+                      </m:den>
+                    </m:f>
+                  </m:oMath>
+                </a14:m>
+                <a:r>
+                  <a:rPr lang="en-US" altLang="ko-KR" sz="1400" dirty="0"/>
+                  <a:t>)</a:t>
+                </a:r>
+              </a:p>
+              <a:p>
+                <a:r>
+                  <a:rPr lang="en-US" altLang="ko-KR" sz="1400" dirty="0"/>
+                  <a:t>Linear Acceleration Method (</a:t>
+                </a:r>
+                <a14:m>
+                  <m:oMath xmlns:m="http://schemas.openxmlformats.org/officeDocument/2006/math">
+                    <m:r>
+                      <a:rPr lang="en-US" altLang="ko-KR" sz="1400" i="1">
+                        <a:latin typeface="Cambria Math" panose="02040503050406030204" pitchFamily="18" charset="0"/>
+                      </a:rPr>
+                      <m:t>𝛾</m:t>
+                    </m:r>
+                    <m:r>
+                      <a:rPr lang="en-US" altLang="ko-KR" sz="1400" i="1">
+                        <a:latin typeface="Cambria Math" panose="02040503050406030204" pitchFamily="18" charset="0"/>
+                      </a:rPr>
+                      <m:t>=</m:t>
+                    </m:r>
+                    <m:f>
+                      <m:fPr>
+                        <m:ctrlPr>
+                          <a:rPr lang="en-US" altLang="ko-KR" sz="1400" i="1">
+                            <a:latin typeface="Cambria Math" panose="02040503050406030204" pitchFamily="18" charset="0"/>
+                          </a:rPr>
+                        </m:ctrlPr>
+                      </m:fPr>
+                      <m:num>
+                        <m:r>
+                          <a:rPr lang="en-US" altLang="ko-KR" sz="1400" i="1">
+                            <a:latin typeface="Cambria Math" panose="02040503050406030204" pitchFamily="18" charset="0"/>
+                          </a:rPr>
+                          <m:t>1</m:t>
+                        </m:r>
+                      </m:num>
+                      <m:den>
+                        <m:r>
+                          <a:rPr lang="en-US" altLang="ko-KR" sz="1400" i="1">
+                            <a:latin typeface="Cambria Math" panose="02040503050406030204" pitchFamily="18" charset="0"/>
+                          </a:rPr>
+                          <m:t>2</m:t>
+                        </m:r>
+                      </m:den>
+                    </m:f>
+                    <m:r>
+                      <a:rPr lang="en-US" altLang="ko-KR" sz="1400" i="1">
+                        <a:latin typeface="Cambria Math" panose="02040503050406030204" pitchFamily="18" charset="0"/>
+                      </a:rPr>
+                      <m:t>, </m:t>
+                    </m:r>
+                    <m:r>
+                      <a:rPr lang="en-US" altLang="ko-KR" sz="1400" i="1">
+                        <a:latin typeface="Cambria Math" panose="02040503050406030204" pitchFamily="18" charset="0"/>
+                      </a:rPr>
+                      <m:t>𝛽</m:t>
+                    </m:r>
+                    <m:r>
+                      <a:rPr lang="en-US" altLang="ko-KR" sz="1400" i="1">
+                        <a:latin typeface="Cambria Math" panose="02040503050406030204" pitchFamily="18" charset="0"/>
+                      </a:rPr>
+                      <m:t>=</m:t>
+                    </m:r>
+                    <m:f>
+                      <m:fPr>
+                        <m:ctrlPr>
+                          <a:rPr lang="en-US" altLang="ko-KR" sz="1400" b="0" i="1" smtClean="0">
+                            <a:latin typeface="Cambria Math" panose="02040503050406030204" pitchFamily="18" charset="0"/>
+                          </a:rPr>
+                        </m:ctrlPr>
+                      </m:fPr>
+                      <m:num>
+                        <m:r>
+                          <a:rPr lang="en-US" altLang="ko-KR" sz="1400" b="0" i="1" smtClean="0">
+                            <a:latin typeface="Cambria Math" panose="02040503050406030204" pitchFamily="18" charset="0"/>
+                          </a:rPr>
+                          <m:t>1</m:t>
+                        </m:r>
+                      </m:num>
+                      <m:den>
+                        <m:r>
+                          <a:rPr lang="en-US" altLang="ko-KR" sz="1400" b="0" i="1" smtClean="0">
+                            <a:latin typeface="Cambria Math" panose="02040503050406030204" pitchFamily="18" charset="0"/>
+                          </a:rPr>
+                          <m:t>6</m:t>
+                        </m:r>
+                      </m:den>
+                    </m:f>
+                  </m:oMath>
+                </a14:m>
+                <a:r>
+                  <a:rPr lang="en-US" altLang="ko-KR" sz="1400" dirty="0"/>
+                  <a:t>)</a:t>
+                </a:r>
+                <a:endParaRPr lang="ko-KR" altLang="en-US" sz="1400" dirty="0"/>
+              </a:p>
+            </p:txBody>
+          </p:sp>
+        </mc:Choice>
+        <mc:Fallback>
+          <p:sp>
+            <p:nvSpPr>
+              <p:cNvPr id="18" name="TextBox 17">
+                <a:extLst>
+                  <a:ext uri="{FF2B5EF4-FFF2-40B4-BE49-F238E27FC236}">
+                    <a16:creationId xmlns:a16="http://schemas.microsoft.com/office/drawing/2014/main" id="{2FED9257-D30B-4F14-AFB3-486B69193324}"/>
+                  </a:ext>
+                </a:extLst>
+              </p:cNvPr>
+              <p:cNvSpPr txBox="1">
+                <a:spLocks noRot="1" noChangeAspect="1" noMove="1" noResize="1" noEditPoints="1" noAdjustHandles="1" noChangeArrowheads="1" noChangeShapeType="1" noTextEdit="1"/>
+              </p:cNvSpPr>
+              <p:nvPr/>
+            </p:nvSpPr>
+            <p:spPr>
+              <a:xfrm>
+                <a:off x="5615069" y="2442766"/>
+                <a:ext cx="3414140" cy="913905"/>
+              </a:xfrm>
+              <a:prstGeom prst="rect">
+                <a:avLst/>
+              </a:prstGeom>
+              <a:blipFill>
+                <a:blip r:embed="rId12"/>
+                <a:stretch>
+                  <a:fillRect l="-3214" t="-1333" b="-6667"/>
+                </a:stretch>
+              </a:blipFill>
+            </p:spPr>
+            <p:txBody>
+              <a:bodyPr/>
+              <a:lstStyle/>
+              <a:p>
+                <a:r>
+                  <a:rPr lang="ko-KR" altLang="en-US">
+                    <a:noFill/>
+                  </a:rPr>
+                  <a:t> </a:t>
+                </a:r>
+              </a:p>
+            </p:txBody>
+          </p:sp>
+        </mc:Fallback>
+      </mc:AlternateContent>
     </p:spTree>
     <p:extLst>
       <p:ext uri="{BB962C8B-B14F-4D97-AF65-F5344CB8AC3E}">
@@ -16424,6 +17173,2727 @@
           </p:sp>
         </mc:Fallback>
       </mc:AlternateContent>
+      <mc:AlternateContent xmlns:mc="http://schemas.openxmlformats.org/markup-compatibility/2006">
+        <mc:Choice xmlns:a14="http://schemas.microsoft.com/office/drawing/2010/main" Requires="a14">
+          <p:sp>
+            <p:nvSpPr>
+              <p:cNvPr id="5" name="TextBox 4">
+                <a:extLst>
+                  <a:ext uri="{FF2B5EF4-FFF2-40B4-BE49-F238E27FC236}">
+                    <a16:creationId xmlns:a16="http://schemas.microsoft.com/office/drawing/2014/main" id="{DEDF6FC0-CCC9-46ED-96AE-71569F580744}"/>
+                  </a:ext>
+                </a:extLst>
+              </p:cNvPr>
+              <p:cNvSpPr txBox="1"/>
+              <p:nvPr/>
+            </p:nvSpPr>
+            <p:spPr>
+              <a:xfrm>
+                <a:off x="177567" y="1738514"/>
+                <a:ext cx="8010142" cy="646331"/>
+              </a:xfrm>
+              <a:prstGeom prst="rect">
+                <a:avLst/>
+              </a:prstGeom>
+              <a:noFill/>
+            </p:spPr>
+            <p:txBody>
+              <a:bodyPr wrap="none" rtlCol="0">
+                <a:spAutoFit/>
+              </a:bodyPr>
+              <a:lstStyle/>
+              <a:p>
+                <a:r>
+                  <a:rPr lang="en-US" altLang="ko-KR" dirty="0"/>
+                  <a:t>(1) </a:t>
+                </a:r>
+                <a:r>
+                  <a:rPr lang="ko-KR" altLang="en-US" dirty="0"/>
+                  <a:t>확장된 시간간격 </a:t>
+                </a:r>
+                <a14:m>
+                  <m:oMath xmlns:m="http://schemas.openxmlformats.org/officeDocument/2006/math">
+                    <m:r>
+                      <a:rPr lang="en-US" altLang="ko-KR" b="0" i="1" smtClean="0">
+                        <a:latin typeface="Cambria Math" panose="02040503050406030204" pitchFamily="18" charset="0"/>
+                      </a:rPr>
+                      <m:t>𝑡</m:t>
+                    </m:r>
+                    <m:r>
+                      <a:rPr lang="en-US" altLang="ko-KR" b="0" i="1" smtClean="0">
+                        <a:latin typeface="Cambria Math" panose="02040503050406030204" pitchFamily="18" charset="0"/>
+                      </a:rPr>
+                      <m:t> ~ </m:t>
+                    </m:r>
+                    <m:r>
+                      <a:rPr lang="en-US" altLang="ko-KR" b="0" i="1" smtClean="0">
+                        <a:latin typeface="Cambria Math" panose="02040503050406030204" pitchFamily="18" charset="0"/>
+                      </a:rPr>
+                      <m:t>𝑡</m:t>
+                    </m:r>
+                    <m:r>
+                      <a:rPr lang="en-US" altLang="ko-KR" b="0" i="1" smtClean="0">
+                        <a:latin typeface="Cambria Math" panose="02040503050406030204" pitchFamily="18" charset="0"/>
+                      </a:rPr>
+                      <m:t>+</m:t>
+                    </m:r>
+                    <m:r>
+                      <a:rPr lang="en-US" altLang="ko-KR" b="0" i="1" smtClean="0">
+                        <a:latin typeface="Cambria Math" panose="02040503050406030204" pitchFamily="18" charset="0"/>
+                      </a:rPr>
+                      <m:t>𝜃</m:t>
+                    </m:r>
+                    <m:r>
+                      <m:rPr>
+                        <m:sty m:val="p"/>
+                      </m:rPr>
+                      <a:rPr lang="en-US" altLang="ko-KR" b="0" i="0" smtClean="0">
+                        <a:latin typeface="Cambria Math" panose="02040503050406030204" pitchFamily="18" charset="0"/>
+                      </a:rPr>
+                      <m:t>Δ</m:t>
+                    </m:r>
+                    <m:r>
+                      <a:rPr lang="en-US" altLang="ko-KR" b="0" i="1" smtClean="0">
+                        <a:latin typeface="Cambria Math" panose="02040503050406030204" pitchFamily="18" charset="0"/>
+                      </a:rPr>
+                      <m:t>𝑡</m:t>
+                    </m:r>
+                  </m:oMath>
+                </a14:m>
+                <a:r>
+                  <a:rPr lang="ko-KR" altLang="en-US" dirty="0"/>
+                  <a:t> </a:t>
+                </a:r>
+                <a:r>
+                  <a:rPr lang="en-US" altLang="ko-KR" dirty="0"/>
+                  <a:t>(</a:t>
+                </a:r>
+                <a14:m>
+                  <m:oMath xmlns:m="http://schemas.openxmlformats.org/officeDocument/2006/math">
+                    <m:r>
+                      <a:rPr lang="en-US" altLang="ko-KR" i="1">
+                        <a:latin typeface="Cambria Math" panose="02040503050406030204" pitchFamily="18" charset="0"/>
+                      </a:rPr>
+                      <m:t>𝜃</m:t>
+                    </m:r>
+                    <m:r>
+                      <a:rPr lang="en-US" altLang="ko-KR" b="0" i="1" smtClean="0">
+                        <a:latin typeface="Cambria Math" panose="02040503050406030204" pitchFamily="18" charset="0"/>
+                      </a:rPr>
+                      <m:t>≥1)</m:t>
+                    </m:r>
+                  </m:oMath>
+                </a14:m>
+                <a:r>
+                  <a:rPr lang="ko-KR" altLang="en-US" dirty="0"/>
+                  <a:t>에서 가속도 응답이 선형인 것으로 가정</a:t>
+                </a:r>
+                <a:br>
+                  <a:rPr lang="en-US" altLang="ko-KR" dirty="0"/>
+                </a:br>
+                <a:r>
+                  <a:rPr lang="en-US" altLang="ko-KR" dirty="0"/>
+                  <a:t>      (</a:t>
+                </a:r>
+                <a:r>
+                  <a:rPr lang="ko-KR" altLang="en-US" dirty="0"/>
+                  <a:t>선형가속도법의 불안정성 보완</a:t>
+                </a:r>
+                <a:r>
+                  <a:rPr lang="en-US" altLang="ko-KR" dirty="0"/>
+                  <a:t>)</a:t>
+                </a:r>
+                <a:endParaRPr lang="ko-KR" altLang="en-US" dirty="0"/>
+              </a:p>
+            </p:txBody>
+          </p:sp>
+        </mc:Choice>
+        <mc:Fallback>
+          <p:sp>
+            <p:nvSpPr>
+              <p:cNvPr id="5" name="TextBox 4">
+                <a:extLst>
+                  <a:ext uri="{FF2B5EF4-FFF2-40B4-BE49-F238E27FC236}">
+                    <a16:creationId xmlns:a16="http://schemas.microsoft.com/office/drawing/2014/main" id="{DEDF6FC0-CCC9-46ED-96AE-71569F580744}"/>
+                  </a:ext>
+                </a:extLst>
+              </p:cNvPr>
+              <p:cNvSpPr txBox="1">
+                <a:spLocks noRot="1" noChangeAspect="1" noMove="1" noResize="1" noEditPoints="1" noAdjustHandles="1" noChangeArrowheads="1" noChangeShapeType="1" noTextEdit="1"/>
+              </p:cNvSpPr>
+              <p:nvPr/>
+            </p:nvSpPr>
+            <p:spPr>
+              <a:xfrm>
+                <a:off x="177567" y="1738514"/>
+                <a:ext cx="8010142" cy="646331"/>
+              </a:xfrm>
+              <a:prstGeom prst="rect">
+                <a:avLst/>
+              </a:prstGeom>
+              <a:blipFill>
+                <a:blip r:embed="rId3"/>
+                <a:stretch>
+                  <a:fillRect l="-609" t="-6604" r="-457" b="-14151"/>
+                </a:stretch>
+              </a:blipFill>
+            </p:spPr>
+            <p:txBody>
+              <a:bodyPr/>
+              <a:lstStyle/>
+              <a:p>
+                <a:r>
+                  <a:rPr lang="ko-KR" altLang="en-US">
+                    <a:noFill/>
+                  </a:rPr>
+                  <a:t> </a:t>
+                </a:r>
+              </a:p>
+            </p:txBody>
+          </p:sp>
+        </mc:Fallback>
+      </mc:AlternateContent>
+      <mc:AlternateContent xmlns:mc="http://schemas.openxmlformats.org/markup-compatibility/2006">
+        <mc:Choice xmlns:a14="http://schemas.microsoft.com/office/drawing/2010/main" Requires="a14">
+          <p:sp>
+            <p:nvSpPr>
+              <p:cNvPr id="6" name="직사각형 5">
+                <a:extLst>
+                  <a:ext uri="{FF2B5EF4-FFF2-40B4-BE49-F238E27FC236}">
+                    <a16:creationId xmlns:a16="http://schemas.microsoft.com/office/drawing/2014/main" id="{793CC70B-4FAD-49E2-81F8-A8B773979375}"/>
+                  </a:ext>
+                </a:extLst>
+              </p:cNvPr>
+              <p:cNvSpPr/>
+              <p:nvPr/>
+            </p:nvSpPr>
+            <p:spPr>
+              <a:xfrm>
+                <a:off x="571499" y="2276020"/>
+                <a:ext cx="6753225" cy="1209498"/>
+              </a:xfrm>
+              <a:prstGeom prst="rect">
+                <a:avLst/>
+              </a:prstGeom>
+            </p:spPr>
+            <p:txBody>
+              <a:bodyPr wrap="square">
+                <a:spAutoFit/>
+              </a:bodyPr>
+              <a:lstStyle/>
+              <a:p>
+                <a:pPr algn="just" latinLnBrk="1">
+                  <a:lnSpc>
+                    <a:spcPct val="107000"/>
+                  </a:lnSpc>
+                  <a:spcAft>
+                    <a:spcPts val="800"/>
+                  </a:spcAft>
+                </a:pPr>
+                <a14:m>
+                  <m:oMathPara xmlns:m="http://schemas.openxmlformats.org/officeDocument/2006/math">
+                    <m:oMathParaPr>
+                      <m:jc m:val="left"/>
+                    </m:oMathParaPr>
+                    <m:oMath xmlns:m="http://schemas.openxmlformats.org/officeDocument/2006/math">
+                      <m:acc>
+                        <m:accPr>
+                          <m:chr m:val="̈"/>
+                          <m:ctrlPr>
+                            <a:rPr lang="ko-KR" altLang="ko-KR" i="1" kern="100">
+                              <a:latin typeface="Cambria Math" panose="02040503050406030204" pitchFamily="18" charset="0"/>
+                              <a:ea typeface="Cambria Math" panose="02040503050406030204" pitchFamily="18" charset="0"/>
+                              <a:cs typeface="Times New Roman" panose="02020603050405020304" pitchFamily="18" charset="0"/>
+                            </a:rPr>
+                          </m:ctrlPr>
+                        </m:accPr>
+                        <m:e>
+                          <m:r>
+                            <a:rPr lang="en-US" altLang="ko-KR" i="1" kern="100">
+                              <a:latin typeface="Cambria Math" panose="02040503050406030204" pitchFamily="18" charset="0"/>
+                              <a:cs typeface="Times New Roman" panose="02020603050405020304" pitchFamily="18" charset="0"/>
+                            </a:rPr>
+                            <m:t>𝑥</m:t>
+                          </m:r>
+                        </m:e>
+                      </m:acc>
+                      <m:d>
+                        <m:dPr>
+                          <m:ctrlPr>
+                            <a:rPr lang="ko-KR" altLang="ko-KR" i="1" kern="100">
+                              <a:latin typeface="Cambria Math" panose="02040503050406030204" pitchFamily="18" charset="0"/>
+                              <a:ea typeface="Cambria Math" panose="02040503050406030204" pitchFamily="18" charset="0"/>
+                              <a:cs typeface="Times New Roman" panose="02020603050405020304" pitchFamily="18" charset="0"/>
+                            </a:rPr>
+                          </m:ctrlPr>
+                        </m:dPr>
+                        <m:e>
+                          <m:r>
+                            <a:rPr lang="en-US" altLang="ko-KR" i="1" kern="100">
+                              <a:latin typeface="Cambria Math" panose="02040503050406030204" pitchFamily="18" charset="0"/>
+                              <a:cs typeface="Times New Roman" panose="02020603050405020304" pitchFamily="18" charset="0"/>
+                            </a:rPr>
+                            <m:t>𝑡</m:t>
+                          </m:r>
+                        </m:e>
+                      </m:d>
+                      <m:r>
+                        <a:rPr lang="en-US" altLang="ko-KR" i="1" kern="100">
+                          <a:latin typeface="Cambria Math" panose="02040503050406030204" pitchFamily="18" charset="0"/>
+                          <a:cs typeface="Times New Roman" panose="02020603050405020304" pitchFamily="18" charset="0"/>
+                        </a:rPr>
+                        <m:t>=</m:t>
+                      </m:r>
+                      <m:sSub>
+                        <m:sSubPr>
+                          <m:ctrlPr>
+                            <a:rPr lang="ko-KR" altLang="ko-KR" i="1" kern="100">
+                              <a:latin typeface="Cambria Math" panose="02040503050406030204" pitchFamily="18" charset="0"/>
+                              <a:ea typeface="Cambria Math" panose="02040503050406030204" pitchFamily="18" charset="0"/>
+                              <a:cs typeface="Times New Roman" panose="02020603050405020304" pitchFamily="18" charset="0"/>
+                            </a:rPr>
+                          </m:ctrlPr>
+                        </m:sSubPr>
+                        <m:e>
+                          <m:acc>
+                            <m:accPr>
+                              <m:chr m:val="̈"/>
+                              <m:ctrlPr>
+                                <a:rPr lang="ko-KR" altLang="ko-KR" i="1" kern="100">
+                                  <a:latin typeface="Cambria Math" panose="02040503050406030204" pitchFamily="18" charset="0"/>
+                                  <a:ea typeface="Cambria Math" panose="02040503050406030204" pitchFamily="18" charset="0"/>
+                                  <a:cs typeface="Times New Roman" panose="02020603050405020304" pitchFamily="18" charset="0"/>
+                                </a:rPr>
+                              </m:ctrlPr>
+                            </m:accPr>
+                            <m:e>
+                              <m:r>
+                                <a:rPr lang="en-US" altLang="ko-KR" i="1" kern="100">
+                                  <a:latin typeface="Cambria Math" panose="02040503050406030204" pitchFamily="18" charset="0"/>
+                                  <a:cs typeface="Times New Roman" panose="02020603050405020304" pitchFamily="18" charset="0"/>
+                                </a:rPr>
+                                <m:t>𝑥</m:t>
+                              </m:r>
+                            </m:e>
+                          </m:acc>
+                        </m:e>
+                        <m:sub>
+                          <m:r>
+                            <a:rPr lang="en-US" altLang="ko-KR" i="1" kern="100">
+                              <a:latin typeface="Cambria Math" panose="02040503050406030204" pitchFamily="18" charset="0"/>
+                              <a:cs typeface="Times New Roman" panose="02020603050405020304" pitchFamily="18" charset="0"/>
+                            </a:rPr>
+                            <m:t>𝑖</m:t>
+                          </m:r>
+                        </m:sub>
+                      </m:sSub>
+                      <m:r>
+                        <a:rPr lang="en-US" altLang="ko-KR" i="1" kern="100">
+                          <a:latin typeface="Cambria Math" panose="02040503050406030204" pitchFamily="18" charset="0"/>
+                          <a:cs typeface="Times New Roman" panose="02020603050405020304" pitchFamily="18" charset="0"/>
+                        </a:rPr>
+                        <m:t>+</m:t>
+                      </m:r>
+                      <m:f>
+                        <m:fPr>
+                          <m:ctrlPr>
+                            <a:rPr lang="ko-KR" altLang="ko-KR" i="1" kern="100">
+                              <a:latin typeface="Cambria Math" panose="02040503050406030204" pitchFamily="18" charset="0"/>
+                              <a:ea typeface="Cambria Math" panose="02040503050406030204" pitchFamily="18" charset="0"/>
+                              <a:cs typeface="Times New Roman" panose="02020603050405020304" pitchFamily="18" charset="0"/>
+                            </a:rPr>
+                          </m:ctrlPr>
+                        </m:fPr>
+                        <m:num>
+                          <m:acc>
+                            <m:accPr>
+                              <m:chr m:val="̂"/>
+                              <m:ctrlPr>
+                                <a:rPr lang="ko-KR" altLang="ko-KR" i="1" kern="100">
+                                  <a:latin typeface="Cambria Math" panose="02040503050406030204" pitchFamily="18" charset="0"/>
+                                  <a:ea typeface="Cambria Math" panose="02040503050406030204" pitchFamily="18" charset="0"/>
+                                  <a:cs typeface="Times New Roman" panose="02020603050405020304" pitchFamily="18" charset="0"/>
+                                </a:rPr>
+                              </m:ctrlPr>
+                            </m:accPr>
+                            <m:e>
+                              <m:r>
+                                <m:rPr>
+                                  <m:sty m:val="p"/>
+                                </m:rPr>
+                                <a:rPr lang="en-US" altLang="ko-KR" kern="100">
+                                  <a:latin typeface="Cambria Math" panose="02040503050406030204" pitchFamily="18" charset="0"/>
+                                  <a:cs typeface="Times New Roman" panose="02020603050405020304" pitchFamily="18" charset="0"/>
+                                </a:rPr>
+                                <m:t>Δ</m:t>
+                              </m:r>
+                            </m:e>
+                          </m:acc>
+                          <m:sSub>
+                            <m:sSubPr>
+                              <m:ctrlPr>
+                                <a:rPr lang="ko-KR" altLang="ko-KR" i="1" kern="100">
+                                  <a:latin typeface="Cambria Math" panose="02040503050406030204" pitchFamily="18" charset="0"/>
+                                  <a:ea typeface="Cambria Math" panose="02040503050406030204" pitchFamily="18" charset="0"/>
+                                  <a:cs typeface="Times New Roman" panose="02020603050405020304" pitchFamily="18" charset="0"/>
+                                </a:rPr>
+                              </m:ctrlPr>
+                            </m:sSubPr>
+                            <m:e>
+                              <m:acc>
+                                <m:accPr>
+                                  <m:chr m:val="̈"/>
+                                  <m:ctrlPr>
+                                    <a:rPr lang="ko-KR" altLang="ko-KR" i="1" kern="100">
+                                      <a:latin typeface="Cambria Math" panose="02040503050406030204" pitchFamily="18" charset="0"/>
+                                      <a:ea typeface="Cambria Math" panose="02040503050406030204" pitchFamily="18" charset="0"/>
+                                      <a:cs typeface="Times New Roman" panose="02020603050405020304" pitchFamily="18" charset="0"/>
+                                    </a:rPr>
+                                  </m:ctrlPr>
+                                </m:accPr>
+                                <m:e>
+                                  <m:r>
+                                    <a:rPr lang="en-US" altLang="ko-KR" i="1" kern="100">
+                                      <a:latin typeface="Cambria Math" panose="02040503050406030204" pitchFamily="18" charset="0"/>
+                                      <a:cs typeface="Times New Roman" panose="02020603050405020304" pitchFamily="18" charset="0"/>
+                                    </a:rPr>
+                                    <m:t>𝑥</m:t>
+                                  </m:r>
+                                </m:e>
+                              </m:acc>
+                            </m:e>
+                            <m:sub>
+                              <m:r>
+                                <a:rPr lang="en-US" altLang="ko-KR" i="1" kern="100">
+                                  <a:latin typeface="Cambria Math" panose="02040503050406030204" pitchFamily="18" charset="0"/>
+                                  <a:cs typeface="Times New Roman" panose="02020603050405020304" pitchFamily="18" charset="0"/>
+                                </a:rPr>
+                                <m:t>𝑖</m:t>
+                              </m:r>
+                            </m:sub>
+                          </m:sSub>
+                        </m:num>
+                        <m:den>
+                          <m:r>
+                            <a:rPr lang="en-US" altLang="ko-KR" i="1" kern="100">
+                              <a:latin typeface="Cambria Math" panose="02040503050406030204" pitchFamily="18" charset="0"/>
+                              <a:cs typeface="Times New Roman" panose="02020603050405020304" pitchFamily="18" charset="0"/>
+                            </a:rPr>
+                            <m:t>𝜃</m:t>
+                          </m:r>
+                          <m:r>
+                            <m:rPr>
+                              <m:sty m:val="p"/>
+                            </m:rPr>
+                            <a:rPr lang="en-US" altLang="ko-KR" kern="100">
+                              <a:latin typeface="Cambria Math" panose="02040503050406030204" pitchFamily="18" charset="0"/>
+                              <a:cs typeface="Times New Roman" panose="02020603050405020304" pitchFamily="18" charset="0"/>
+                            </a:rPr>
+                            <m:t>Δ</m:t>
+                          </m:r>
+                          <m:r>
+                            <a:rPr lang="en-US" altLang="ko-KR" i="1" kern="100">
+                              <a:latin typeface="Cambria Math" panose="02040503050406030204" pitchFamily="18" charset="0"/>
+                              <a:cs typeface="Times New Roman" panose="02020603050405020304" pitchFamily="18" charset="0"/>
+                            </a:rPr>
+                            <m:t>𝑡</m:t>
+                          </m:r>
+                        </m:den>
+                      </m:f>
+                      <m:d>
+                        <m:dPr>
+                          <m:ctrlPr>
+                            <a:rPr lang="ko-KR" altLang="ko-KR" i="1" kern="100">
+                              <a:latin typeface="Cambria Math" panose="02040503050406030204" pitchFamily="18" charset="0"/>
+                              <a:ea typeface="Cambria Math" panose="02040503050406030204" pitchFamily="18" charset="0"/>
+                              <a:cs typeface="Times New Roman" panose="02020603050405020304" pitchFamily="18" charset="0"/>
+                            </a:rPr>
+                          </m:ctrlPr>
+                        </m:dPr>
+                        <m:e>
+                          <m:r>
+                            <a:rPr lang="en-US" altLang="ko-KR" i="1" kern="100">
+                              <a:latin typeface="Cambria Math" panose="02040503050406030204" pitchFamily="18" charset="0"/>
+                              <a:cs typeface="Times New Roman" panose="02020603050405020304" pitchFamily="18" charset="0"/>
+                            </a:rPr>
+                            <m:t>𝑡</m:t>
+                          </m:r>
+                          <m:r>
+                            <a:rPr lang="en-US" altLang="ko-KR" i="1" kern="100">
+                              <a:latin typeface="Cambria Math" panose="02040503050406030204" pitchFamily="18" charset="0"/>
+                              <a:cs typeface="Times New Roman" panose="02020603050405020304" pitchFamily="18" charset="0"/>
+                            </a:rPr>
+                            <m:t>−</m:t>
+                          </m:r>
+                          <m:sSub>
+                            <m:sSubPr>
+                              <m:ctrlPr>
+                                <a:rPr lang="ko-KR" altLang="ko-KR" i="1" kern="100">
+                                  <a:latin typeface="Cambria Math" panose="02040503050406030204" pitchFamily="18" charset="0"/>
+                                  <a:ea typeface="Cambria Math" panose="02040503050406030204" pitchFamily="18" charset="0"/>
+                                  <a:cs typeface="Times New Roman" panose="02020603050405020304" pitchFamily="18" charset="0"/>
+                                </a:rPr>
+                              </m:ctrlPr>
+                            </m:sSubPr>
+                            <m:e>
+                              <m:r>
+                                <a:rPr lang="en-US" altLang="ko-KR" i="1" kern="100">
+                                  <a:latin typeface="Cambria Math" panose="02040503050406030204" pitchFamily="18" charset="0"/>
+                                  <a:cs typeface="Times New Roman" panose="02020603050405020304" pitchFamily="18" charset="0"/>
+                                </a:rPr>
+                                <m:t>𝑡</m:t>
+                              </m:r>
+                            </m:e>
+                            <m:sub>
+                              <m:r>
+                                <a:rPr lang="en-US" altLang="ko-KR" i="1" kern="100">
+                                  <a:latin typeface="Cambria Math" panose="02040503050406030204" pitchFamily="18" charset="0"/>
+                                  <a:cs typeface="Times New Roman" panose="02020603050405020304" pitchFamily="18" charset="0"/>
+                                </a:rPr>
+                                <m:t>𝑖</m:t>
+                              </m:r>
+                            </m:sub>
+                          </m:sSub>
+                        </m:e>
+                      </m:d>
+                      <m:r>
+                        <a:rPr lang="en-US" altLang="ko-KR" i="1" kern="100">
+                          <a:latin typeface="Cambria Math" panose="02040503050406030204" pitchFamily="18" charset="0"/>
+                          <a:cs typeface="Times New Roman" panose="02020603050405020304" pitchFamily="18" charset="0"/>
+                        </a:rPr>
+                        <m:t> </m:t>
+                      </m:r>
+                      <m:r>
+                        <a:rPr lang="en-US" altLang="ko-KR" i="1" kern="100">
+                          <a:latin typeface="Cambria Math" panose="02040503050406030204" pitchFamily="18" charset="0"/>
+                          <a:cs typeface="Times New Roman" panose="02020603050405020304" pitchFamily="18" charset="0"/>
+                        </a:rPr>
+                        <m:t>𝑓𝑜𝑟</m:t>
+                      </m:r>
+                      <m:r>
+                        <a:rPr lang="en-US" altLang="ko-KR" i="1" kern="100">
+                          <a:latin typeface="Cambria Math" panose="02040503050406030204" pitchFamily="18" charset="0"/>
+                          <a:cs typeface="Times New Roman" panose="02020603050405020304" pitchFamily="18" charset="0"/>
+                        </a:rPr>
+                        <m:t> </m:t>
+                      </m:r>
+                      <m:sSub>
+                        <m:sSubPr>
+                          <m:ctrlPr>
+                            <a:rPr lang="ko-KR" altLang="ko-KR" i="1" kern="100">
+                              <a:latin typeface="Cambria Math" panose="02040503050406030204" pitchFamily="18" charset="0"/>
+                              <a:ea typeface="Cambria Math" panose="02040503050406030204" pitchFamily="18" charset="0"/>
+                              <a:cs typeface="Times New Roman" panose="02020603050405020304" pitchFamily="18" charset="0"/>
+                            </a:rPr>
+                          </m:ctrlPr>
+                        </m:sSubPr>
+                        <m:e>
+                          <m:r>
+                            <a:rPr lang="en-US" altLang="ko-KR" i="1" kern="100">
+                              <a:latin typeface="Cambria Math" panose="02040503050406030204" pitchFamily="18" charset="0"/>
+                              <a:cs typeface="Times New Roman" panose="02020603050405020304" pitchFamily="18" charset="0"/>
+                            </a:rPr>
+                            <m:t>𝑡</m:t>
+                          </m:r>
+                        </m:e>
+                        <m:sub>
+                          <m:r>
+                            <a:rPr lang="en-US" altLang="ko-KR" i="1" kern="100">
+                              <a:latin typeface="Cambria Math" panose="02040503050406030204" pitchFamily="18" charset="0"/>
+                              <a:cs typeface="Times New Roman" panose="02020603050405020304" pitchFamily="18" charset="0"/>
+                            </a:rPr>
+                            <m:t>𝑖</m:t>
+                          </m:r>
+                        </m:sub>
+                      </m:sSub>
+                      <m:r>
+                        <a:rPr lang="en-US" altLang="ko-KR" i="1" kern="100">
+                          <a:latin typeface="Cambria Math" panose="02040503050406030204" pitchFamily="18" charset="0"/>
+                          <a:cs typeface="Times New Roman" panose="02020603050405020304" pitchFamily="18" charset="0"/>
+                        </a:rPr>
+                        <m:t>≤</m:t>
+                      </m:r>
+                      <m:r>
+                        <a:rPr lang="en-US" altLang="ko-KR" i="1" kern="100">
+                          <a:latin typeface="Cambria Math" panose="02040503050406030204" pitchFamily="18" charset="0"/>
+                          <a:cs typeface="Times New Roman" panose="02020603050405020304" pitchFamily="18" charset="0"/>
+                        </a:rPr>
+                        <m:t>𝑡</m:t>
+                      </m:r>
+                      <m:r>
+                        <a:rPr lang="en-US" altLang="ko-KR" i="1" kern="100">
+                          <a:latin typeface="Cambria Math" panose="02040503050406030204" pitchFamily="18" charset="0"/>
+                          <a:cs typeface="Times New Roman" panose="02020603050405020304" pitchFamily="18" charset="0"/>
+                        </a:rPr>
+                        <m:t>≤</m:t>
+                      </m:r>
+                      <m:sSub>
+                        <m:sSubPr>
+                          <m:ctrlPr>
+                            <a:rPr lang="ko-KR" altLang="ko-KR" i="1" kern="100">
+                              <a:latin typeface="Cambria Math" panose="02040503050406030204" pitchFamily="18" charset="0"/>
+                              <a:ea typeface="Cambria Math" panose="02040503050406030204" pitchFamily="18" charset="0"/>
+                              <a:cs typeface="Times New Roman" panose="02020603050405020304" pitchFamily="18" charset="0"/>
+                            </a:rPr>
+                          </m:ctrlPr>
+                        </m:sSubPr>
+                        <m:e>
+                          <m:r>
+                            <a:rPr lang="en-US" altLang="ko-KR" i="1" kern="100">
+                              <a:latin typeface="Cambria Math" panose="02040503050406030204" pitchFamily="18" charset="0"/>
+                              <a:cs typeface="Times New Roman" panose="02020603050405020304" pitchFamily="18" charset="0"/>
+                            </a:rPr>
+                            <m:t>𝑡</m:t>
+                          </m:r>
+                        </m:e>
+                        <m:sub>
+                          <m:r>
+                            <a:rPr lang="en-US" altLang="ko-KR" i="1" kern="100">
+                              <a:latin typeface="Cambria Math" panose="02040503050406030204" pitchFamily="18" charset="0"/>
+                              <a:cs typeface="Times New Roman" panose="02020603050405020304" pitchFamily="18" charset="0"/>
+                            </a:rPr>
+                            <m:t>𝑖</m:t>
+                          </m:r>
+                        </m:sub>
+                      </m:sSub>
+                      <m:r>
+                        <a:rPr lang="en-US" altLang="ko-KR" i="1" kern="100">
+                          <a:latin typeface="Cambria Math" panose="02040503050406030204" pitchFamily="18" charset="0"/>
+                          <a:cs typeface="Times New Roman" panose="02020603050405020304" pitchFamily="18" charset="0"/>
+                        </a:rPr>
+                        <m:t>+</m:t>
+                      </m:r>
+                      <m:r>
+                        <a:rPr lang="en-US" altLang="ko-KR" i="1" kern="100">
+                          <a:latin typeface="Cambria Math" panose="02040503050406030204" pitchFamily="18" charset="0"/>
+                          <a:cs typeface="Times New Roman" panose="02020603050405020304" pitchFamily="18" charset="0"/>
+                        </a:rPr>
+                        <m:t>𝜃</m:t>
+                      </m:r>
+                      <m:r>
+                        <m:rPr>
+                          <m:sty m:val="p"/>
+                        </m:rPr>
+                        <a:rPr lang="en-US" altLang="ko-KR" kern="100">
+                          <a:latin typeface="Cambria Math" panose="02040503050406030204" pitchFamily="18" charset="0"/>
+                          <a:cs typeface="Times New Roman" panose="02020603050405020304" pitchFamily="18" charset="0"/>
+                        </a:rPr>
+                        <m:t>Δ</m:t>
+                      </m:r>
+                      <m:r>
+                        <a:rPr lang="en-US" altLang="ko-KR" i="1" kern="100">
+                          <a:latin typeface="Cambria Math" panose="02040503050406030204" pitchFamily="18" charset="0"/>
+                          <a:cs typeface="Times New Roman" panose="02020603050405020304" pitchFamily="18" charset="0"/>
+                        </a:rPr>
+                        <m:t>𝑡</m:t>
+                      </m:r>
+                    </m:oMath>
+                  </m:oMathPara>
+                </a14:m>
+                <a:endParaRPr lang="ko-KR" altLang="ko-KR" kern="100" dirty="0">
+                  <a:latin typeface="맑은 고딕" panose="020B0503020000020004" pitchFamily="50" charset="-127"/>
+                  <a:cs typeface="Times New Roman" panose="02020603050405020304" pitchFamily="18" charset="0"/>
+                </a:endParaRPr>
+              </a:p>
+              <a:p>
+                <a:pPr algn="just" latinLnBrk="1">
+                  <a:lnSpc>
+                    <a:spcPct val="107000"/>
+                  </a:lnSpc>
+                  <a:spcAft>
+                    <a:spcPts val="800"/>
+                  </a:spcAft>
+                </a:pPr>
+                <a14:m>
+                  <m:oMathPara xmlns:m="http://schemas.openxmlformats.org/officeDocument/2006/math">
+                    <m:oMathParaPr>
+                      <m:jc m:val="left"/>
+                    </m:oMathParaPr>
+                    <m:oMath xmlns:m="http://schemas.openxmlformats.org/officeDocument/2006/math">
+                      <m:acc>
+                        <m:accPr>
+                          <m:chr m:val="̂"/>
+                          <m:ctrlPr>
+                            <a:rPr lang="ko-KR" altLang="ko-KR" i="1" kern="100">
+                              <a:latin typeface="Cambria Math" panose="02040503050406030204" pitchFamily="18" charset="0"/>
+                              <a:ea typeface="Cambria Math" panose="02040503050406030204" pitchFamily="18" charset="0"/>
+                              <a:cs typeface="Times New Roman" panose="02020603050405020304" pitchFamily="18" charset="0"/>
+                            </a:rPr>
+                          </m:ctrlPr>
+                        </m:accPr>
+                        <m:e>
+                          <m:r>
+                            <m:rPr>
+                              <m:sty m:val="p"/>
+                            </m:rPr>
+                            <a:rPr lang="en-US" altLang="ko-KR" kern="100">
+                              <a:latin typeface="Cambria Math" panose="02040503050406030204" pitchFamily="18" charset="0"/>
+                              <a:cs typeface="Times New Roman" panose="02020603050405020304" pitchFamily="18" charset="0"/>
+                            </a:rPr>
+                            <m:t>Δ</m:t>
+                          </m:r>
+                        </m:e>
+                      </m:acc>
+                      <m:sSub>
+                        <m:sSubPr>
+                          <m:ctrlPr>
+                            <a:rPr lang="ko-KR" altLang="ko-KR" i="1" kern="100">
+                              <a:latin typeface="Cambria Math" panose="02040503050406030204" pitchFamily="18" charset="0"/>
+                              <a:ea typeface="Cambria Math" panose="02040503050406030204" pitchFamily="18" charset="0"/>
+                              <a:cs typeface="Times New Roman" panose="02020603050405020304" pitchFamily="18" charset="0"/>
+                            </a:rPr>
+                          </m:ctrlPr>
+                        </m:sSubPr>
+                        <m:e>
+                          <m:acc>
+                            <m:accPr>
+                              <m:chr m:val="̈"/>
+                              <m:ctrlPr>
+                                <a:rPr lang="ko-KR" altLang="ko-KR" i="1" kern="100">
+                                  <a:latin typeface="Cambria Math" panose="02040503050406030204" pitchFamily="18" charset="0"/>
+                                  <a:ea typeface="Cambria Math" panose="02040503050406030204" pitchFamily="18" charset="0"/>
+                                  <a:cs typeface="Times New Roman" panose="02020603050405020304" pitchFamily="18" charset="0"/>
+                                </a:rPr>
+                              </m:ctrlPr>
+                            </m:accPr>
+                            <m:e>
+                              <m:r>
+                                <a:rPr lang="en-US" altLang="ko-KR" i="1" kern="100">
+                                  <a:latin typeface="Cambria Math" panose="02040503050406030204" pitchFamily="18" charset="0"/>
+                                  <a:cs typeface="Times New Roman" panose="02020603050405020304" pitchFamily="18" charset="0"/>
+                                </a:rPr>
+                                <m:t>𝑥</m:t>
+                              </m:r>
+                            </m:e>
+                          </m:acc>
+                        </m:e>
+                        <m:sub>
+                          <m:r>
+                            <a:rPr lang="en-US" altLang="ko-KR" i="1" kern="100">
+                              <a:latin typeface="Cambria Math" panose="02040503050406030204" pitchFamily="18" charset="0"/>
+                              <a:cs typeface="Times New Roman" panose="02020603050405020304" pitchFamily="18" charset="0"/>
+                            </a:rPr>
+                            <m:t>𝑖</m:t>
+                          </m:r>
+                        </m:sub>
+                      </m:sSub>
+                      <m:r>
+                        <a:rPr lang="en-US" altLang="ko-KR" i="1" kern="100">
+                          <a:latin typeface="Cambria Math" panose="02040503050406030204" pitchFamily="18" charset="0"/>
+                          <a:cs typeface="Times New Roman" panose="02020603050405020304" pitchFamily="18" charset="0"/>
+                        </a:rPr>
+                        <m:t>=</m:t>
+                      </m:r>
+                      <m:acc>
+                        <m:accPr>
+                          <m:chr m:val="̈"/>
+                          <m:ctrlPr>
+                            <a:rPr lang="ko-KR" altLang="ko-KR" i="1" kern="100">
+                              <a:latin typeface="Cambria Math" panose="02040503050406030204" pitchFamily="18" charset="0"/>
+                              <a:ea typeface="Cambria Math" panose="02040503050406030204" pitchFamily="18" charset="0"/>
+                              <a:cs typeface="Times New Roman" panose="02020603050405020304" pitchFamily="18" charset="0"/>
+                            </a:rPr>
+                          </m:ctrlPr>
+                        </m:accPr>
+                        <m:e>
+                          <m:r>
+                            <a:rPr lang="en-US" altLang="ko-KR" i="1" kern="100">
+                              <a:latin typeface="Cambria Math" panose="02040503050406030204" pitchFamily="18" charset="0"/>
+                              <a:cs typeface="Times New Roman" panose="02020603050405020304" pitchFamily="18" charset="0"/>
+                            </a:rPr>
+                            <m:t>𝑥</m:t>
+                          </m:r>
+                        </m:e>
+                      </m:acc>
+                      <m:d>
+                        <m:dPr>
+                          <m:ctrlPr>
+                            <a:rPr lang="ko-KR" altLang="ko-KR" i="1" kern="100">
+                              <a:latin typeface="Cambria Math" panose="02040503050406030204" pitchFamily="18" charset="0"/>
+                              <a:ea typeface="Cambria Math" panose="02040503050406030204" pitchFamily="18" charset="0"/>
+                              <a:cs typeface="Times New Roman" panose="02020603050405020304" pitchFamily="18" charset="0"/>
+                            </a:rPr>
+                          </m:ctrlPr>
+                        </m:dPr>
+                        <m:e>
+                          <m:sSub>
+                            <m:sSubPr>
+                              <m:ctrlPr>
+                                <a:rPr lang="ko-KR" altLang="ko-KR" i="1" kern="100">
+                                  <a:latin typeface="Cambria Math" panose="02040503050406030204" pitchFamily="18" charset="0"/>
+                                  <a:ea typeface="Cambria Math" panose="02040503050406030204" pitchFamily="18" charset="0"/>
+                                  <a:cs typeface="Times New Roman" panose="02020603050405020304" pitchFamily="18" charset="0"/>
+                                </a:rPr>
+                              </m:ctrlPr>
+                            </m:sSubPr>
+                            <m:e>
+                              <m:r>
+                                <a:rPr lang="en-US" altLang="ko-KR" i="1" kern="100">
+                                  <a:latin typeface="Cambria Math" panose="02040503050406030204" pitchFamily="18" charset="0"/>
+                                  <a:cs typeface="Times New Roman" panose="02020603050405020304" pitchFamily="18" charset="0"/>
+                                </a:rPr>
+                                <m:t>𝑡</m:t>
+                              </m:r>
+                            </m:e>
+                            <m:sub>
+                              <m:r>
+                                <a:rPr lang="en-US" altLang="ko-KR" i="1" kern="100">
+                                  <a:latin typeface="Cambria Math" panose="02040503050406030204" pitchFamily="18" charset="0"/>
+                                  <a:cs typeface="Times New Roman" panose="02020603050405020304" pitchFamily="18" charset="0"/>
+                                </a:rPr>
+                                <m:t>𝑖</m:t>
+                              </m:r>
+                            </m:sub>
+                          </m:sSub>
+                          <m:r>
+                            <a:rPr lang="en-US" altLang="ko-KR" i="1" kern="100">
+                              <a:latin typeface="Cambria Math" panose="02040503050406030204" pitchFamily="18" charset="0"/>
+                              <a:cs typeface="Times New Roman" panose="02020603050405020304" pitchFamily="18" charset="0"/>
+                            </a:rPr>
+                            <m:t>+</m:t>
+                          </m:r>
+                          <m:r>
+                            <a:rPr lang="en-US" altLang="ko-KR" i="1" kern="100">
+                              <a:latin typeface="Cambria Math" panose="02040503050406030204" pitchFamily="18" charset="0"/>
+                              <a:cs typeface="Times New Roman" panose="02020603050405020304" pitchFamily="18" charset="0"/>
+                            </a:rPr>
+                            <m:t>𝜃</m:t>
+                          </m:r>
+                          <m:r>
+                            <m:rPr>
+                              <m:sty m:val="p"/>
+                            </m:rPr>
+                            <a:rPr lang="en-US" altLang="ko-KR" kern="100">
+                              <a:latin typeface="Cambria Math" panose="02040503050406030204" pitchFamily="18" charset="0"/>
+                              <a:cs typeface="Times New Roman" panose="02020603050405020304" pitchFamily="18" charset="0"/>
+                            </a:rPr>
+                            <m:t>Δ</m:t>
+                          </m:r>
+                          <m:r>
+                            <a:rPr lang="en-US" altLang="ko-KR" i="1" kern="100">
+                              <a:latin typeface="Cambria Math" panose="02040503050406030204" pitchFamily="18" charset="0"/>
+                              <a:cs typeface="Times New Roman" panose="02020603050405020304" pitchFamily="18" charset="0"/>
+                            </a:rPr>
+                            <m:t>𝑡</m:t>
+                          </m:r>
+                        </m:e>
+                      </m:d>
+                      <m:r>
+                        <a:rPr lang="en-US" altLang="ko-KR" i="1" kern="100">
+                          <a:latin typeface="Cambria Math" panose="02040503050406030204" pitchFamily="18" charset="0"/>
+                          <a:cs typeface="Times New Roman" panose="02020603050405020304" pitchFamily="18" charset="0"/>
+                        </a:rPr>
+                        <m:t>−</m:t>
+                      </m:r>
+                      <m:acc>
+                        <m:accPr>
+                          <m:chr m:val="̈"/>
+                          <m:ctrlPr>
+                            <a:rPr lang="ko-KR" altLang="ko-KR" i="1" kern="100">
+                              <a:latin typeface="Cambria Math" panose="02040503050406030204" pitchFamily="18" charset="0"/>
+                              <a:ea typeface="Cambria Math" panose="02040503050406030204" pitchFamily="18" charset="0"/>
+                              <a:cs typeface="Times New Roman" panose="02020603050405020304" pitchFamily="18" charset="0"/>
+                            </a:rPr>
+                          </m:ctrlPr>
+                        </m:accPr>
+                        <m:e>
+                          <m:r>
+                            <a:rPr lang="en-US" altLang="ko-KR" i="1" kern="100">
+                              <a:latin typeface="Cambria Math" panose="02040503050406030204" pitchFamily="18" charset="0"/>
+                              <a:cs typeface="Times New Roman" panose="02020603050405020304" pitchFamily="18" charset="0"/>
+                            </a:rPr>
+                            <m:t>𝑥</m:t>
+                          </m:r>
+                        </m:e>
+                      </m:acc>
+                      <m:r>
+                        <a:rPr lang="en-US" altLang="ko-KR" i="1" kern="100">
+                          <a:latin typeface="Cambria Math" panose="02040503050406030204" pitchFamily="18" charset="0"/>
+                          <a:cs typeface="Times New Roman" panose="02020603050405020304" pitchFamily="18" charset="0"/>
+                        </a:rPr>
+                        <m:t>(</m:t>
+                      </m:r>
+                      <m:sSub>
+                        <m:sSubPr>
+                          <m:ctrlPr>
+                            <a:rPr lang="ko-KR" altLang="ko-KR" i="1" kern="100">
+                              <a:latin typeface="Cambria Math" panose="02040503050406030204" pitchFamily="18" charset="0"/>
+                              <a:ea typeface="Cambria Math" panose="02040503050406030204" pitchFamily="18" charset="0"/>
+                              <a:cs typeface="Times New Roman" panose="02020603050405020304" pitchFamily="18" charset="0"/>
+                            </a:rPr>
+                          </m:ctrlPr>
+                        </m:sSubPr>
+                        <m:e>
+                          <m:r>
+                            <a:rPr lang="en-US" altLang="ko-KR" i="1" kern="100">
+                              <a:latin typeface="Cambria Math" panose="02040503050406030204" pitchFamily="18" charset="0"/>
+                              <a:cs typeface="Times New Roman" panose="02020603050405020304" pitchFamily="18" charset="0"/>
+                            </a:rPr>
+                            <m:t>𝑡</m:t>
+                          </m:r>
+                        </m:e>
+                        <m:sub>
+                          <m:r>
+                            <a:rPr lang="en-US" altLang="ko-KR" i="1" kern="100">
+                              <a:latin typeface="Cambria Math" panose="02040503050406030204" pitchFamily="18" charset="0"/>
+                              <a:cs typeface="Times New Roman" panose="02020603050405020304" pitchFamily="18" charset="0"/>
+                            </a:rPr>
+                            <m:t>𝑖</m:t>
+                          </m:r>
+                        </m:sub>
+                      </m:sSub>
+                      <m:r>
+                        <a:rPr lang="en-US" altLang="ko-KR" i="1" kern="100">
+                          <a:latin typeface="Cambria Math" panose="02040503050406030204" pitchFamily="18" charset="0"/>
+                          <a:cs typeface="Times New Roman" panose="02020603050405020304" pitchFamily="18" charset="0"/>
+                        </a:rPr>
+                        <m:t>)</m:t>
+                      </m:r>
+                    </m:oMath>
+                  </m:oMathPara>
+                </a14:m>
+                <a:endParaRPr lang="ko-KR" altLang="ko-KR" kern="100" dirty="0">
+                  <a:latin typeface="맑은 고딕" panose="020B0503020000020004" pitchFamily="50" charset="-127"/>
+                  <a:cs typeface="Times New Roman" panose="02020603050405020304" pitchFamily="18" charset="0"/>
+                </a:endParaRPr>
+              </a:p>
+            </p:txBody>
+          </p:sp>
+        </mc:Choice>
+        <mc:Fallback>
+          <p:sp>
+            <p:nvSpPr>
+              <p:cNvPr id="6" name="직사각형 5">
+                <a:extLst>
+                  <a:ext uri="{FF2B5EF4-FFF2-40B4-BE49-F238E27FC236}">
+                    <a16:creationId xmlns:a16="http://schemas.microsoft.com/office/drawing/2014/main" id="{793CC70B-4FAD-49E2-81F8-A8B773979375}"/>
+                  </a:ext>
+                </a:extLst>
+              </p:cNvPr>
+              <p:cNvSpPr>
+                <a:spLocks noRot="1" noChangeAspect="1" noMove="1" noResize="1" noEditPoints="1" noAdjustHandles="1" noChangeArrowheads="1" noChangeShapeType="1" noTextEdit="1"/>
+              </p:cNvSpPr>
+              <p:nvPr/>
+            </p:nvSpPr>
+            <p:spPr>
+              <a:xfrm>
+                <a:off x="571499" y="2276020"/>
+                <a:ext cx="6753225" cy="1209498"/>
+              </a:xfrm>
+              <a:prstGeom prst="rect">
+                <a:avLst/>
+              </a:prstGeom>
+              <a:blipFill>
+                <a:blip r:embed="rId4"/>
+                <a:stretch>
+                  <a:fillRect/>
+                </a:stretch>
+              </a:blipFill>
+            </p:spPr>
+            <p:txBody>
+              <a:bodyPr/>
+              <a:lstStyle/>
+              <a:p>
+                <a:r>
+                  <a:rPr lang="ko-KR" altLang="en-US">
+                    <a:noFill/>
+                  </a:rPr>
+                  <a:t> </a:t>
+                </a:r>
+              </a:p>
+            </p:txBody>
+          </p:sp>
+        </mc:Fallback>
+      </mc:AlternateContent>
+      <p:sp>
+        <p:nvSpPr>
+          <p:cNvPr id="7" name="TextBox 6">
+            <a:extLst>
+              <a:ext uri="{FF2B5EF4-FFF2-40B4-BE49-F238E27FC236}">
+                <a16:creationId xmlns:a16="http://schemas.microsoft.com/office/drawing/2014/main" id="{DB621F3C-1DC3-4092-9ADC-0570CBA22532}"/>
+              </a:ext>
+            </a:extLst>
+          </p:cNvPr>
+          <p:cNvSpPr txBox="1"/>
+          <p:nvPr/>
+        </p:nvSpPr>
+        <p:spPr>
+          <a:xfrm>
+            <a:off x="177567" y="3429000"/>
+            <a:ext cx="4759765" cy="369332"/>
+          </a:xfrm>
+          <a:prstGeom prst="rect">
+            <a:avLst/>
+          </a:prstGeom>
+          <a:noFill/>
+        </p:spPr>
+        <p:txBody>
+          <a:bodyPr wrap="square" rtlCol="0">
+            <a:spAutoFit/>
+          </a:bodyPr>
+          <a:lstStyle/>
+          <a:p>
+            <a:r>
+              <a:rPr lang="en-US" altLang="ko-KR" dirty="0"/>
+              <a:t>(2) Taylor Series</a:t>
+            </a:r>
+            <a:r>
+              <a:rPr lang="ko-KR" altLang="en-US" dirty="0"/>
+              <a:t>로 속도</a:t>
+            </a:r>
+            <a:r>
+              <a:rPr lang="en-US" altLang="ko-KR" dirty="0"/>
+              <a:t>, </a:t>
+            </a:r>
+            <a:r>
+              <a:rPr lang="ko-KR" altLang="en-US" dirty="0"/>
+              <a:t>변위 아래와 같이 가정</a:t>
+            </a:r>
+          </a:p>
+        </p:txBody>
+      </p:sp>
+      <mc:AlternateContent xmlns:mc="http://schemas.openxmlformats.org/markup-compatibility/2006">
+        <mc:Choice xmlns:a14="http://schemas.microsoft.com/office/drawing/2010/main" Requires="a14">
+          <p:sp>
+            <p:nvSpPr>
+              <p:cNvPr id="8" name="직사각형 7">
+                <a:extLst>
+                  <a:ext uri="{FF2B5EF4-FFF2-40B4-BE49-F238E27FC236}">
+                    <a16:creationId xmlns:a16="http://schemas.microsoft.com/office/drawing/2014/main" id="{E3BE572F-8D65-4D9C-8423-C37F4851515F}"/>
+                  </a:ext>
+                </a:extLst>
+              </p:cNvPr>
+              <p:cNvSpPr/>
+              <p:nvPr/>
+            </p:nvSpPr>
+            <p:spPr>
+              <a:xfrm>
+                <a:off x="571499" y="3623533"/>
+                <a:ext cx="7048500" cy="1508746"/>
+              </a:xfrm>
+              <a:prstGeom prst="rect">
+                <a:avLst/>
+              </a:prstGeom>
+            </p:spPr>
+            <p:txBody>
+              <a:bodyPr wrap="square">
+                <a:spAutoFit/>
+              </a:bodyPr>
+              <a:lstStyle/>
+              <a:p>
+                <a:pPr algn="just" latinLnBrk="1">
+                  <a:lnSpc>
+                    <a:spcPct val="107000"/>
+                  </a:lnSpc>
+                  <a:spcAft>
+                    <a:spcPts val="800"/>
+                  </a:spcAft>
+                </a:pPr>
+                <a14:m>
+                  <m:oMathPara xmlns:m="http://schemas.openxmlformats.org/officeDocument/2006/math">
+                    <m:oMathParaPr>
+                      <m:jc m:val="left"/>
+                    </m:oMathParaPr>
+                    <m:oMath xmlns:m="http://schemas.openxmlformats.org/officeDocument/2006/math">
+                      <m:acc>
+                        <m:accPr>
+                          <m:chr m:val="̇"/>
+                          <m:ctrlPr>
+                            <a:rPr lang="ko-KR" altLang="ko-KR" i="1" kern="100">
+                              <a:latin typeface="Cambria Math" panose="02040503050406030204" pitchFamily="18" charset="0"/>
+                              <a:ea typeface="Cambria Math" panose="02040503050406030204" pitchFamily="18" charset="0"/>
+                              <a:cs typeface="Times New Roman" panose="02020603050405020304" pitchFamily="18" charset="0"/>
+                            </a:rPr>
+                          </m:ctrlPr>
+                        </m:accPr>
+                        <m:e>
+                          <m:r>
+                            <a:rPr lang="en-US" altLang="ko-KR" i="1" kern="100">
+                              <a:latin typeface="Cambria Math" panose="02040503050406030204" pitchFamily="18" charset="0"/>
+                              <a:cs typeface="Times New Roman" panose="02020603050405020304" pitchFamily="18" charset="0"/>
+                            </a:rPr>
+                            <m:t>𝑥</m:t>
+                          </m:r>
+                        </m:e>
+                      </m:acc>
+                      <m:d>
+                        <m:dPr>
+                          <m:ctrlPr>
+                            <a:rPr lang="ko-KR" altLang="ko-KR" i="1" kern="100">
+                              <a:latin typeface="Cambria Math" panose="02040503050406030204" pitchFamily="18" charset="0"/>
+                              <a:ea typeface="Cambria Math" panose="02040503050406030204" pitchFamily="18" charset="0"/>
+                              <a:cs typeface="Times New Roman" panose="02020603050405020304" pitchFamily="18" charset="0"/>
+                            </a:rPr>
+                          </m:ctrlPr>
+                        </m:dPr>
+                        <m:e>
+                          <m:r>
+                            <a:rPr lang="en-US" altLang="ko-KR" i="1" kern="100">
+                              <a:latin typeface="Cambria Math" panose="02040503050406030204" pitchFamily="18" charset="0"/>
+                              <a:cs typeface="Times New Roman" panose="02020603050405020304" pitchFamily="18" charset="0"/>
+                            </a:rPr>
+                            <m:t>𝑡</m:t>
+                          </m:r>
+                        </m:e>
+                      </m:d>
+                      <m:r>
+                        <a:rPr lang="en-US" altLang="ko-KR" i="1" kern="100">
+                          <a:latin typeface="Cambria Math" panose="02040503050406030204" pitchFamily="18" charset="0"/>
+                          <a:cs typeface="Times New Roman" panose="02020603050405020304" pitchFamily="18" charset="0"/>
+                        </a:rPr>
+                        <m:t>=</m:t>
+                      </m:r>
+                      <m:sSub>
+                        <m:sSubPr>
+                          <m:ctrlPr>
+                            <a:rPr lang="ko-KR" altLang="ko-KR" i="1" kern="100">
+                              <a:latin typeface="Cambria Math" panose="02040503050406030204" pitchFamily="18" charset="0"/>
+                              <a:ea typeface="Cambria Math" panose="02040503050406030204" pitchFamily="18" charset="0"/>
+                              <a:cs typeface="Times New Roman" panose="02020603050405020304" pitchFamily="18" charset="0"/>
+                            </a:rPr>
+                          </m:ctrlPr>
+                        </m:sSubPr>
+                        <m:e>
+                          <m:acc>
+                            <m:accPr>
+                              <m:chr m:val="̇"/>
+                              <m:ctrlPr>
+                                <a:rPr lang="ko-KR" altLang="ko-KR" i="1" kern="100">
+                                  <a:latin typeface="Cambria Math" panose="02040503050406030204" pitchFamily="18" charset="0"/>
+                                  <a:ea typeface="Cambria Math" panose="02040503050406030204" pitchFamily="18" charset="0"/>
+                                  <a:cs typeface="Times New Roman" panose="02020603050405020304" pitchFamily="18" charset="0"/>
+                                </a:rPr>
+                              </m:ctrlPr>
+                            </m:accPr>
+                            <m:e>
+                              <m:r>
+                                <a:rPr lang="en-US" altLang="ko-KR" i="1" kern="100">
+                                  <a:latin typeface="Cambria Math" panose="02040503050406030204" pitchFamily="18" charset="0"/>
+                                  <a:cs typeface="Times New Roman" panose="02020603050405020304" pitchFamily="18" charset="0"/>
+                                </a:rPr>
+                                <m:t>𝑥</m:t>
+                              </m:r>
+                            </m:e>
+                          </m:acc>
+                        </m:e>
+                        <m:sub>
+                          <m:r>
+                            <a:rPr lang="en-US" altLang="ko-KR" i="1" kern="100">
+                              <a:latin typeface="Cambria Math" panose="02040503050406030204" pitchFamily="18" charset="0"/>
+                              <a:cs typeface="Times New Roman" panose="02020603050405020304" pitchFamily="18" charset="0"/>
+                            </a:rPr>
+                            <m:t>𝑖</m:t>
+                          </m:r>
+                        </m:sub>
+                      </m:sSub>
+                      <m:r>
+                        <a:rPr lang="en-US" altLang="ko-KR" i="1" kern="100">
+                          <a:latin typeface="Cambria Math" panose="02040503050406030204" pitchFamily="18" charset="0"/>
+                          <a:cs typeface="Times New Roman" panose="02020603050405020304" pitchFamily="18" charset="0"/>
+                        </a:rPr>
+                        <m:t>+</m:t>
+                      </m:r>
+                      <m:sSub>
+                        <m:sSubPr>
+                          <m:ctrlPr>
+                            <a:rPr lang="ko-KR" altLang="ko-KR" i="1" kern="100">
+                              <a:latin typeface="Cambria Math" panose="02040503050406030204" pitchFamily="18" charset="0"/>
+                              <a:ea typeface="Cambria Math" panose="02040503050406030204" pitchFamily="18" charset="0"/>
+                              <a:cs typeface="Times New Roman" panose="02020603050405020304" pitchFamily="18" charset="0"/>
+                            </a:rPr>
+                          </m:ctrlPr>
+                        </m:sSubPr>
+                        <m:e>
+                          <m:acc>
+                            <m:accPr>
+                              <m:chr m:val="̈"/>
+                              <m:ctrlPr>
+                                <a:rPr lang="ko-KR" altLang="ko-KR" i="1" kern="100">
+                                  <a:latin typeface="Cambria Math" panose="02040503050406030204" pitchFamily="18" charset="0"/>
+                                  <a:ea typeface="Cambria Math" panose="02040503050406030204" pitchFamily="18" charset="0"/>
+                                  <a:cs typeface="Times New Roman" panose="02020603050405020304" pitchFamily="18" charset="0"/>
+                                </a:rPr>
+                              </m:ctrlPr>
+                            </m:accPr>
+                            <m:e>
+                              <m:r>
+                                <a:rPr lang="en-US" altLang="ko-KR" i="1" kern="100">
+                                  <a:latin typeface="Cambria Math" panose="02040503050406030204" pitchFamily="18" charset="0"/>
+                                  <a:cs typeface="Times New Roman" panose="02020603050405020304" pitchFamily="18" charset="0"/>
+                                </a:rPr>
+                                <m:t>𝑥</m:t>
+                              </m:r>
+                            </m:e>
+                          </m:acc>
+                        </m:e>
+                        <m:sub>
+                          <m:r>
+                            <a:rPr lang="en-US" altLang="ko-KR" i="1" kern="100">
+                              <a:latin typeface="Cambria Math" panose="02040503050406030204" pitchFamily="18" charset="0"/>
+                              <a:cs typeface="Times New Roman" panose="02020603050405020304" pitchFamily="18" charset="0"/>
+                            </a:rPr>
+                            <m:t>𝑖</m:t>
+                          </m:r>
+                        </m:sub>
+                      </m:sSub>
+                      <m:d>
+                        <m:dPr>
+                          <m:ctrlPr>
+                            <a:rPr lang="ko-KR" altLang="ko-KR" i="1" kern="100">
+                              <a:latin typeface="Cambria Math" panose="02040503050406030204" pitchFamily="18" charset="0"/>
+                              <a:ea typeface="Cambria Math" panose="02040503050406030204" pitchFamily="18" charset="0"/>
+                              <a:cs typeface="Times New Roman" panose="02020603050405020304" pitchFamily="18" charset="0"/>
+                            </a:rPr>
+                          </m:ctrlPr>
+                        </m:dPr>
+                        <m:e>
+                          <m:r>
+                            <a:rPr lang="en-US" altLang="ko-KR" i="1" kern="100">
+                              <a:latin typeface="Cambria Math" panose="02040503050406030204" pitchFamily="18" charset="0"/>
+                              <a:cs typeface="Times New Roman" panose="02020603050405020304" pitchFamily="18" charset="0"/>
+                            </a:rPr>
+                            <m:t>𝑡</m:t>
+                          </m:r>
+                          <m:r>
+                            <a:rPr lang="en-US" altLang="ko-KR" i="1" kern="100">
+                              <a:latin typeface="Cambria Math" panose="02040503050406030204" pitchFamily="18" charset="0"/>
+                              <a:cs typeface="Times New Roman" panose="02020603050405020304" pitchFamily="18" charset="0"/>
+                            </a:rPr>
+                            <m:t>−</m:t>
+                          </m:r>
+                          <m:sSub>
+                            <m:sSubPr>
+                              <m:ctrlPr>
+                                <a:rPr lang="ko-KR" altLang="ko-KR" i="1" kern="100">
+                                  <a:latin typeface="Cambria Math" panose="02040503050406030204" pitchFamily="18" charset="0"/>
+                                  <a:ea typeface="Cambria Math" panose="02040503050406030204" pitchFamily="18" charset="0"/>
+                                  <a:cs typeface="Times New Roman" panose="02020603050405020304" pitchFamily="18" charset="0"/>
+                                </a:rPr>
+                              </m:ctrlPr>
+                            </m:sSubPr>
+                            <m:e>
+                              <m:r>
+                                <a:rPr lang="en-US" altLang="ko-KR" i="1" kern="100">
+                                  <a:latin typeface="Cambria Math" panose="02040503050406030204" pitchFamily="18" charset="0"/>
+                                  <a:cs typeface="Times New Roman" panose="02020603050405020304" pitchFamily="18" charset="0"/>
+                                </a:rPr>
+                                <m:t>𝑡</m:t>
+                              </m:r>
+                            </m:e>
+                            <m:sub>
+                              <m:r>
+                                <a:rPr lang="en-US" altLang="ko-KR" i="1" kern="100">
+                                  <a:latin typeface="Cambria Math" panose="02040503050406030204" pitchFamily="18" charset="0"/>
+                                  <a:cs typeface="Times New Roman" panose="02020603050405020304" pitchFamily="18" charset="0"/>
+                                </a:rPr>
+                                <m:t>𝑖</m:t>
+                              </m:r>
+                            </m:sub>
+                          </m:sSub>
+                        </m:e>
+                      </m:d>
+                      <m:r>
+                        <a:rPr lang="en-US" altLang="ko-KR" i="1" kern="100">
+                          <a:latin typeface="Cambria Math" panose="02040503050406030204" pitchFamily="18" charset="0"/>
+                          <a:cs typeface="Times New Roman" panose="02020603050405020304" pitchFamily="18" charset="0"/>
+                        </a:rPr>
+                        <m:t>+</m:t>
+                      </m:r>
+                      <m:f>
+                        <m:fPr>
+                          <m:ctrlPr>
+                            <a:rPr lang="ko-KR" altLang="ko-KR" i="1" kern="100">
+                              <a:latin typeface="Cambria Math" panose="02040503050406030204" pitchFamily="18" charset="0"/>
+                              <a:ea typeface="Cambria Math" panose="02040503050406030204" pitchFamily="18" charset="0"/>
+                              <a:cs typeface="Times New Roman" panose="02020603050405020304" pitchFamily="18" charset="0"/>
+                            </a:rPr>
+                          </m:ctrlPr>
+                        </m:fPr>
+                        <m:num>
+                          <m:r>
+                            <a:rPr lang="en-US" altLang="ko-KR" i="1" kern="100">
+                              <a:latin typeface="Cambria Math" panose="02040503050406030204" pitchFamily="18" charset="0"/>
+                              <a:cs typeface="Times New Roman" panose="02020603050405020304" pitchFamily="18" charset="0"/>
+                            </a:rPr>
+                            <m:t>1</m:t>
+                          </m:r>
+                        </m:num>
+                        <m:den>
+                          <m:r>
+                            <a:rPr lang="en-US" altLang="ko-KR" i="1" kern="100">
+                              <a:latin typeface="Cambria Math" panose="02040503050406030204" pitchFamily="18" charset="0"/>
+                              <a:cs typeface="Times New Roman" panose="02020603050405020304" pitchFamily="18" charset="0"/>
+                            </a:rPr>
+                            <m:t>2</m:t>
+                          </m:r>
+                        </m:den>
+                      </m:f>
+                      <m:f>
+                        <m:fPr>
+                          <m:ctrlPr>
+                            <a:rPr lang="ko-KR" altLang="ko-KR" i="1" kern="100">
+                              <a:latin typeface="Cambria Math" panose="02040503050406030204" pitchFamily="18" charset="0"/>
+                              <a:ea typeface="Cambria Math" panose="02040503050406030204" pitchFamily="18" charset="0"/>
+                              <a:cs typeface="Times New Roman" panose="02020603050405020304" pitchFamily="18" charset="0"/>
+                            </a:rPr>
+                          </m:ctrlPr>
+                        </m:fPr>
+                        <m:num>
+                          <m:acc>
+                            <m:accPr>
+                              <m:chr m:val="̂"/>
+                              <m:ctrlPr>
+                                <a:rPr lang="ko-KR" altLang="ko-KR" i="1" kern="100">
+                                  <a:latin typeface="Cambria Math" panose="02040503050406030204" pitchFamily="18" charset="0"/>
+                                  <a:ea typeface="Cambria Math" panose="02040503050406030204" pitchFamily="18" charset="0"/>
+                                  <a:cs typeface="Times New Roman" panose="02020603050405020304" pitchFamily="18" charset="0"/>
+                                </a:rPr>
+                              </m:ctrlPr>
+                            </m:accPr>
+                            <m:e>
+                              <m:r>
+                                <m:rPr>
+                                  <m:sty m:val="p"/>
+                                </m:rPr>
+                                <a:rPr lang="en-US" altLang="ko-KR" kern="100">
+                                  <a:latin typeface="Cambria Math" panose="02040503050406030204" pitchFamily="18" charset="0"/>
+                                  <a:cs typeface="Times New Roman" panose="02020603050405020304" pitchFamily="18" charset="0"/>
+                                </a:rPr>
+                                <m:t>Δ</m:t>
+                              </m:r>
+                            </m:e>
+                          </m:acc>
+                          <m:sSub>
+                            <m:sSubPr>
+                              <m:ctrlPr>
+                                <a:rPr lang="ko-KR" altLang="ko-KR" i="1" kern="100">
+                                  <a:latin typeface="Cambria Math" panose="02040503050406030204" pitchFamily="18" charset="0"/>
+                                  <a:ea typeface="Cambria Math" panose="02040503050406030204" pitchFamily="18" charset="0"/>
+                                  <a:cs typeface="Times New Roman" panose="02020603050405020304" pitchFamily="18" charset="0"/>
+                                </a:rPr>
+                              </m:ctrlPr>
+                            </m:sSubPr>
+                            <m:e>
+                              <m:acc>
+                                <m:accPr>
+                                  <m:chr m:val="̈"/>
+                                  <m:ctrlPr>
+                                    <a:rPr lang="ko-KR" altLang="ko-KR" i="1" kern="100">
+                                      <a:latin typeface="Cambria Math" panose="02040503050406030204" pitchFamily="18" charset="0"/>
+                                      <a:ea typeface="Cambria Math" panose="02040503050406030204" pitchFamily="18" charset="0"/>
+                                      <a:cs typeface="Times New Roman" panose="02020603050405020304" pitchFamily="18" charset="0"/>
+                                    </a:rPr>
+                                  </m:ctrlPr>
+                                </m:accPr>
+                                <m:e>
+                                  <m:r>
+                                    <a:rPr lang="en-US" altLang="ko-KR" i="1" kern="100">
+                                      <a:latin typeface="Cambria Math" panose="02040503050406030204" pitchFamily="18" charset="0"/>
+                                      <a:cs typeface="Times New Roman" panose="02020603050405020304" pitchFamily="18" charset="0"/>
+                                    </a:rPr>
+                                    <m:t>𝑥</m:t>
+                                  </m:r>
+                                </m:e>
+                              </m:acc>
+                            </m:e>
+                            <m:sub>
+                              <m:r>
+                                <a:rPr lang="en-US" altLang="ko-KR" i="1" kern="100">
+                                  <a:latin typeface="Cambria Math" panose="02040503050406030204" pitchFamily="18" charset="0"/>
+                                  <a:cs typeface="Times New Roman" panose="02020603050405020304" pitchFamily="18" charset="0"/>
+                                </a:rPr>
+                                <m:t>𝑖</m:t>
+                              </m:r>
+                            </m:sub>
+                          </m:sSub>
+                        </m:num>
+                        <m:den>
+                          <m:r>
+                            <a:rPr lang="en-US" altLang="ko-KR" i="1" kern="100">
+                              <a:latin typeface="Cambria Math" panose="02040503050406030204" pitchFamily="18" charset="0"/>
+                              <a:cs typeface="Times New Roman" panose="02020603050405020304" pitchFamily="18" charset="0"/>
+                            </a:rPr>
+                            <m:t>𝜃</m:t>
+                          </m:r>
+                          <m:r>
+                            <m:rPr>
+                              <m:sty m:val="p"/>
+                            </m:rPr>
+                            <a:rPr lang="en-US" altLang="ko-KR" kern="100">
+                              <a:latin typeface="Cambria Math" panose="02040503050406030204" pitchFamily="18" charset="0"/>
+                              <a:cs typeface="Times New Roman" panose="02020603050405020304" pitchFamily="18" charset="0"/>
+                            </a:rPr>
+                            <m:t>Δ</m:t>
+                          </m:r>
+                          <m:r>
+                            <a:rPr lang="en-US" altLang="ko-KR" i="1" kern="100">
+                              <a:latin typeface="Cambria Math" panose="02040503050406030204" pitchFamily="18" charset="0"/>
+                              <a:cs typeface="Times New Roman" panose="02020603050405020304" pitchFamily="18" charset="0"/>
+                            </a:rPr>
+                            <m:t>𝑡</m:t>
+                          </m:r>
+                        </m:den>
+                      </m:f>
+                      <m:sSup>
+                        <m:sSupPr>
+                          <m:ctrlPr>
+                            <a:rPr lang="ko-KR" altLang="ko-KR" i="1" kern="100">
+                              <a:latin typeface="Cambria Math" panose="02040503050406030204" pitchFamily="18" charset="0"/>
+                              <a:ea typeface="Cambria Math" panose="02040503050406030204" pitchFamily="18" charset="0"/>
+                              <a:cs typeface="Times New Roman" panose="02020603050405020304" pitchFamily="18" charset="0"/>
+                            </a:rPr>
+                          </m:ctrlPr>
+                        </m:sSupPr>
+                        <m:e>
+                          <m:d>
+                            <m:dPr>
+                              <m:ctrlPr>
+                                <a:rPr lang="ko-KR" altLang="ko-KR" i="1" kern="100">
+                                  <a:latin typeface="Cambria Math" panose="02040503050406030204" pitchFamily="18" charset="0"/>
+                                  <a:ea typeface="Cambria Math" panose="02040503050406030204" pitchFamily="18" charset="0"/>
+                                  <a:cs typeface="Times New Roman" panose="02020603050405020304" pitchFamily="18" charset="0"/>
+                                </a:rPr>
+                              </m:ctrlPr>
+                            </m:dPr>
+                            <m:e>
+                              <m:r>
+                                <a:rPr lang="en-US" altLang="ko-KR" i="1" kern="100">
+                                  <a:latin typeface="Cambria Math" panose="02040503050406030204" pitchFamily="18" charset="0"/>
+                                  <a:cs typeface="Times New Roman" panose="02020603050405020304" pitchFamily="18" charset="0"/>
+                                </a:rPr>
+                                <m:t>𝑡</m:t>
+                              </m:r>
+                              <m:r>
+                                <a:rPr lang="en-US" altLang="ko-KR" i="1" kern="100">
+                                  <a:latin typeface="Cambria Math" panose="02040503050406030204" pitchFamily="18" charset="0"/>
+                                  <a:cs typeface="Times New Roman" panose="02020603050405020304" pitchFamily="18" charset="0"/>
+                                </a:rPr>
+                                <m:t>−</m:t>
+                              </m:r>
+                              <m:sSub>
+                                <m:sSubPr>
+                                  <m:ctrlPr>
+                                    <a:rPr lang="ko-KR" altLang="ko-KR" i="1" kern="100">
+                                      <a:latin typeface="Cambria Math" panose="02040503050406030204" pitchFamily="18" charset="0"/>
+                                      <a:ea typeface="Cambria Math" panose="02040503050406030204" pitchFamily="18" charset="0"/>
+                                      <a:cs typeface="Times New Roman" panose="02020603050405020304" pitchFamily="18" charset="0"/>
+                                    </a:rPr>
+                                  </m:ctrlPr>
+                                </m:sSubPr>
+                                <m:e>
+                                  <m:r>
+                                    <a:rPr lang="en-US" altLang="ko-KR" i="1" kern="100">
+                                      <a:latin typeface="Cambria Math" panose="02040503050406030204" pitchFamily="18" charset="0"/>
+                                      <a:cs typeface="Times New Roman" panose="02020603050405020304" pitchFamily="18" charset="0"/>
+                                    </a:rPr>
+                                    <m:t>𝑡</m:t>
+                                  </m:r>
+                                </m:e>
+                                <m:sub>
+                                  <m:r>
+                                    <a:rPr lang="en-US" altLang="ko-KR" i="1" kern="100">
+                                      <a:latin typeface="Cambria Math" panose="02040503050406030204" pitchFamily="18" charset="0"/>
+                                      <a:cs typeface="Times New Roman" panose="02020603050405020304" pitchFamily="18" charset="0"/>
+                                    </a:rPr>
+                                    <m:t>𝑖</m:t>
+                                  </m:r>
+                                </m:sub>
+                              </m:sSub>
+                            </m:e>
+                          </m:d>
+                        </m:e>
+                        <m:sup>
+                          <m:r>
+                            <a:rPr lang="en-US" altLang="ko-KR" i="1" kern="100">
+                              <a:latin typeface="Cambria Math" panose="02040503050406030204" pitchFamily="18" charset="0"/>
+                              <a:cs typeface="Times New Roman" panose="02020603050405020304" pitchFamily="18" charset="0"/>
+                            </a:rPr>
+                            <m:t>2</m:t>
+                          </m:r>
+                        </m:sup>
+                      </m:sSup>
+                    </m:oMath>
+                  </m:oMathPara>
+                </a14:m>
+                <a:endParaRPr lang="ko-KR" altLang="ko-KR" kern="100" dirty="0">
+                  <a:latin typeface="맑은 고딕" panose="020B0503020000020004" pitchFamily="50" charset="-127"/>
+                  <a:cs typeface="Times New Roman" panose="02020603050405020304" pitchFamily="18" charset="0"/>
+                </a:endParaRPr>
+              </a:p>
+              <a:p>
+                <a:pPr algn="just" latinLnBrk="1">
+                  <a:lnSpc>
+                    <a:spcPct val="107000"/>
+                  </a:lnSpc>
+                  <a:spcAft>
+                    <a:spcPts val="800"/>
+                  </a:spcAft>
+                </a:pPr>
+                <a14:m>
+                  <m:oMathPara xmlns:m="http://schemas.openxmlformats.org/officeDocument/2006/math">
+                    <m:oMathParaPr>
+                      <m:jc m:val="left"/>
+                    </m:oMathParaPr>
+                    <m:oMath xmlns:m="http://schemas.openxmlformats.org/officeDocument/2006/math">
+                      <m:r>
+                        <m:rPr>
+                          <m:sty m:val="p"/>
+                        </m:rPr>
+                        <a:rPr lang="en-US" altLang="ko-KR" kern="100">
+                          <a:latin typeface="Cambria Math" panose="02040503050406030204" pitchFamily="18" charset="0"/>
+                          <a:cs typeface="Times New Roman" panose="02020603050405020304" pitchFamily="18" charset="0"/>
+                        </a:rPr>
+                        <m:t>x</m:t>
+                      </m:r>
+                      <m:d>
+                        <m:dPr>
+                          <m:ctrlPr>
+                            <a:rPr lang="ko-KR" altLang="ko-KR" i="1" kern="100">
+                              <a:latin typeface="Cambria Math" panose="02040503050406030204" pitchFamily="18" charset="0"/>
+                              <a:ea typeface="Cambria Math" panose="02040503050406030204" pitchFamily="18" charset="0"/>
+                              <a:cs typeface="Times New Roman" panose="02020603050405020304" pitchFamily="18" charset="0"/>
+                            </a:rPr>
+                          </m:ctrlPr>
+                        </m:dPr>
+                        <m:e>
+                          <m:r>
+                            <m:rPr>
+                              <m:sty m:val="p"/>
+                            </m:rPr>
+                            <a:rPr lang="en-US" altLang="ko-KR" kern="100">
+                              <a:latin typeface="Cambria Math" panose="02040503050406030204" pitchFamily="18" charset="0"/>
+                              <a:cs typeface="Times New Roman" panose="02020603050405020304" pitchFamily="18" charset="0"/>
+                            </a:rPr>
+                            <m:t>t</m:t>
+                          </m:r>
+                        </m:e>
+                      </m:d>
+                      <m:r>
+                        <a:rPr lang="en-US" altLang="ko-KR" kern="100">
+                          <a:latin typeface="Cambria Math" panose="02040503050406030204" pitchFamily="18" charset="0"/>
+                          <a:cs typeface="Times New Roman" panose="02020603050405020304" pitchFamily="18" charset="0"/>
+                        </a:rPr>
+                        <m:t>=</m:t>
+                      </m:r>
+                      <m:sSub>
+                        <m:sSubPr>
+                          <m:ctrlPr>
+                            <a:rPr lang="ko-KR" altLang="ko-KR" i="1" kern="100">
+                              <a:latin typeface="Cambria Math" panose="02040503050406030204" pitchFamily="18" charset="0"/>
+                              <a:ea typeface="Cambria Math" panose="02040503050406030204" pitchFamily="18" charset="0"/>
+                              <a:cs typeface="Times New Roman" panose="02020603050405020304" pitchFamily="18" charset="0"/>
+                            </a:rPr>
+                          </m:ctrlPr>
+                        </m:sSubPr>
+                        <m:e>
+                          <m:r>
+                            <m:rPr>
+                              <m:sty m:val="p"/>
+                            </m:rPr>
+                            <a:rPr lang="en-US" altLang="ko-KR" kern="100">
+                              <a:latin typeface="Cambria Math" panose="02040503050406030204" pitchFamily="18" charset="0"/>
+                              <a:cs typeface="Times New Roman" panose="02020603050405020304" pitchFamily="18" charset="0"/>
+                            </a:rPr>
+                            <m:t>x</m:t>
+                          </m:r>
+                        </m:e>
+                        <m:sub>
+                          <m:r>
+                            <m:rPr>
+                              <m:sty m:val="p"/>
+                            </m:rPr>
+                            <a:rPr lang="en-US" altLang="ko-KR" kern="100">
+                              <a:latin typeface="Cambria Math" panose="02040503050406030204" pitchFamily="18" charset="0"/>
+                              <a:cs typeface="Times New Roman" panose="02020603050405020304" pitchFamily="18" charset="0"/>
+                            </a:rPr>
+                            <m:t>i</m:t>
+                          </m:r>
+                        </m:sub>
+                      </m:sSub>
+                      <m:r>
+                        <a:rPr lang="en-US" altLang="ko-KR" i="1" kern="100">
+                          <a:latin typeface="Cambria Math" panose="02040503050406030204" pitchFamily="18" charset="0"/>
+                          <a:cs typeface="Times New Roman" panose="02020603050405020304" pitchFamily="18" charset="0"/>
+                        </a:rPr>
+                        <m:t>+</m:t>
+                      </m:r>
+                      <m:sSub>
+                        <m:sSubPr>
+                          <m:ctrlPr>
+                            <a:rPr lang="ko-KR" altLang="ko-KR" i="1" kern="100">
+                              <a:latin typeface="Cambria Math" panose="02040503050406030204" pitchFamily="18" charset="0"/>
+                              <a:ea typeface="Cambria Math" panose="02040503050406030204" pitchFamily="18" charset="0"/>
+                              <a:cs typeface="Times New Roman" panose="02020603050405020304" pitchFamily="18" charset="0"/>
+                            </a:rPr>
+                          </m:ctrlPr>
+                        </m:sSubPr>
+                        <m:e>
+                          <m:acc>
+                            <m:accPr>
+                              <m:chr m:val="̇"/>
+                              <m:ctrlPr>
+                                <a:rPr lang="ko-KR" altLang="ko-KR" i="1" kern="100">
+                                  <a:latin typeface="Cambria Math" panose="02040503050406030204" pitchFamily="18" charset="0"/>
+                                  <a:ea typeface="Cambria Math" panose="02040503050406030204" pitchFamily="18" charset="0"/>
+                                  <a:cs typeface="Times New Roman" panose="02020603050405020304" pitchFamily="18" charset="0"/>
+                                </a:rPr>
+                              </m:ctrlPr>
+                            </m:accPr>
+                            <m:e>
+                              <m:r>
+                                <a:rPr lang="en-US" altLang="ko-KR" i="1" kern="100">
+                                  <a:latin typeface="Cambria Math" panose="02040503050406030204" pitchFamily="18" charset="0"/>
+                                  <a:cs typeface="Times New Roman" panose="02020603050405020304" pitchFamily="18" charset="0"/>
+                                </a:rPr>
+                                <m:t>𝑥</m:t>
+                              </m:r>
+                            </m:e>
+                          </m:acc>
+                        </m:e>
+                        <m:sub>
+                          <m:r>
+                            <a:rPr lang="en-US" altLang="ko-KR" i="1" kern="100">
+                              <a:latin typeface="Cambria Math" panose="02040503050406030204" pitchFamily="18" charset="0"/>
+                              <a:cs typeface="Times New Roman" panose="02020603050405020304" pitchFamily="18" charset="0"/>
+                            </a:rPr>
+                            <m:t>𝑖</m:t>
+                          </m:r>
+                        </m:sub>
+                      </m:sSub>
+                      <m:d>
+                        <m:dPr>
+                          <m:ctrlPr>
+                            <a:rPr lang="ko-KR" altLang="ko-KR" i="1" kern="100">
+                              <a:latin typeface="Cambria Math" panose="02040503050406030204" pitchFamily="18" charset="0"/>
+                              <a:ea typeface="Cambria Math" panose="02040503050406030204" pitchFamily="18" charset="0"/>
+                              <a:cs typeface="Times New Roman" panose="02020603050405020304" pitchFamily="18" charset="0"/>
+                            </a:rPr>
+                          </m:ctrlPr>
+                        </m:dPr>
+                        <m:e>
+                          <m:r>
+                            <a:rPr lang="en-US" altLang="ko-KR" i="1" kern="100">
+                              <a:latin typeface="Cambria Math" panose="02040503050406030204" pitchFamily="18" charset="0"/>
+                              <a:cs typeface="Times New Roman" panose="02020603050405020304" pitchFamily="18" charset="0"/>
+                            </a:rPr>
+                            <m:t>𝑡</m:t>
+                          </m:r>
+                          <m:r>
+                            <a:rPr lang="en-US" altLang="ko-KR" i="1" kern="100">
+                              <a:latin typeface="Cambria Math" panose="02040503050406030204" pitchFamily="18" charset="0"/>
+                              <a:cs typeface="Times New Roman" panose="02020603050405020304" pitchFamily="18" charset="0"/>
+                            </a:rPr>
+                            <m:t>−</m:t>
+                          </m:r>
+                          <m:sSub>
+                            <m:sSubPr>
+                              <m:ctrlPr>
+                                <a:rPr lang="ko-KR" altLang="ko-KR" i="1" kern="100">
+                                  <a:latin typeface="Cambria Math" panose="02040503050406030204" pitchFamily="18" charset="0"/>
+                                  <a:ea typeface="Cambria Math" panose="02040503050406030204" pitchFamily="18" charset="0"/>
+                                  <a:cs typeface="Times New Roman" panose="02020603050405020304" pitchFamily="18" charset="0"/>
+                                </a:rPr>
+                              </m:ctrlPr>
+                            </m:sSubPr>
+                            <m:e>
+                              <m:r>
+                                <a:rPr lang="en-US" altLang="ko-KR" i="1" kern="100">
+                                  <a:latin typeface="Cambria Math" panose="02040503050406030204" pitchFamily="18" charset="0"/>
+                                  <a:cs typeface="Times New Roman" panose="02020603050405020304" pitchFamily="18" charset="0"/>
+                                </a:rPr>
+                                <m:t>𝑡</m:t>
+                              </m:r>
+                            </m:e>
+                            <m:sub>
+                              <m:r>
+                                <a:rPr lang="en-US" altLang="ko-KR" i="1" kern="100">
+                                  <a:latin typeface="Cambria Math" panose="02040503050406030204" pitchFamily="18" charset="0"/>
+                                  <a:cs typeface="Times New Roman" panose="02020603050405020304" pitchFamily="18" charset="0"/>
+                                </a:rPr>
+                                <m:t>𝑖</m:t>
+                              </m:r>
+                            </m:sub>
+                          </m:sSub>
+                        </m:e>
+                      </m:d>
+                      <m:r>
+                        <a:rPr lang="en-US" altLang="ko-KR" i="1" kern="100">
+                          <a:latin typeface="Cambria Math" panose="02040503050406030204" pitchFamily="18" charset="0"/>
+                          <a:cs typeface="Times New Roman" panose="02020603050405020304" pitchFamily="18" charset="0"/>
+                        </a:rPr>
+                        <m:t>+</m:t>
+                      </m:r>
+                      <m:f>
+                        <m:fPr>
+                          <m:ctrlPr>
+                            <a:rPr lang="ko-KR" altLang="ko-KR" i="1" kern="100">
+                              <a:latin typeface="Cambria Math" panose="02040503050406030204" pitchFamily="18" charset="0"/>
+                              <a:ea typeface="Cambria Math" panose="02040503050406030204" pitchFamily="18" charset="0"/>
+                              <a:cs typeface="Times New Roman" panose="02020603050405020304" pitchFamily="18" charset="0"/>
+                            </a:rPr>
+                          </m:ctrlPr>
+                        </m:fPr>
+                        <m:num>
+                          <m:r>
+                            <a:rPr lang="en-US" altLang="ko-KR" i="1" kern="100">
+                              <a:latin typeface="Cambria Math" panose="02040503050406030204" pitchFamily="18" charset="0"/>
+                              <a:cs typeface="Times New Roman" panose="02020603050405020304" pitchFamily="18" charset="0"/>
+                            </a:rPr>
+                            <m:t>1</m:t>
+                          </m:r>
+                        </m:num>
+                        <m:den>
+                          <m:r>
+                            <a:rPr lang="en-US" altLang="ko-KR" i="1" kern="100">
+                              <a:latin typeface="Cambria Math" panose="02040503050406030204" pitchFamily="18" charset="0"/>
+                              <a:cs typeface="Times New Roman" panose="02020603050405020304" pitchFamily="18" charset="0"/>
+                            </a:rPr>
+                            <m:t>2</m:t>
+                          </m:r>
+                        </m:den>
+                      </m:f>
+                      <m:sSub>
+                        <m:sSubPr>
+                          <m:ctrlPr>
+                            <a:rPr lang="ko-KR" altLang="ko-KR" i="1" kern="100">
+                              <a:latin typeface="Cambria Math" panose="02040503050406030204" pitchFamily="18" charset="0"/>
+                              <a:ea typeface="Cambria Math" panose="02040503050406030204" pitchFamily="18" charset="0"/>
+                              <a:cs typeface="Times New Roman" panose="02020603050405020304" pitchFamily="18" charset="0"/>
+                            </a:rPr>
+                          </m:ctrlPr>
+                        </m:sSubPr>
+                        <m:e>
+                          <m:acc>
+                            <m:accPr>
+                              <m:chr m:val="̈"/>
+                              <m:ctrlPr>
+                                <a:rPr lang="ko-KR" altLang="ko-KR" i="1" kern="100">
+                                  <a:latin typeface="Cambria Math" panose="02040503050406030204" pitchFamily="18" charset="0"/>
+                                  <a:ea typeface="Cambria Math" panose="02040503050406030204" pitchFamily="18" charset="0"/>
+                                  <a:cs typeface="Times New Roman" panose="02020603050405020304" pitchFamily="18" charset="0"/>
+                                </a:rPr>
+                              </m:ctrlPr>
+                            </m:accPr>
+                            <m:e>
+                              <m:r>
+                                <a:rPr lang="en-US" altLang="ko-KR" i="1" kern="100">
+                                  <a:latin typeface="Cambria Math" panose="02040503050406030204" pitchFamily="18" charset="0"/>
+                                  <a:cs typeface="Times New Roman" panose="02020603050405020304" pitchFamily="18" charset="0"/>
+                                </a:rPr>
+                                <m:t>𝑥</m:t>
+                              </m:r>
+                            </m:e>
+                          </m:acc>
+                        </m:e>
+                        <m:sub>
+                          <m:r>
+                            <a:rPr lang="en-US" altLang="ko-KR" i="1" kern="100">
+                              <a:latin typeface="Cambria Math" panose="02040503050406030204" pitchFamily="18" charset="0"/>
+                              <a:cs typeface="Times New Roman" panose="02020603050405020304" pitchFamily="18" charset="0"/>
+                            </a:rPr>
+                            <m:t>𝑖</m:t>
+                          </m:r>
+                        </m:sub>
+                      </m:sSub>
+                      <m:sSup>
+                        <m:sSupPr>
+                          <m:ctrlPr>
+                            <a:rPr lang="ko-KR" altLang="ko-KR" i="1" kern="100">
+                              <a:latin typeface="Cambria Math" panose="02040503050406030204" pitchFamily="18" charset="0"/>
+                              <a:ea typeface="Cambria Math" panose="02040503050406030204" pitchFamily="18" charset="0"/>
+                              <a:cs typeface="Times New Roman" panose="02020603050405020304" pitchFamily="18" charset="0"/>
+                            </a:rPr>
+                          </m:ctrlPr>
+                        </m:sSupPr>
+                        <m:e>
+                          <m:d>
+                            <m:dPr>
+                              <m:ctrlPr>
+                                <a:rPr lang="ko-KR" altLang="ko-KR" i="1" kern="100">
+                                  <a:latin typeface="Cambria Math" panose="02040503050406030204" pitchFamily="18" charset="0"/>
+                                  <a:ea typeface="Cambria Math" panose="02040503050406030204" pitchFamily="18" charset="0"/>
+                                  <a:cs typeface="Times New Roman" panose="02020603050405020304" pitchFamily="18" charset="0"/>
+                                </a:rPr>
+                              </m:ctrlPr>
+                            </m:dPr>
+                            <m:e>
+                              <m:r>
+                                <a:rPr lang="en-US" altLang="ko-KR" i="1" kern="100">
+                                  <a:latin typeface="Cambria Math" panose="02040503050406030204" pitchFamily="18" charset="0"/>
+                                  <a:cs typeface="Times New Roman" panose="02020603050405020304" pitchFamily="18" charset="0"/>
+                                </a:rPr>
+                                <m:t>𝑡</m:t>
+                              </m:r>
+                              <m:r>
+                                <a:rPr lang="en-US" altLang="ko-KR" i="1" kern="100">
+                                  <a:latin typeface="Cambria Math" panose="02040503050406030204" pitchFamily="18" charset="0"/>
+                                  <a:cs typeface="Times New Roman" panose="02020603050405020304" pitchFamily="18" charset="0"/>
+                                </a:rPr>
+                                <m:t>−</m:t>
+                              </m:r>
+                              <m:sSub>
+                                <m:sSubPr>
+                                  <m:ctrlPr>
+                                    <a:rPr lang="ko-KR" altLang="ko-KR" i="1" kern="100">
+                                      <a:latin typeface="Cambria Math" panose="02040503050406030204" pitchFamily="18" charset="0"/>
+                                      <a:ea typeface="Cambria Math" panose="02040503050406030204" pitchFamily="18" charset="0"/>
+                                      <a:cs typeface="Times New Roman" panose="02020603050405020304" pitchFamily="18" charset="0"/>
+                                    </a:rPr>
+                                  </m:ctrlPr>
+                                </m:sSubPr>
+                                <m:e>
+                                  <m:r>
+                                    <a:rPr lang="en-US" altLang="ko-KR" i="1" kern="100">
+                                      <a:latin typeface="Cambria Math" panose="02040503050406030204" pitchFamily="18" charset="0"/>
+                                      <a:cs typeface="Times New Roman" panose="02020603050405020304" pitchFamily="18" charset="0"/>
+                                    </a:rPr>
+                                    <m:t>𝑡</m:t>
+                                  </m:r>
+                                </m:e>
+                                <m:sub>
+                                  <m:r>
+                                    <a:rPr lang="en-US" altLang="ko-KR" i="1" kern="100">
+                                      <a:latin typeface="Cambria Math" panose="02040503050406030204" pitchFamily="18" charset="0"/>
+                                      <a:cs typeface="Times New Roman" panose="02020603050405020304" pitchFamily="18" charset="0"/>
+                                    </a:rPr>
+                                    <m:t>𝑖</m:t>
+                                  </m:r>
+                                </m:sub>
+                              </m:sSub>
+                            </m:e>
+                          </m:d>
+                        </m:e>
+                        <m:sup>
+                          <m:r>
+                            <a:rPr lang="en-US" altLang="ko-KR" i="1" kern="100">
+                              <a:latin typeface="Cambria Math" panose="02040503050406030204" pitchFamily="18" charset="0"/>
+                              <a:cs typeface="Times New Roman" panose="02020603050405020304" pitchFamily="18" charset="0"/>
+                            </a:rPr>
+                            <m:t>2</m:t>
+                          </m:r>
+                        </m:sup>
+                      </m:sSup>
+                      <m:r>
+                        <a:rPr lang="en-US" altLang="ko-KR" i="1" kern="100">
+                          <a:latin typeface="Cambria Math" panose="02040503050406030204" pitchFamily="18" charset="0"/>
+                          <a:cs typeface="Times New Roman" panose="02020603050405020304" pitchFamily="18" charset="0"/>
+                        </a:rPr>
+                        <m:t>+</m:t>
+                      </m:r>
+                      <m:f>
+                        <m:fPr>
+                          <m:ctrlPr>
+                            <a:rPr lang="ko-KR" altLang="ko-KR" i="1" kern="100">
+                              <a:latin typeface="Cambria Math" panose="02040503050406030204" pitchFamily="18" charset="0"/>
+                              <a:ea typeface="Cambria Math" panose="02040503050406030204" pitchFamily="18" charset="0"/>
+                              <a:cs typeface="Times New Roman" panose="02020603050405020304" pitchFamily="18" charset="0"/>
+                            </a:rPr>
+                          </m:ctrlPr>
+                        </m:fPr>
+                        <m:num>
+                          <m:r>
+                            <a:rPr lang="en-US" altLang="ko-KR" i="1" kern="100">
+                              <a:latin typeface="Cambria Math" panose="02040503050406030204" pitchFamily="18" charset="0"/>
+                              <a:cs typeface="Times New Roman" panose="02020603050405020304" pitchFamily="18" charset="0"/>
+                            </a:rPr>
+                            <m:t>1</m:t>
+                          </m:r>
+                        </m:num>
+                        <m:den>
+                          <m:r>
+                            <a:rPr lang="en-US" altLang="ko-KR" i="1" kern="100">
+                              <a:latin typeface="Cambria Math" panose="02040503050406030204" pitchFamily="18" charset="0"/>
+                              <a:cs typeface="Times New Roman" panose="02020603050405020304" pitchFamily="18" charset="0"/>
+                            </a:rPr>
+                            <m:t>6</m:t>
+                          </m:r>
+                        </m:den>
+                      </m:f>
+                      <m:r>
+                        <a:rPr lang="en-US" altLang="ko-KR" i="1" kern="100">
+                          <a:latin typeface="Cambria Math" panose="02040503050406030204" pitchFamily="18" charset="0"/>
+                          <a:cs typeface="Times New Roman" panose="02020603050405020304" pitchFamily="18" charset="0"/>
+                        </a:rPr>
+                        <m:t> </m:t>
+                      </m:r>
+                      <m:f>
+                        <m:fPr>
+                          <m:ctrlPr>
+                            <a:rPr lang="ko-KR" altLang="ko-KR" i="1" kern="100">
+                              <a:latin typeface="Cambria Math" panose="02040503050406030204" pitchFamily="18" charset="0"/>
+                              <a:ea typeface="Cambria Math" panose="02040503050406030204" pitchFamily="18" charset="0"/>
+                              <a:cs typeface="Times New Roman" panose="02020603050405020304" pitchFamily="18" charset="0"/>
+                            </a:rPr>
+                          </m:ctrlPr>
+                        </m:fPr>
+                        <m:num>
+                          <m:acc>
+                            <m:accPr>
+                              <m:chr m:val="̂"/>
+                              <m:ctrlPr>
+                                <a:rPr lang="ko-KR" altLang="ko-KR" i="1" kern="100">
+                                  <a:latin typeface="Cambria Math" panose="02040503050406030204" pitchFamily="18" charset="0"/>
+                                  <a:ea typeface="Cambria Math" panose="02040503050406030204" pitchFamily="18" charset="0"/>
+                                  <a:cs typeface="Times New Roman" panose="02020603050405020304" pitchFamily="18" charset="0"/>
+                                </a:rPr>
+                              </m:ctrlPr>
+                            </m:accPr>
+                            <m:e>
+                              <m:r>
+                                <m:rPr>
+                                  <m:sty m:val="p"/>
+                                </m:rPr>
+                                <a:rPr lang="en-US" altLang="ko-KR" kern="100">
+                                  <a:latin typeface="Cambria Math" panose="02040503050406030204" pitchFamily="18" charset="0"/>
+                                  <a:cs typeface="Times New Roman" panose="02020603050405020304" pitchFamily="18" charset="0"/>
+                                </a:rPr>
+                                <m:t>Δ</m:t>
+                              </m:r>
+                            </m:e>
+                          </m:acc>
+                          <m:sSub>
+                            <m:sSubPr>
+                              <m:ctrlPr>
+                                <a:rPr lang="ko-KR" altLang="ko-KR" i="1" kern="100">
+                                  <a:latin typeface="Cambria Math" panose="02040503050406030204" pitchFamily="18" charset="0"/>
+                                  <a:ea typeface="Cambria Math" panose="02040503050406030204" pitchFamily="18" charset="0"/>
+                                  <a:cs typeface="Times New Roman" panose="02020603050405020304" pitchFamily="18" charset="0"/>
+                                </a:rPr>
+                              </m:ctrlPr>
+                            </m:sSubPr>
+                            <m:e>
+                              <m:acc>
+                                <m:accPr>
+                                  <m:chr m:val="̈"/>
+                                  <m:ctrlPr>
+                                    <a:rPr lang="ko-KR" altLang="ko-KR" i="1" kern="100">
+                                      <a:latin typeface="Cambria Math" panose="02040503050406030204" pitchFamily="18" charset="0"/>
+                                      <a:ea typeface="Cambria Math" panose="02040503050406030204" pitchFamily="18" charset="0"/>
+                                      <a:cs typeface="Times New Roman" panose="02020603050405020304" pitchFamily="18" charset="0"/>
+                                    </a:rPr>
+                                  </m:ctrlPr>
+                                </m:accPr>
+                                <m:e>
+                                  <m:r>
+                                    <a:rPr lang="en-US" altLang="ko-KR" i="1" kern="100">
+                                      <a:latin typeface="Cambria Math" panose="02040503050406030204" pitchFamily="18" charset="0"/>
+                                      <a:cs typeface="Times New Roman" panose="02020603050405020304" pitchFamily="18" charset="0"/>
+                                    </a:rPr>
+                                    <m:t>𝑥</m:t>
+                                  </m:r>
+                                </m:e>
+                              </m:acc>
+                            </m:e>
+                            <m:sub>
+                              <m:r>
+                                <a:rPr lang="en-US" altLang="ko-KR" i="1" kern="100">
+                                  <a:latin typeface="Cambria Math" panose="02040503050406030204" pitchFamily="18" charset="0"/>
+                                  <a:cs typeface="Times New Roman" panose="02020603050405020304" pitchFamily="18" charset="0"/>
+                                </a:rPr>
+                                <m:t>𝑖</m:t>
+                              </m:r>
+                            </m:sub>
+                          </m:sSub>
+                        </m:num>
+                        <m:den>
+                          <m:r>
+                            <a:rPr lang="en-US" altLang="ko-KR" i="1" kern="100">
+                              <a:latin typeface="Cambria Math" panose="02040503050406030204" pitchFamily="18" charset="0"/>
+                              <a:cs typeface="Times New Roman" panose="02020603050405020304" pitchFamily="18" charset="0"/>
+                            </a:rPr>
+                            <m:t>𝜃</m:t>
+                          </m:r>
+                          <m:r>
+                            <m:rPr>
+                              <m:sty m:val="p"/>
+                            </m:rPr>
+                            <a:rPr lang="en-US" altLang="ko-KR" kern="100">
+                              <a:latin typeface="Cambria Math" panose="02040503050406030204" pitchFamily="18" charset="0"/>
+                              <a:cs typeface="Times New Roman" panose="02020603050405020304" pitchFamily="18" charset="0"/>
+                            </a:rPr>
+                            <m:t>Δ</m:t>
+                          </m:r>
+                          <m:r>
+                            <a:rPr lang="en-US" altLang="ko-KR" i="1" kern="100">
+                              <a:latin typeface="Cambria Math" panose="02040503050406030204" pitchFamily="18" charset="0"/>
+                              <a:cs typeface="Times New Roman" panose="02020603050405020304" pitchFamily="18" charset="0"/>
+                            </a:rPr>
+                            <m:t>𝑡</m:t>
+                          </m:r>
+                        </m:den>
+                      </m:f>
+                      <m:sSup>
+                        <m:sSupPr>
+                          <m:ctrlPr>
+                            <a:rPr lang="ko-KR" altLang="ko-KR" i="1" kern="100">
+                              <a:latin typeface="Cambria Math" panose="02040503050406030204" pitchFamily="18" charset="0"/>
+                              <a:ea typeface="Cambria Math" panose="02040503050406030204" pitchFamily="18" charset="0"/>
+                              <a:cs typeface="Times New Roman" panose="02020603050405020304" pitchFamily="18" charset="0"/>
+                            </a:rPr>
+                          </m:ctrlPr>
+                        </m:sSupPr>
+                        <m:e>
+                          <m:d>
+                            <m:dPr>
+                              <m:ctrlPr>
+                                <a:rPr lang="ko-KR" altLang="ko-KR" i="1" kern="100">
+                                  <a:latin typeface="Cambria Math" panose="02040503050406030204" pitchFamily="18" charset="0"/>
+                                  <a:ea typeface="Cambria Math" panose="02040503050406030204" pitchFamily="18" charset="0"/>
+                                  <a:cs typeface="Times New Roman" panose="02020603050405020304" pitchFamily="18" charset="0"/>
+                                </a:rPr>
+                              </m:ctrlPr>
+                            </m:dPr>
+                            <m:e>
+                              <m:r>
+                                <a:rPr lang="en-US" altLang="ko-KR" i="1" kern="100">
+                                  <a:latin typeface="Cambria Math" panose="02040503050406030204" pitchFamily="18" charset="0"/>
+                                  <a:cs typeface="Times New Roman" panose="02020603050405020304" pitchFamily="18" charset="0"/>
+                                </a:rPr>
+                                <m:t>𝑡</m:t>
+                              </m:r>
+                              <m:r>
+                                <a:rPr lang="en-US" altLang="ko-KR" i="1" kern="100">
+                                  <a:latin typeface="Cambria Math" panose="02040503050406030204" pitchFamily="18" charset="0"/>
+                                  <a:cs typeface="Times New Roman" panose="02020603050405020304" pitchFamily="18" charset="0"/>
+                                </a:rPr>
+                                <m:t>−</m:t>
+                              </m:r>
+                              <m:sSub>
+                                <m:sSubPr>
+                                  <m:ctrlPr>
+                                    <a:rPr lang="ko-KR" altLang="ko-KR" i="1" kern="100">
+                                      <a:latin typeface="Cambria Math" panose="02040503050406030204" pitchFamily="18" charset="0"/>
+                                      <a:ea typeface="Cambria Math" panose="02040503050406030204" pitchFamily="18" charset="0"/>
+                                      <a:cs typeface="Times New Roman" panose="02020603050405020304" pitchFamily="18" charset="0"/>
+                                    </a:rPr>
+                                  </m:ctrlPr>
+                                </m:sSubPr>
+                                <m:e>
+                                  <m:r>
+                                    <a:rPr lang="en-US" altLang="ko-KR" i="1" kern="100">
+                                      <a:latin typeface="Cambria Math" panose="02040503050406030204" pitchFamily="18" charset="0"/>
+                                      <a:cs typeface="Times New Roman" panose="02020603050405020304" pitchFamily="18" charset="0"/>
+                                    </a:rPr>
+                                    <m:t>𝑡</m:t>
+                                  </m:r>
+                                </m:e>
+                                <m:sub>
+                                  <m:r>
+                                    <a:rPr lang="en-US" altLang="ko-KR" i="1" kern="100">
+                                      <a:latin typeface="Cambria Math" panose="02040503050406030204" pitchFamily="18" charset="0"/>
+                                      <a:cs typeface="Times New Roman" panose="02020603050405020304" pitchFamily="18" charset="0"/>
+                                    </a:rPr>
+                                    <m:t>𝑖</m:t>
+                                  </m:r>
+                                </m:sub>
+                              </m:sSub>
+                            </m:e>
+                          </m:d>
+                        </m:e>
+                        <m:sup>
+                          <m:r>
+                            <a:rPr lang="en-US" altLang="ko-KR" i="1" kern="100">
+                              <a:latin typeface="Cambria Math" panose="02040503050406030204" pitchFamily="18" charset="0"/>
+                              <a:cs typeface="Times New Roman" panose="02020603050405020304" pitchFamily="18" charset="0"/>
+                            </a:rPr>
+                            <m:t>3</m:t>
+                          </m:r>
+                        </m:sup>
+                      </m:sSup>
+                    </m:oMath>
+                  </m:oMathPara>
+                </a14:m>
+                <a:endParaRPr lang="ko-KR" altLang="ko-KR" kern="100" dirty="0">
+                  <a:latin typeface="맑은 고딕" panose="020B0503020000020004" pitchFamily="50" charset="-127"/>
+                  <a:cs typeface="Times New Roman" panose="02020603050405020304" pitchFamily="18" charset="0"/>
+                </a:endParaRPr>
+              </a:p>
+            </p:txBody>
+          </p:sp>
+        </mc:Choice>
+        <mc:Fallback>
+          <p:sp>
+            <p:nvSpPr>
+              <p:cNvPr id="8" name="직사각형 7">
+                <a:extLst>
+                  <a:ext uri="{FF2B5EF4-FFF2-40B4-BE49-F238E27FC236}">
+                    <a16:creationId xmlns:a16="http://schemas.microsoft.com/office/drawing/2014/main" id="{E3BE572F-8D65-4D9C-8423-C37F4851515F}"/>
+                  </a:ext>
+                </a:extLst>
+              </p:cNvPr>
+              <p:cNvSpPr>
+                <a:spLocks noRot="1" noChangeAspect="1" noMove="1" noResize="1" noEditPoints="1" noAdjustHandles="1" noChangeArrowheads="1" noChangeShapeType="1" noTextEdit="1"/>
+              </p:cNvSpPr>
+              <p:nvPr/>
+            </p:nvSpPr>
+            <p:spPr>
+              <a:xfrm>
+                <a:off x="571499" y="3623533"/>
+                <a:ext cx="7048500" cy="1508746"/>
+              </a:xfrm>
+              <a:prstGeom prst="rect">
+                <a:avLst/>
+              </a:prstGeom>
+              <a:blipFill>
+                <a:blip r:embed="rId5"/>
+                <a:stretch>
+                  <a:fillRect/>
+                </a:stretch>
+              </a:blipFill>
+            </p:spPr>
+            <p:txBody>
+              <a:bodyPr/>
+              <a:lstStyle/>
+              <a:p>
+                <a:r>
+                  <a:rPr lang="ko-KR" altLang="en-US">
+                    <a:noFill/>
+                  </a:rPr>
+                  <a:t> </a:t>
+                </a:r>
+              </a:p>
+            </p:txBody>
+          </p:sp>
+        </mc:Fallback>
+      </mc:AlternateContent>
+      <p:sp>
+        <p:nvSpPr>
+          <p:cNvPr id="9" name="TextBox 8">
+            <a:extLst>
+              <a:ext uri="{FF2B5EF4-FFF2-40B4-BE49-F238E27FC236}">
+                <a16:creationId xmlns:a16="http://schemas.microsoft.com/office/drawing/2014/main" id="{543042BC-6AC3-4B54-8B3E-9AF93BA6D773}"/>
+              </a:ext>
+            </a:extLst>
+          </p:cNvPr>
+          <p:cNvSpPr txBox="1"/>
+          <p:nvPr/>
+        </p:nvSpPr>
+        <p:spPr>
+          <a:xfrm>
+            <a:off x="187092" y="5048250"/>
+            <a:ext cx="4759765" cy="369332"/>
+          </a:xfrm>
+          <a:prstGeom prst="rect">
+            <a:avLst/>
+          </a:prstGeom>
+          <a:noFill/>
+        </p:spPr>
+        <p:txBody>
+          <a:bodyPr wrap="square" rtlCol="0">
+            <a:spAutoFit/>
+          </a:bodyPr>
+          <a:lstStyle/>
+          <a:p>
+            <a:r>
+              <a:rPr lang="en-US" altLang="ko-KR" dirty="0"/>
+              <a:t>(3) </a:t>
+            </a:r>
+            <a:r>
+              <a:rPr lang="ko-KR" altLang="en-US" dirty="0"/>
+              <a:t>운동방정식에 대입하여 정리</a:t>
+            </a:r>
+          </a:p>
+        </p:txBody>
+      </p:sp>
+      <mc:AlternateContent xmlns:mc="http://schemas.openxmlformats.org/markup-compatibility/2006">
+        <mc:Choice xmlns:a14="http://schemas.microsoft.com/office/drawing/2010/main" Requires="a14">
+          <p:sp>
+            <p:nvSpPr>
+              <p:cNvPr id="10" name="직사각형 9">
+                <a:extLst>
+                  <a:ext uri="{FF2B5EF4-FFF2-40B4-BE49-F238E27FC236}">
+                    <a16:creationId xmlns:a16="http://schemas.microsoft.com/office/drawing/2014/main" id="{2159DB89-0379-4D81-80ED-9C368EDB0581}"/>
+                  </a:ext>
+                </a:extLst>
+              </p:cNvPr>
+              <p:cNvSpPr/>
+              <p:nvPr/>
+            </p:nvSpPr>
+            <p:spPr>
+              <a:xfrm>
+                <a:off x="8389" y="5449749"/>
+                <a:ext cx="7991475" cy="714683"/>
+              </a:xfrm>
+              <a:prstGeom prst="rect">
+                <a:avLst/>
+              </a:prstGeom>
+            </p:spPr>
+            <p:txBody>
+              <a:bodyPr wrap="square">
+                <a:spAutoFit/>
+              </a:bodyPr>
+              <a:lstStyle/>
+              <a:p>
+                <a14:m>
+                  <m:oMathPara xmlns:m="http://schemas.openxmlformats.org/officeDocument/2006/math">
+                    <m:oMathParaPr>
+                      <m:jc m:val="centerGroup"/>
+                    </m:oMathParaPr>
+                    <m:oMath xmlns:m="http://schemas.openxmlformats.org/officeDocument/2006/math">
+                      <m:d>
+                        <m:dPr>
+                          <m:ctrlPr>
+                            <a:rPr lang="ko-KR" altLang="en-US">
+                              <a:latin typeface="Cambria Math" panose="02040503050406030204" pitchFamily="18" charset="0"/>
+                            </a:rPr>
+                          </m:ctrlPr>
+                        </m:dPr>
+                        <m:e>
+                          <m:r>
+                            <a:rPr lang="ko-KR" altLang="en-US" i="1">
+                              <a:latin typeface="Cambria Math" panose="02040503050406030204" pitchFamily="18" charset="0"/>
+                            </a:rPr>
+                            <m:t>𝑘</m:t>
+                          </m:r>
+                          <m:r>
+                            <a:rPr lang="ko-KR" altLang="en-US" i="0">
+                              <a:latin typeface="Cambria Math" panose="02040503050406030204" pitchFamily="18" charset="0"/>
+                            </a:rPr>
+                            <m:t>+</m:t>
+                          </m:r>
+                          <m:f>
+                            <m:fPr>
+                              <m:ctrlPr>
+                                <a:rPr lang="ko-KR" altLang="en-US" i="1">
+                                  <a:latin typeface="Cambria Math" panose="02040503050406030204" pitchFamily="18" charset="0"/>
+                                </a:rPr>
+                              </m:ctrlPr>
+                            </m:fPr>
+                            <m:num>
+                              <m:r>
+                                <a:rPr lang="ko-KR" altLang="en-US" i="0">
+                                  <a:latin typeface="Cambria Math" panose="02040503050406030204" pitchFamily="18" charset="0"/>
+                                </a:rPr>
+                                <m:t>6</m:t>
+                              </m:r>
+                            </m:num>
+                            <m:den>
+                              <m:r>
+                                <a:rPr lang="ko-KR" altLang="en-US" i="1">
+                                  <a:latin typeface="Cambria Math" panose="02040503050406030204" pitchFamily="18" charset="0"/>
+                                </a:rPr>
+                                <m:t>𝜃</m:t>
+                              </m:r>
+                              <m:r>
+                                <m:rPr>
+                                  <m:sty m:val="p"/>
+                                </m:rPr>
+                                <a:rPr lang="ko-KR" altLang="en-US" i="0">
+                                  <a:latin typeface="Cambria Math" panose="02040503050406030204" pitchFamily="18" charset="0"/>
+                                </a:rPr>
+                                <m:t>Δ</m:t>
+                              </m:r>
+                              <m:r>
+                                <a:rPr lang="ko-KR" altLang="en-US" i="1">
+                                  <a:latin typeface="Cambria Math" panose="02040503050406030204" pitchFamily="18" charset="0"/>
+                                </a:rPr>
+                                <m:t>𝑡</m:t>
+                              </m:r>
+                            </m:den>
+                          </m:f>
+                          <m:r>
+                            <a:rPr lang="ko-KR" altLang="en-US" i="1">
+                              <a:latin typeface="Cambria Math" panose="02040503050406030204" pitchFamily="18" charset="0"/>
+                            </a:rPr>
+                            <m:t>𝑚</m:t>
+                          </m:r>
+                          <m:r>
+                            <a:rPr lang="ko-KR" altLang="en-US" i="0">
+                              <a:latin typeface="Cambria Math" panose="02040503050406030204" pitchFamily="18" charset="0"/>
+                            </a:rPr>
+                            <m:t>+</m:t>
+                          </m:r>
+                          <m:f>
+                            <m:fPr>
+                              <m:ctrlPr>
+                                <a:rPr lang="ko-KR" altLang="en-US" i="1">
+                                  <a:latin typeface="Cambria Math" panose="02040503050406030204" pitchFamily="18" charset="0"/>
+                                </a:rPr>
+                              </m:ctrlPr>
+                            </m:fPr>
+                            <m:num>
+                              <m:r>
+                                <a:rPr lang="ko-KR" altLang="en-US" i="0">
+                                  <a:latin typeface="Cambria Math" panose="02040503050406030204" pitchFamily="18" charset="0"/>
+                                </a:rPr>
+                                <m:t>3</m:t>
+                              </m:r>
+                            </m:num>
+                            <m:den>
+                              <m:r>
+                                <a:rPr lang="ko-KR" altLang="en-US" i="1">
+                                  <a:latin typeface="Cambria Math" panose="02040503050406030204" pitchFamily="18" charset="0"/>
+                                </a:rPr>
+                                <m:t>𝜃</m:t>
+                              </m:r>
+                              <m:r>
+                                <m:rPr>
+                                  <m:sty m:val="p"/>
+                                </m:rPr>
+                                <a:rPr lang="ko-KR" altLang="en-US" i="0">
+                                  <a:latin typeface="Cambria Math" panose="02040503050406030204" pitchFamily="18" charset="0"/>
+                                </a:rPr>
+                                <m:t>Δ</m:t>
+                              </m:r>
+                              <m:r>
+                                <a:rPr lang="ko-KR" altLang="en-US" i="1">
+                                  <a:latin typeface="Cambria Math" panose="02040503050406030204" pitchFamily="18" charset="0"/>
+                                </a:rPr>
+                                <m:t>𝑡</m:t>
+                              </m:r>
+                            </m:den>
+                          </m:f>
+                          <m:r>
+                            <a:rPr lang="ko-KR" altLang="en-US" i="1">
+                              <a:latin typeface="Cambria Math" panose="02040503050406030204" pitchFamily="18" charset="0"/>
+                            </a:rPr>
+                            <m:t>𝑐</m:t>
+                          </m:r>
+                        </m:e>
+                      </m:d>
+                      <m:acc>
+                        <m:accPr>
+                          <m:chr m:val="̂"/>
+                          <m:ctrlPr>
+                            <a:rPr lang="ko-KR" altLang="en-US" i="1">
+                              <a:latin typeface="Cambria Math" panose="02040503050406030204" pitchFamily="18" charset="0"/>
+                            </a:rPr>
+                          </m:ctrlPr>
+                        </m:accPr>
+                        <m:e>
+                          <m:r>
+                            <m:rPr>
+                              <m:sty m:val="p"/>
+                            </m:rPr>
+                            <a:rPr lang="ko-KR" altLang="en-US" i="0">
+                              <a:latin typeface="Cambria Math" panose="02040503050406030204" pitchFamily="18" charset="0"/>
+                            </a:rPr>
+                            <m:t>Δ</m:t>
+                          </m:r>
+                        </m:e>
+                      </m:acc>
+                      <m:sSub>
+                        <m:sSubPr>
+                          <m:ctrlPr>
+                            <a:rPr lang="ko-KR" altLang="en-US" i="1">
+                              <a:latin typeface="Cambria Math" panose="02040503050406030204" pitchFamily="18" charset="0"/>
+                            </a:rPr>
+                          </m:ctrlPr>
+                        </m:sSubPr>
+                        <m:e>
+                          <m:r>
+                            <a:rPr lang="ko-KR" altLang="en-US" i="1">
+                              <a:latin typeface="Cambria Math" panose="02040503050406030204" pitchFamily="18" charset="0"/>
+                            </a:rPr>
+                            <m:t>𝑥</m:t>
+                          </m:r>
+                        </m:e>
+                        <m:sub>
+                          <m:r>
+                            <a:rPr lang="ko-KR" altLang="en-US" i="1">
+                              <a:latin typeface="Cambria Math" panose="02040503050406030204" pitchFamily="18" charset="0"/>
+                            </a:rPr>
+                            <m:t>𝑖</m:t>
+                          </m:r>
+                        </m:sub>
+                      </m:sSub>
+                      <m:r>
+                        <a:rPr lang="ko-KR" altLang="en-US" i="0">
+                          <a:latin typeface="Cambria Math" panose="02040503050406030204" pitchFamily="18" charset="0"/>
+                        </a:rPr>
+                        <m:t>=</m:t>
+                      </m:r>
+                      <m:acc>
+                        <m:accPr>
+                          <m:chr m:val="̂"/>
+                          <m:ctrlPr>
+                            <a:rPr lang="ko-KR" altLang="en-US" i="1">
+                              <a:latin typeface="Cambria Math" panose="02040503050406030204" pitchFamily="18" charset="0"/>
+                            </a:rPr>
+                          </m:ctrlPr>
+                        </m:accPr>
+                        <m:e>
+                          <m:r>
+                            <m:rPr>
+                              <m:sty m:val="p"/>
+                            </m:rPr>
+                            <a:rPr lang="ko-KR" altLang="en-US" i="0">
+                              <a:latin typeface="Cambria Math" panose="02040503050406030204" pitchFamily="18" charset="0"/>
+                            </a:rPr>
+                            <m:t>Δ</m:t>
+                          </m:r>
+                        </m:e>
+                      </m:acc>
+                      <m:sSub>
+                        <m:sSubPr>
+                          <m:ctrlPr>
+                            <a:rPr lang="ko-KR" altLang="en-US" i="1">
+                              <a:latin typeface="Cambria Math" panose="02040503050406030204" pitchFamily="18" charset="0"/>
+                            </a:rPr>
+                          </m:ctrlPr>
+                        </m:sSubPr>
+                        <m:e>
+                          <m:r>
+                            <a:rPr lang="ko-KR" altLang="en-US" i="1">
+                              <a:latin typeface="Cambria Math" panose="02040503050406030204" pitchFamily="18" charset="0"/>
+                            </a:rPr>
+                            <m:t>𝑃</m:t>
+                          </m:r>
+                        </m:e>
+                        <m:sub>
+                          <m:r>
+                            <a:rPr lang="ko-KR" altLang="en-US" i="1">
+                              <a:latin typeface="Cambria Math" panose="02040503050406030204" pitchFamily="18" charset="0"/>
+                            </a:rPr>
+                            <m:t>𝑖</m:t>
+                          </m:r>
+                        </m:sub>
+                      </m:sSub>
+                      <m:r>
+                        <a:rPr lang="ko-KR" altLang="en-US" i="0">
+                          <a:latin typeface="Cambria Math" panose="02040503050406030204" pitchFamily="18" charset="0"/>
+                        </a:rPr>
+                        <m:t>+</m:t>
+                      </m:r>
+                      <m:r>
+                        <a:rPr lang="ko-KR" altLang="en-US" i="1">
+                          <a:latin typeface="Cambria Math" panose="02040503050406030204" pitchFamily="18" charset="0"/>
+                        </a:rPr>
+                        <m:t>𝑚</m:t>
+                      </m:r>
+                      <m:d>
+                        <m:dPr>
+                          <m:ctrlPr>
+                            <a:rPr lang="ko-KR" altLang="en-US" i="1">
+                              <a:latin typeface="Cambria Math" panose="02040503050406030204" pitchFamily="18" charset="0"/>
+                            </a:rPr>
+                          </m:ctrlPr>
+                        </m:dPr>
+                        <m:e>
+                          <m:f>
+                            <m:fPr>
+                              <m:ctrlPr>
+                                <a:rPr lang="ko-KR" altLang="en-US" i="1">
+                                  <a:latin typeface="Cambria Math" panose="02040503050406030204" pitchFamily="18" charset="0"/>
+                                </a:rPr>
+                              </m:ctrlPr>
+                            </m:fPr>
+                            <m:num>
+                              <m:r>
+                                <a:rPr lang="ko-KR" altLang="en-US" i="0">
+                                  <a:latin typeface="Cambria Math" panose="02040503050406030204" pitchFamily="18" charset="0"/>
+                                </a:rPr>
+                                <m:t>6</m:t>
+                              </m:r>
+                            </m:num>
+                            <m:den>
+                              <m:r>
+                                <a:rPr lang="ko-KR" altLang="en-US" i="1">
+                                  <a:latin typeface="Cambria Math" panose="02040503050406030204" pitchFamily="18" charset="0"/>
+                                </a:rPr>
+                                <m:t>𝜃</m:t>
+                              </m:r>
+                              <m:r>
+                                <m:rPr>
+                                  <m:sty m:val="p"/>
+                                </m:rPr>
+                                <a:rPr lang="ko-KR" altLang="en-US" i="0">
+                                  <a:latin typeface="Cambria Math" panose="02040503050406030204" pitchFamily="18" charset="0"/>
+                                </a:rPr>
+                                <m:t>Δ</m:t>
+                              </m:r>
+                              <m:r>
+                                <a:rPr lang="ko-KR" altLang="en-US" i="1">
+                                  <a:latin typeface="Cambria Math" panose="02040503050406030204" pitchFamily="18" charset="0"/>
+                                </a:rPr>
+                                <m:t>𝑡</m:t>
+                              </m:r>
+                            </m:den>
+                          </m:f>
+                          <m:sSub>
+                            <m:sSubPr>
+                              <m:ctrlPr>
+                                <a:rPr lang="ko-KR" altLang="en-US" i="1">
+                                  <a:latin typeface="Cambria Math" panose="02040503050406030204" pitchFamily="18" charset="0"/>
+                                </a:rPr>
+                              </m:ctrlPr>
+                            </m:sSubPr>
+                            <m:e>
+                              <m:acc>
+                                <m:accPr>
+                                  <m:chr m:val="̇"/>
+                                  <m:ctrlPr>
+                                    <a:rPr lang="ko-KR" altLang="en-US" i="1">
+                                      <a:latin typeface="Cambria Math" panose="02040503050406030204" pitchFamily="18" charset="0"/>
+                                    </a:rPr>
+                                  </m:ctrlPr>
+                                </m:accPr>
+                                <m:e>
+                                  <m:r>
+                                    <a:rPr lang="ko-KR" altLang="en-US" i="1">
+                                      <a:latin typeface="Cambria Math" panose="02040503050406030204" pitchFamily="18" charset="0"/>
+                                    </a:rPr>
+                                    <m:t>𝑥</m:t>
+                                  </m:r>
+                                </m:e>
+                              </m:acc>
+                            </m:e>
+                            <m:sub>
+                              <m:r>
+                                <a:rPr lang="ko-KR" altLang="en-US" i="1">
+                                  <a:latin typeface="Cambria Math" panose="02040503050406030204" pitchFamily="18" charset="0"/>
+                                </a:rPr>
+                                <m:t>𝑖</m:t>
+                              </m:r>
+                            </m:sub>
+                          </m:sSub>
+                          <m:r>
+                            <a:rPr lang="ko-KR" altLang="en-US" i="0">
+                              <a:latin typeface="Cambria Math" panose="02040503050406030204" pitchFamily="18" charset="0"/>
+                            </a:rPr>
+                            <m:t>+3</m:t>
+                          </m:r>
+                          <m:sSub>
+                            <m:sSubPr>
+                              <m:ctrlPr>
+                                <a:rPr lang="ko-KR" altLang="en-US" i="1">
+                                  <a:latin typeface="Cambria Math" panose="02040503050406030204" pitchFamily="18" charset="0"/>
+                                </a:rPr>
+                              </m:ctrlPr>
+                            </m:sSubPr>
+                            <m:e>
+                              <m:acc>
+                                <m:accPr>
+                                  <m:chr m:val="̈"/>
+                                  <m:ctrlPr>
+                                    <a:rPr lang="ko-KR" altLang="en-US" i="1">
+                                      <a:latin typeface="Cambria Math" panose="02040503050406030204" pitchFamily="18" charset="0"/>
+                                    </a:rPr>
+                                  </m:ctrlPr>
+                                </m:accPr>
+                                <m:e>
+                                  <m:r>
+                                    <a:rPr lang="ko-KR" altLang="en-US" i="1">
+                                      <a:latin typeface="Cambria Math" panose="02040503050406030204" pitchFamily="18" charset="0"/>
+                                    </a:rPr>
+                                    <m:t>𝑥</m:t>
+                                  </m:r>
+                                </m:e>
+                              </m:acc>
+                            </m:e>
+                            <m:sub>
+                              <m:r>
+                                <a:rPr lang="ko-KR" altLang="en-US" i="1">
+                                  <a:latin typeface="Cambria Math" panose="02040503050406030204" pitchFamily="18" charset="0"/>
+                                </a:rPr>
+                                <m:t>𝑖</m:t>
+                              </m:r>
+                            </m:sub>
+                          </m:sSub>
+                        </m:e>
+                      </m:d>
+                      <m:r>
+                        <a:rPr lang="ko-KR" altLang="en-US" i="0">
+                          <a:latin typeface="Cambria Math" panose="02040503050406030204" pitchFamily="18" charset="0"/>
+                        </a:rPr>
+                        <m:t>+</m:t>
+                      </m:r>
+                      <m:r>
+                        <a:rPr lang="ko-KR" altLang="en-US" i="1">
+                          <a:latin typeface="Cambria Math" panose="02040503050406030204" pitchFamily="18" charset="0"/>
+                        </a:rPr>
+                        <m:t>𝑐</m:t>
+                      </m:r>
+                      <m:d>
+                        <m:dPr>
+                          <m:ctrlPr>
+                            <a:rPr lang="ko-KR" altLang="en-US" i="1">
+                              <a:latin typeface="Cambria Math" panose="02040503050406030204" pitchFamily="18" charset="0"/>
+                            </a:rPr>
+                          </m:ctrlPr>
+                        </m:dPr>
+                        <m:e>
+                          <m:r>
+                            <a:rPr lang="ko-KR" altLang="en-US" i="0">
+                              <a:latin typeface="Cambria Math" panose="02040503050406030204" pitchFamily="18" charset="0"/>
+                            </a:rPr>
+                            <m:t>3</m:t>
+                          </m:r>
+                          <m:sSub>
+                            <m:sSubPr>
+                              <m:ctrlPr>
+                                <a:rPr lang="ko-KR" altLang="en-US" i="1">
+                                  <a:latin typeface="Cambria Math" panose="02040503050406030204" pitchFamily="18" charset="0"/>
+                                </a:rPr>
+                              </m:ctrlPr>
+                            </m:sSubPr>
+                            <m:e>
+                              <m:acc>
+                                <m:accPr>
+                                  <m:chr m:val="̇"/>
+                                  <m:ctrlPr>
+                                    <a:rPr lang="ko-KR" altLang="en-US" i="1">
+                                      <a:latin typeface="Cambria Math" panose="02040503050406030204" pitchFamily="18" charset="0"/>
+                                    </a:rPr>
+                                  </m:ctrlPr>
+                                </m:accPr>
+                                <m:e>
+                                  <m:r>
+                                    <a:rPr lang="ko-KR" altLang="en-US" i="1">
+                                      <a:latin typeface="Cambria Math" panose="02040503050406030204" pitchFamily="18" charset="0"/>
+                                    </a:rPr>
+                                    <m:t>𝑥</m:t>
+                                  </m:r>
+                                </m:e>
+                              </m:acc>
+                            </m:e>
+                            <m:sub>
+                              <m:r>
+                                <a:rPr lang="ko-KR" altLang="en-US" i="1">
+                                  <a:latin typeface="Cambria Math" panose="02040503050406030204" pitchFamily="18" charset="0"/>
+                                </a:rPr>
+                                <m:t>𝑖</m:t>
+                              </m:r>
+                            </m:sub>
+                          </m:sSub>
+                          <m:r>
+                            <a:rPr lang="ko-KR" altLang="en-US" i="0">
+                              <a:latin typeface="Cambria Math" panose="02040503050406030204" pitchFamily="18" charset="0"/>
+                            </a:rPr>
+                            <m:t>+</m:t>
+                          </m:r>
+                          <m:f>
+                            <m:fPr>
+                              <m:ctrlPr>
+                                <a:rPr lang="ko-KR" altLang="en-US" i="1">
+                                  <a:latin typeface="Cambria Math" panose="02040503050406030204" pitchFamily="18" charset="0"/>
+                                </a:rPr>
+                              </m:ctrlPr>
+                            </m:fPr>
+                            <m:num>
+                              <m:r>
+                                <a:rPr lang="ko-KR" altLang="en-US" i="1">
+                                  <a:latin typeface="Cambria Math" panose="02040503050406030204" pitchFamily="18" charset="0"/>
+                                </a:rPr>
+                                <m:t>𝜃</m:t>
+                              </m:r>
+                              <m:r>
+                                <m:rPr>
+                                  <m:sty m:val="p"/>
+                                </m:rPr>
+                                <a:rPr lang="ko-KR" altLang="en-US" i="0">
+                                  <a:latin typeface="Cambria Math" panose="02040503050406030204" pitchFamily="18" charset="0"/>
+                                </a:rPr>
+                                <m:t>Δ</m:t>
+                              </m:r>
+                              <m:r>
+                                <a:rPr lang="ko-KR" altLang="en-US" i="1">
+                                  <a:latin typeface="Cambria Math" panose="02040503050406030204" pitchFamily="18" charset="0"/>
+                                </a:rPr>
+                                <m:t>𝑡</m:t>
+                              </m:r>
+                            </m:num>
+                            <m:den>
+                              <m:r>
+                                <a:rPr lang="ko-KR" altLang="en-US" i="0">
+                                  <a:latin typeface="Cambria Math" panose="02040503050406030204" pitchFamily="18" charset="0"/>
+                                </a:rPr>
+                                <m:t>2</m:t>
+                              </m:r>
+                            </m:den>
+                          </m:f>
+                          <m:sSub>
+                            <m:sSubPr>
+                              <m:ctrlPr>
+                                <a:rPr lang="ko-KR" altLang="en-US" i="1">
+                                  <a:latin typeface="Cambria Math" panose="02040503050406030204" pitchFamily="18" charset="0"/>
+                                </a:rPr>
+                              </m:ctrlPr>
+                            </m:sSubPr>
+                            <m:e>
+                              <m:acc>
+                                <m:accPr>
+                                  <m:chr m:val="̈"/>
+                                  <m:ctrlPr>
+                                    <a:rPr lang="ko-KR" altLang="en-US" i="1">
+                                      <a:latin typeface="Cambria Math" panose="02040503050406030204" pitchFamily="18" charset="0"/>
+                                    </a:rPr>
+                                  </m:ctrlPr>
+                                </m:accPr>
+                                <m:e>
+                                  <m:r>
+                                    <a:rPr lang="ko-KR" altLang="en-US" i="1">
+                                      <a:latin typeface="Cambria Math" panose="02040503050406030204" pitchFamily="18" charset="0"/>
+                                    </a:rPr>
+                                    <m:t>𝑥</m:t>
+                                  </m:r>
+                                </m:e>
+                              </m:acc>
+                            </m:e>
+                            <m:sub>
+                              <m:r>
+                                <a:rPr lang="ko-KR" altLang="en-US" i="1">
+                                  <a:latin typeface="Cambria Math" panose="02040503050406030204" pitchFamily="18" charset="0"/>
+                                </a:rPr>
+                                <m:t>𝑖</m:t>
+                              </m:r>
+                            </m:sub>
+                          </m:sSub>
+                        </m:e>
+                      </m:d>
+                    </m:oMath>
+                  </m:oMathPara>
+                </a14:m>
+                <a:endParaRPr lang="ko-KR" altLang="en-US" dirty="0"/>
+              </a:p>
+            </p:txBody>
+          </p:sp>
+        </mc:Choice>
+        <mc:Fallback>
+          <p:sp>
+            <p:nvSpPr>
+              <p:cNvPr id="10" name="직사각형 9">
+                <a:extLst>
+                  <a:ext uri="{FF2B5EF4-FFF2-40B4-BE49-F238E27FC236}">
+                    <a16:creationId xmlns:a16="http://schemas.microsoft.com/office/drawing/2014/main" id="{2159DB89-0379-4D81-80ED-9C368EDB0581}"/>
+                  </a:ext>
+                </a:extLst>
+              </p:cNvPr>
+              <p:cNvSpPr>
+                <a:spLocks noRot="1" noChangeAspect="1" noMove="1" noResize="1" noEditPoints="1" noAdjustHandles="1" noChangeArrowheads="1" noChangeShapeType="1" noTextEdit="1"/>
+              </p:cNvSpPr>
+              <p:nvPr/>
+            </p:nvSpPr>
+            <p:spPr>
+              <a:xfrm>
+                <a:off x="8389" y="5449749"/>
+                <a:ext cx="7991475" cy="714683"/>
+              </a:xfrm>
+              <a:prstGeom prst="rect">
+                <a:avLst/>
+              </a:prstGeom>
+              <a:blipFill>
+                <a:blip r:embed="rId6"/>
+                <a:stretch>
+                  <a:fillRect/>
+                </a:stretch>
+              </a:blipFill>
+            </p:spPr>
+            <p:txBody>
+              <a:bodyPr/>
+              <a:lstStyle/>
+              <a:p>
+                <a:r>
+                  <a:rPr lang="ko-KR" altLang="en-US">
+                    <a:noFill/>
+                  </a:rPr>
+                  <a:t> </a:t>
+                </a:r>
+              </a:p>
+            </p:txBody>
+          </p:sp>
+        </mc:Fallback>
+      </mc:AlternateContent>
     </p:spTree>
     <p:extLst>
       <p:ext uri="{BB962C8B-B14F-4D97-AF65-F5344CB8AC3E}">
@@ -16438,6 +19908,1743 @@
 </file>
 
 <file path=ppt/slides/slide15.xml><?xml version="1.0" encoding="utf-8"?>
+<p:sld xmlns:a="http://schemas.openxmlformats.org/drawingml/2006/main" xmlns:r="http://schemas.openxmlformats.org/officeDocument/2006/relationships" xmlns:p="http://schemas.openxmlformats.org/presentationml/2006/main">
+  <p:cSld>
+    <p:spTree>
+      <p:nvGrpSpPr>
+        <p:cNvPr id="1" name=""/>
+        <p:cNvGrpSpPr/>
+        <p:nvPr/>
+      </p:nvGrpSpPr>
+      <p:grpSpPr>
+        <a:xfrm>
+          <a:off x="0" y="0"/>
+          <a:ext cx="0" cy="0"/>
+          <a:chOff x="0" y="0"/>
+          <a:chExt cx="0" cy="0"/>
+        </a:xfrm>
+      </p:grpSpPr>
+      <p:sp>
+        <p:nvSpPr>
+          <p:cNvPr id="4" name="직사각형 3">
+            <a:extLst>
+              <a:ext uri="{FF2B5EF4-FFF2-40B4-BE49-F238E27FC236}">
+                <a16:creationId xmlns:a16="http://schemas.microsoft.com/office/drawing/2014/main" id="{8A8A3B09-89C6-4ABD-84DA-7C75C8489C73}"/>
+              </a:ext>
+            </a:extLst>
+          </p:cNvPr>
+          <p:cNvSpPr/>
+          <p:nvPr/>
+        </p:nvSpPr>
+        <p:spPr>
+          <a:xfrm>
+            <a:off x="0" y="500718"/>
+            <a:ext cx="9144000" cy="36000"/>
+          </a:xfrm>
+          <a:prstGeom prst="rect">
+            <a:avLst/>
+          </a:prstGeom>
+          <a:solidFill>
+            <a:schemeClr val="accent6">
+              <a:lumMod val="60000"/>
+              <a:lumOff val="40000"/>
+            </a:schemeClr>
+          </a:solidFill>
+          <a:ln>
+            <a:noFill/>
+          </a:ln>
+        </p:spPr>
+        <p:style>
+          <a:lnRef idx="2">
+            <a:schemeClr val="accent1">
+              <a:shade val="50000"/>
+            </a:schemeClr>
+          </a:lnRef>
+          <a:fillRef idx="1">
+            <a:schemeClr val="accent1"/>
+          </a:fillRef>
+          <a:effectRef idx="0">
+            <a:schemeClr val="accent1"/>
+          </a:effectRef>
+          <a:fontRef idx="minor">
+            <a:schemeClr val="lt1"/>
+          </a:fontRef>
+        </p:style>
+        <p:txBody>
+          <a:bodyPr rot="0" spcFirstLastPara="0" vertOverflow="overflow" horzOverflow="overflow" vert="horz" wrap="square" lIns="68580" tIns="34290" rIns="68580" bIns="34290" numCol="1" spcCol="0" rtlCol="0" fromWordArt="0" anchor="ctr" anchorCtr="0" forceAA="0" compatLnSpc="1">
+            <a:prstTxWarp prst="textNoShape">
+              <a:avLst/>
+            </a:prstTxWarp>
+            <a:noAutofit/>
+          </a:bodyPr>
+          <a:lstStyle/>
+          <a:p>
+            <a:pPr algn="ctr"/>
+            <a:endParaRPr lang="ko-KR" altLang="en-US" sz="1350" dirty="0"/>
+          </a:p>
+        </p:txBody>
+      </p:sp>
+      <p:sp>
+        <p:nvSpPr>
+          <p:cNvPr id="3" name="TextBox 2">
+            <a:extLst>
+              <a:ext uri="{FF2B5EF4-FFF2-40B4-BE49-F238E27FC236}">
+                <a16:creationId xmlns:a16="http://schemas.microsoft.com/office/drawing/2014/main" id="{422E03B7-1CFB-402E-97CB-3D6625785B71}"/>
+              </a:ext>
+            </a:extLst>
+          </p:cNvPr>
+          <p:cNvSpPr txBox="1"/>
+          <p:nvPr/>
+        </p:nvSpPr>
+        <p:spPr>
+          <a:xfrm>
+            <a:off x="8389" y="16778"/>
+            <a:ext cx="6224631" cy="461665"/>
+          </a:xfrm>
+          <a:prstGeom prst="rect">
+            <a:avLst/>
+          </a:prstGeom>
+          <a:noFill/>
+        </p:spPr>
+        <p:txBody>
+          <a:bodyPr wrap="square" rtlCol="0">
+            <a:spAutoFit/>
+          </a:bodyPr>
+          <a:lstStyle/>
+          <a:p>
+            <a:r>
+              <a:rPr lang="en-US" altLang="ko-KR" sz="2400" b="1" dirty="0">
+                <a:latin typeface="맑은 고딕" panose="020B0503020000020004" pitchFamily="50" charset="-127"/>
+                <a:ea typeface="맑은 고딕" panose="020B0503020000020004" pitchFamily="50" charset="-127"/>
+                <a:cs typeface="Times New Roman" panose="02020603050405020304" pitchFamily="18" charset="0"/>
+              </a:rPr>
+              <a:t>2. </a:t>
+            </a:r>
+            <a:r>
+              <a:rPr lang="ko-KR" altLang="en-US" sz="2400" b="1" dirty="0" err="1">
+                <a:latin typeface="Times New Roman" panose="02020603050405020304" pitchFamily="18" charset="0"/>
+                <a:cs typeface="Times New Roman" panose="02020603050405020304" pitchFamily="18" charset="0"/>
+              </a:rPr>
+              <a:t>응답스펙트럼</a:t>
+            </a:r>
+            <a:r>
+              <a:rPr lang="ko-KR" altLang="en-US" sz="2400" b="1" dirty="0">
+                <a:latin typeface="Times New Roman" panose="02020603050405020304" pitchFamily="18" charset="0"/>
+                <a:cs typeface="Times New Roman" panose="02020603050405020304" pitchFamily="18" charset="0"/>
+              </a:rPr>
+              <a:t> 정의 및 산출 방법</a:t>
+            </a:r>
+          </a:p>
+        </p:txBody>
+      </p:sp>
+      <mc:AlternateContent xmlns:mc="http://schemas.openxmlformats.org/markup-compatibility/2006" xmlns:a14="http://schemas.microsoft.com/office/drawing/2010/main">
+        <mc:Choice Requires="a14">
+          <p:sp>
+            <p:nvSpPr>
+              <p:cNvPr id="2" name="TextBox 1">
+                <a:extLst>
+                  <a:ext uri="{FF2B5EF4-FFF2-40B4-BE49-F238E27FC236}">
+                    <a16:creationId xmlns:a16="http://schemas.microsoft.com/office/drawing/2014/main" id="{DB6057D3-D357-4A4C-9396-AF024FA9E6F8}"/>
+                  </a:ext>
+                </a:extLst>
+              </p:cNvPr>
+              <p:cNvSpPr txBox="1"/>
+              <p:nvPr/>
+            </p:nvSpPr>
+            <p:spPr>
+              <a:xfrm>
+                <a:off x="100668" y="771787"/>
+                <a:ext cx="9043332" cy="1200329"/>
+              </a:xfrm>
+              <a:prstGeom prst="rect">
+                <a:avLst/>
+              </a:prstGeom>
+              <a:noFill/>
+            </p:spPr>
+            <p:txBody>
+              <a:bodyPr wrap="square" rtlCol="0">
+                <a:spAutoFit/>
+              </a:bodyPr>
+              <a:lstStyle/>
+              <a:p>
+                <a:pPr marL="285750" indent="-285750">
+                  <a:buFont typeface="Wingdings" panose="05000000000000000000" pitchFamily="2" charset="2"/>
+                  <a:buChar char="§"/>
+                </a:pPr>
+                <a:r>
+                  <a:rPr lang="ko-KR" altLang="en-US" dirty="0" err="1"/>
+                  <a:t>응답스펙트럼</a:t>
+                </a:r>
+                <a:r>
+                  <a:rPr lang="ko-KR" altLang="en-US" dirty="0"/>
+                  <a:t> 산출 방법 분류</a:t>
+                </a:r>
+                <a:endParaRPr lang="en-US" altLang="ko-KR" dirty="0"/>
+              </a:p>
+              <a:p>
+                <a:pPr marL="742950" lvl="1" indent="-285750">
+                  <a:buFont typeface="Wingdings" panose="05000000000000000000" pitchFamily="2" charset="2"/>
+                  <a:buChar char="v"/>
+                </a:pPr>
+                <a:r>
+                  <a:rPr lang="en-US" altLang="ko-KR" dirty="0"/>
+                  <a:t>Direct Integration Method</a:t>
+                </a:r>
+              </a:p>
+              <a:p>
+                <a:pPr marL="1200150" lvl="2" indent="-285750">
+                  <a:buFont typeface="Wingdings" panose="05000000000000000000" pitchFamily="2" charset="2"/>
+                  <a:buChar char="Ø"/>
+                </a:pPr>
+                <a:r>
+                  <a:rPr lang="en-US" altLang="ko-KR" dirty="0"/>
+                  <a:t>Wilson’s </a:t>
+                </a:r>
+                <a14:m>
+                  <m:oMath xmlns:m="http://schemas.openxmlformats.org/officeDocument/2006/math">
+                    <m:r>
+                      <m:rPr>
+                        <m:sty m:val="p"/>
+                      </m:rPr>
+                      <a:rPr lang="ko-KR" altLang="en-US" i="0" dirty="0" smtClean="0">
+                        <a:latin typeface="Cambria Math" panose="02040503050406030204" pitchFamily="18" charset="0"/>
+                      </a:rPr>
+                      <m:t>θ</m:t>
+                    </m:r>
+                  </m:oMath>
+                </a14:m>
+                <a:r>
+                  <a:rPr lang="en-US" altLang="ko-KR" dirty="0"/>
+                  <a:t> Method - Implicit</a:t>
+                </a:r>
+              </a:p>
+              <a:p>
+                <a:pPr marL="285750" indent="-285750">
+                  <a:buFont typeface="Wingdings" panose="05000000000000000000" pitchFamily="2" charset="2"/>
+                  <a:buChar char="§"/>
+                </a:pPr>
+                <a:endParaRPr lang="en-US" altLang="ko-KR" dirty="0"/>
+              </a:p>
+            </p:txBody>
+          </p:sp>
+        </mc:Choice>
+        <mc:Fallback xmlns="">
+          <p:sp>
+            <p:nvSpPr>
+              <p:cNvPr id="2" name="TextBox 1">
+                <a:extLst>
+                  <a:ext uri="{FF2B5EF4-FFF2-40B4-BE49-F238E27FC236}">
+                    <a16:creationId xmlns:a16="http://schemas.microsoft.com/office/drawing/2014/main" id="{DB6057D3-D357-4A4C-9396-AF024FA9E6F8}"/>
+                  </a:ext>
+                </a:extLst>
+              </p:cNvPr>
+              <p:cNvSpPr txBox="1">
+                <a:spLocks noRot="1" noChangeAspect="1" noMove="1" noResize="1" noEditPoints="1" noAdjustHandles="1" noChangeArrowheads="1" noChangeShapeType="1" noTextEdit="1"/>
+              </p:cNvSpPr>
+              <p:nvPr/>
+            </p:nvSpPr>
+            <p:spPr>
+              <a:xfrm>
+                <a:off x="100668" y="771787"/>
+                <a:ext cx="9043332" cy="1200329"/>
+              </a:xfrm>
+              <a:prstGeom prst="rect">
+                <a:avLst/>
+              </a:prstGeom>
+              <a:blipFill>
+                <a:blip r:embed="rId2"/>
+                <a:stretch>
+                  <a:fillRect l="-472" t="-4061"/>
+                </a:stretch>
+              </a:blipFill>
+            </p:spPr>
+            <p:txBody>
+              <a:bodyPr/>
+              <a:lstStyle/>
+              <a:p>
+                <a:r>
+                  <a:rPr lang="ko-KR" altLang="en-US">
+                    <a:noFill/>
+                  </a:rPr>
+                  <a:t> </a:t>
+                </a:r>
+              </a:p>
+            </p:txBody>
+          </p:sp>
+        </mc:Fallback>
+      </mc:AlternateContent>
+      <p:sp>
+        <p:nvSpPr>
+          <p:cNvPr id="5" name="TextBox 4">
+            <a:extLst>
+              <a:ext uri="{FF2B5EF4-FFF2-40B4-BE49-F238E27FC236}">
+                <a16:creationId xmlns:a16="http://schemas.microsoft.com/office/drawing/2014/main" id="{DEDF6FC0-CCC9-46ED-96AE-71569F580744}"/>
+              </a:ext>
+            </a:extLst>
+          </p:cNvPr>
+          <p:cNvSpPr txBox="1"/>
+          <p:nvPr/>
+        </p:nvSpPr>
+        <p:spPr>
+          <a:xfrm>
+            <a:off x="177567" y="1738514"/>
+            <a:ext cx="8704627" cy="369332"/>
+          </a:xfrm>
+          <a:prstGeom prst="rect">
+            <a:avLst/>
+          </a:prstGeom>
+          <a:noFill/>
+        </p:spPr>
+        <p:txBody>
+          <a:bodyPr wrap="none" rtlCol="0">
+            <a:spAutoFit/>
+          </a:bodyPr>
+          <a:lstStyle/>
+          <a:p>
+            <a:r>
+              <a:rPr lang="en-US" altLang="ko-KR" dirty="0"/>
+              <a:t>(4) </a:t>
+            </a:r>
+            <a:r>
+              <a:rPr lang="ko-KR" altLang="en-US" dirty="0"/>
+              <a:t>확장된 시간간격에서 구한 가속도</a:t>
+            </a:r>
+            <a:r>
+              <a:rPr lang="en-US" altLang="ko-KR" dirty="0"/>
+              <a:t>, </a:t>
+            </a:r>
+            <a:r>
+              <a:rPr lang="ko-KR" altLang="en-US" dirty="0"/>
+              <a:t>속도</a:t>
+            </a:r>
+            <a:r>
+              <a:rPr lang="en-US" altLang="ko-KR" dirty="0"/>
+              <a:t>, </a:t>
+            </a:r>
+            <a:r>
+              <a:rPr lang="ko-KR" altLang="en-US" dirty="0"/>
+              <a:t>변위 변화량을 </a:t>
+            </a:r>
+            <a:r>
+              <a:rPr lang="ko-KR" altLang="en-US" dirty="0" err="1"/>
+              <a:t>비확장</a:t>
+            </a:r>
+            <a:r>
+              <a:rPr lang="ko-KR" altLang="en-US" dirty="0"/>
+              <a:t> 시간간격으로 변환</a:t>
+            </a:r>
+          </a:p>
+        </p:txBody>
+      </p:sp>
+      <mc:AlternateContent xmlns:mc="http://schemas.openxmlformats.org/markup-compatibility/2006">
+        <mc:Choice xmlns:a14="http://schemas.microsoft.com/office/drawing/2010/main" Requires="a14">
+          <p:sp>
+            <p:nvSpPr>
+              <p:cNvPr id="12" name="직사각형 11">
+                <a:extLst>
+                  <a:ext uri="{FF2B5EF4-FFF2-40B4-BE49-F238E27FC236}">
+                    <a16:creationId xmlns:a16="http://schemas.microsoft.com/office/drawing/2014/main" id="{2E8DDC6C-4402-46A5-A57C-2DCDF8C9C621}"/>
+                  </a:ext>
+                </a:extLst>
+              </p:cNvPr>
+              <p:cNvSpPr/>
+              <p:nvPr/>
+            </p:nvSpPr>
+            <p:spPr>
+              <a:xfrm>
+                <a:off x="607546" y="2207185"/>
+                <a:ext cx="7362825" cy="2769925"/>
+              </a:xfrm>
+              <a:prstGeom prst="rect">
+                <a:avLst/>
+              </a:prstGeom>
+            </p:spPr>
+            <p:txBody>
+              <a:bodyPr wrap="square">
+                <a:spAutoFit/>
+              </a:bodyPr>
+              <a:lstStyle/>
+              <a:p>
+                <a:pPr/>
+                <a14:m>
+                  <m:oMathPara xmlns:m="http://schemas.openxmlformats.org/officeDocument/2006/math">
+                    <m:oMathParaPr>
+                      <m:jc m:val="left"/>
+                    </m:oMathParaPr>
+                    <m:oMath xmlns:m="http://schemas.openxmlformats.org/officeDocument/2006/math">
+                      <m:r>
+                        <m:rPr>
+                          <m:sty m:val="p"/>
+                        </m:rPr>
+                        <a:rPr lang="ko-KR" altLang="en-US" smtClean="0">
+                          <a:latin typeface="Cambria Math" panose="02040503050406030204" pitchFamily="18" charset="0"/>
+                        </a:rPr>
+                        <m:t>Δ</m:t>
+                      </m:r>
+                      <m:sSub>
+                        <m:sSubPr>
+                          <m:ctrlPr>
+                            <a:rPr lang="ko-KR" altLang="en-US" i="1">
+                              <a:latin typeface="Cambria Math" panose="02040503050406030204" pitchFamily="18" charset="0"/>
+                            </a:rPr>
+                          </m:ctrlPr>
+                        </m:sSubPr>
+                        <m:e>
+                          <m:acc>
+                            <m:accPr>
+                              <m:chr m:val="̈"/>
+                              <m:ctrlPr>
+                                <a:rPr lang="ko-KR" altLang="en-US" i="1">
+                                  <a:latin typeface="Cambria Math" panose="02040503050406030204" pitchFamily="18" charset="0"/>
+                                </a:rPr>
+                              </m:ctrlPr>
+                            </m:accPr>
+                            <m:e>
+                              <m:r>
+                                <m:rPr>
+                                  <m:sty m:val="p"/>
+                                </m:rPr>
+                                <a:rPr lang="ko-KR" altLang="en-US" i="0">
+                                  <a:latin typeface="Cambria Math" panose="02040503050406030204" pitchFamily="18" charset="0"/>
+                                </a:rPr>
+                                <m:t>x</m:t>
+                              </m:r>
+                            </m:e>
+                          </m:acc>
+                        </m:e>
+                        <m:sub>
+                          <m:r>
+                            <m:rPr>
+                              <m:sty m:val="p"/>
+                            </m:rPr>
+                            <a:rPr lang="ko-KR" altLang="en-US" i="0">
+                              <a:latin typeface="Cambria Math" panose="02040503050406030204" pitchFamily="18" charset="0"/>
+                            </a:rPr>
+                            <m:t>i</m:t>
+                          </m:r>
+                        </m:sub>
+                      </m:sSub>
+                      <m:r>
+                        <a:rPr lang="ko-KR" altLang="en-US" i="0">
+                          <a:latin typeface="Cambria Math" panose="02040503050406030204" pitchFamily="18" charset="0"/>
+                        </a:rPr>
+                        <m:t>=</m:t>
+                      </m:r>
+                      <m:f>
+                        <m:fPr>
+                          <m:ctrlPr>
+                            <a:rPr lang="ko-KR" altLang="en-US" i="1">
+                              <a:latin typeface="Cambria Math" panose="02040503050406030204" pitchFamily="18" charset="0"/>
+                            </a:rPr>
+                          </m:ctrlPr>
+                        </m:fPr>
+                        <m:num>
+                          <m:acc>
+                            <m:accPr>
+                              <m:chr m:val="̂"/>
+                              <m:ctrlPr>
+                                <a:rPr lang="ko-KR" altLang="en-US" i="1">
+                                  <a:latin typeface="Cambria Math" panose="02040503050406030204" pitchFamily="18" charset="0"/>
+                                </a:rPr>
+                              </m:ctrlPr>
+                            </m:accPr>
+                            <m:e>
+                              <m:r>
+                                <m:rPr>
+                                  <m:sty m:val="p"/>
+                                </m:rPr>
+                                <a:rPr lang="ko-KR" altLang="en-US" i="0">
+                                  <a:latin typeface="Cambria Math" panose="02040503050406030204" pitchFamily="18" charset="0"/>
+                                </a:rPr>
+                                <m:t>Δ</m:t>
+                              </m:r>
+                            </m:e>
+                          </m:acc>
+                          <m:sSub>
+                            <m:sSubPr>
+                              <m:ctrlPr>
+                                <a:rPr lang="ko-KR" altLang="en-US" i="1">
+                                  <a:latin typeface="Cambria Math" panose="02040503050406030204" pitchFamily="18" charset="0"/>
+                                </a:rPr>
+                              </m:ctrlPr>
+                            </m:sSubPr>
+                            <m:e>
+                              <m:acc>
+                                <m:accPr>
+                                  <m:chr m:val="̈"/>
+                                  <m:ctrlPr>
+                                    <a:rPr lang="ko-KR" altLang="en-US" i="1">
+                                      <a:latin typeface="Cambria Math" panose="02040503050406030204" pitchFamily="18" charset="0"/>
+                                    </a:rPr>
+                                  </m:ctrlPr>
+                                </m:accPr>
+                                <m:e>
+                                  <m:r>
+                                    <m:rPr>
+                                      <m:sty m:val="p"/>
+                                    </m:rPr>
+                                    <a:rPr lang="ko-KR" altLang="en-US" i="0">
+                                      <a:latin typeface="Cambria Math" panose="02040503050406030204" pitchFamily="18" charset="0"/>
+                                    </a:rPr>
+                                    <m:t>x</m:t>
+                                  </m:r>
+                                </m:e>
+                              </m:acc>
+                            </m:e>
+                            <m:sub>
+                              <m:r>
+                                <m:rPr>
+                                  <m:sty m:val="p"/>
+                                </m:rPr>
+                                <a:rPr lang="ko-KR" altLang="en-US" i="0">
+                                  <a:latin typeface="Cambria Math" panose="02040503050406030204" pitchFamily="18" charset="0"/>
+                                </a:rPr>
+                                <m:t>i</m:t>
+                              </m:r>
+                            </m:sub>
+                          </m:sSub>
+                        </m:num>
+                        <m:den>
+                          <m:r>
+                            <m:rPr>
+                              <m:sty m:val="p"/>
+                            </m:rPr>
+                            <a:rPr lang="ko-KR" altLang="en-US" i="0">
+                              <a:latin typeface="Cambria Math" panose="02040503050406030204" pitchFamily="18" charset="0"/>
+                            </a:rPr>
+                            <m:t>θ</m:t>
+                          </m:r>
+                        </m:den>
+                      </m:f>
+                      <m:r>
+                        <a:rPr lang="ko-KR" altLang="en-US" i="0">
+                          <a:latin typeface="Cambria Math" panose="02040503050406030204" pitchFamily="18" charset="0"/>
+                        </a:rPr>
+                        <m:t> </m:t>
+                      </m:r>
+                    </m:oMath>
+                  </m:oMathPara>
+                </a14:m>
+                <a:endParaRPr lang="en-US" altLang="ko-KR" i="0" dirty="0">
+                  <a:latin typeface="Cambria Math" panose="02040503050406030204" pitchFamily="18" charset="0"/>
+                </a:endParaRPr>
+              </a:p>
+              <a:p>
+                <a:pPr/>
+                <a14:m>
+                  <m:oMathPara xmlns:m="http://schemas.openxmlformats.org/officeDocument/2006/math">
+                    <m:oMathParaPr>
+                      <m:jc m:val="left"/>
+                    </m:oMathParaPr>
+                    <m:oMath xmlns:m="http://schemas.openxmlformats.org/officeDocument/2006/math">
+                      <m:r>
+                        <m:rPr>
+                          <m:sty m:val="p"/>
+                        </m:rPr>
+                        <a:rPr lang="ko-KR" altLang="en-US" i="0">
+                          <a:latin typeface="Cambria Math" panose="02040503050406030204" pitchFamily="18" charset="0"/>
+                        </a:rPr>
+                        <m:t>Δ</m:t>
+                      </m:r>
+                      <m:sSub>
+                        <m:sSubPr>
+                          <m:ctrlPr>
+                            <a:rPr lang="ko-KR" altLang="en-US" i="1">
+                              <a:latin typeface="Cambria Math" panose="02040503050406030204" pitchFamily="18" charset="0"/>
+                            </a:rPr>
+                          </m:ctrlPr>
+                        </m:sSubPr>
+                        <m:e>
+                          <m:acc>
+                            <m:accPr>
+                              <m:chr m:val="̇"/>
+                              <m:ctrlPr>
+                                <a:rPr lang="ko-KR" altLang="en-US" i="1">
+                                  <a:latin typeface="Cambria Math" panose="02040503050406030204" pitchFamily="18" charset="0"/>
+                                </a:rPr>
+                              </m:ctrlPr>
+                            </m:accPr>
+                            <m:e>
+                              <m:r>
+                                <m:rPr>
+                                  <m:sty m:val="p"/>
+                                </m:rPr>
+                                <a:rPr lang="ko-KR" altLang="en-US" i="0">
+                                  <a:latin typeface="Cambria Math" panose="02040503050406030204" pitchFamily="18" charset="0"/>
+                                </a:rPr>
+                                <m:t>x</m:t>
+                              </m:r>
+                            </m:e>
+                          </m:acc>
+                        </m:e>
+                        <m:sub>
+                          <m:r>
+                            <m:rPr>
+                              <m:sty m:val="p"/>
+                            </m:rPr>
+                            <a:rPr lang="ko-KR" altLang="en-US" i="0">
+                              <a:latin typeface="Cambria Math" panose="02040503050406030204" pitchFamily="18" charset="0"/>
+                            </a:rPr>
+                            <m:t>i</m:t>
+                          </m:r>
+                        </m:sub>
+                      </m:sSub>
+                      <m:r>
+                        <a:rPr lang="ko-KR" altLang="en-US" i="0">
+                          <a:latin typeface="Cambria Math" panose="02040503050406030204" pitchFamily="18" charset="0"/>
+                        </a:rPr>
+                        <m:t> = </m:t>
+                      </m:r>
+                      <m:sSub>
+                        <m:sSubPr>
+                          <m:ctrlPr>
+                            <a:rPr lang="ko-KR" altLang="en-US" i="1">
+                              <a:latin typeface="Cambria Math" panose="02040503050406030204" pitchFamily="18" charset="0"/>
+                            </a:rPr>
+                          </m:ctrlPr>
+                        </m:sSubPr>
+                        <m:e>
+                          <m:acc>
+                            <m:accPr>
+                              <m:chr m:val="̈"/>
+                              <m:ctrlPr>
+                                <a:rPr lang="ko-KR" altLang="en-US" i="1">
+                                  <a:latin typeface="Cambria Math" panose="02040503050406030204" pitchFamily="18" charset="0"/>
+                                </a:rPr>
+                              </m:ctrlPr>
+                            </m:accPr>
+                            <m:e>
+                              <m:r>
+                                <m:rPr>
+                                  <m:sty m:val="p"/>
+                                </m:rPr>
+                                <a:rPr lang="ko-KR" altLang="en-US" i="0">
+                                  <a:latin typeface="Cambria Math" panose="02040503050406030204" pitchFamily="18" charset="0"/>
+                                </a:rPr>
+                                <m:t>x</m:t>
+                              </m:r>
+                            </m:e>
+                          </m:acc>
+                        </m:e>
+                        <m:sub>
+                          <m:r>
+                            <m:rPr>
+                              <m:sty m:val="p"/>
+                            </m:rPr>
+                            <a:rPr lang="ko-KR" altLang="en-US" i="0">
+                              <a:latin typeface="Cambria Math" panose="02040503050406030204" pitchFamily="18" charset="0"/>
+                            </a:rPr>
+                            <m:t>i</m:t>
+                          </m:r>
+                        </m:sub>
+                      </m:sSub>
+                      <m:r>
+                        <m:rPr>
+                          <m:sty m:val="p"/>
+                        </m:rPr>
+                        <a:rPr lang="ko-KR" altLang="en-US" i="0">
+                          <a:latin typeface="Cambria Math" panose="02040503050406030204" pitchFamily="18" charset="0"/>
+                        </a:rPr>
+                        <m:t>Δt</m:t>
+                      </m:r>
+                      <m:r>
+                        <a:rPr lang="ko-KR" altLang="en-US" i="0">
+                          <a:latin typeface="Cambria Math" panose="02040503050406030204" pitchFamily="18" charset="0"/>
+                        </a:rPr>
+                        <m:t> +</m:t>
+                      </m:r>
+                      <m:f>
+                        <m:fPr>
+                          <m:ctrlPr>
+                            <a:rPr lang="ko-KR" altLang="en-US" i="1">
+                              <a:latin typeface="Cambria Math" panose="02040503050406030204" pitchFamily="18" charset="0"/>
+                            </a:rPr>
+                          </m:ctrlPr>
+                        </m:fPr>
+                        <m:num>
+                          <m:r>
+                            <a:rPr lang="ko-KR" altLang="en-US" i="0">
+                              <a:latin typeface="Cambria Math" panose="02040503050406030204" pitchFamily="18" charset="0"/>
+                            </a:rPr>
+                            <m:t>1</m:t>
+                          </m:r>
+                        </m:num>
+                        <m:den>
+                          <m:r>
+                            <a:rPr lang="ko-KR" altLang="en-US" i="0">
+                              <a:latin typeface="Cambria Math" panose="02040503050406030204" pitchFamily="18" charset="0"/>
+                            </a:rPr>
+                            <m:t>2</m:t>
+                          </m:r>
+                        </m:den>
+                      </m:f>
+                      <m:r>
+                        <a:rPr lang="ko-KR" altLang="en-US" i="0">
+                          <a:latin typeface="Cambria Math" panose="02040503050406030204" pitchFamily="18" charset="0"/>
+                        </a:rPr>
+                        <m:t> </m:t>
+                      </m:r>
+                      <m:r>
+                        <m:rPr>
+                          <m:sty m:val="p"/>
+                        </m:rPr>
+                        <a:rPr lang="ko-KR" altLang="en-US" i="0">
+                          <a:latin typeface="Cambria Math" panose="02040503050406030204" pitchFamily="18" charset="0"/>
+                        </a:rPr>
+                        <m:t>Δ</m:t>
+                      </m:r>
+                      <m:sSub>
+                        <m:sSubPr>
+                          <m:ctrlPr>
+                            <a:rPr lang="ko-KR" altLang="en-US" i="1">
+                              <a:latin typeface="Cambria Math" panose="02040503050406030204" pitchFamily="18" charset="0"/>
+                            </a:rPr>
+                          </m:ctrlPr>
+                        </m:sSubPr>
+                        <m:e>
+                          <m:acc>
+                            <m:accPr>
+                              <m:chr m:val="̈"/>
+                              <m:ctrlPr>
+                                <a:rPr lang="ko-KR" altLang="en-US" i="1">
+                                  <a:latin typeface="Cambria Math" panose="02040503050406030204" pitchFamily="18" charset="0"/>
+                                </a:rPr>
+                              </m:ctrlPr>
+                            </m:accPr>
+                            <m:e>
+                              <m:r>
+                                <m:rPr>
+                                  <m:sty m:val="p"/>
+                                </m:rPr>
+                                <a:rPr lang="ko-KR" altLang="en-US" i="0">
+                                  <a:latin typeface="Cambria Math" panose="02040503050406030204" pitchFamily="18" charset="0"/>
+                                </a:rPr>
+                                <m:t>x</m:t>
+                              </m:r>
+                            </m:e>
+                          </m:acc>
+                        </m:e>
+                        <m:sub>
+                          <m:r>
+                            <m:rPr>
+                              <m:sty m:val="p"/>
+                            </m:rPr>
+                            <a:rPr lang="ko-KR" altLang="en-US" i="0">
+                              <a:latin typeface="Cambria Math" panose="02040503050406030204" pitchFamily="18" charset="0"/>
+                            </a:rPr>
+                            <m:t>i</m:t>
+                          </m:r>
+                        </m:sub>
+                      </m:sSub>
+                      <m:r>
+                        <m:rPr>
+                          <m:sty m:val="p"/>
+                        </m:rPr>
+                        <a:rPr lang="ko-KR" altLang="en-US" i="0">
+                          <a:latin typeface="Cambria Math" panose="02040503050406030204" pitchFamily="18" charset="0"/>
+                        </a:rPr>
+                        <m:t>Δt</m:t>
+                      </m:r>
+                    </m:oMath>
+                  </m:oMathPara>
+                </a14:m>
+                <a:endParaRPr lang="en-US" altLang="ko-KR" i="0" dirty="0">
+                  <a:latin typeface="Cambria Math" panose="02040503050406030204" pitchFamily="18" charset="0"/>
+                </a:endParaRPr>
+              </a:p>
+              <a:p>
+                <a:pPr/>
+                <a14:m>
+                  <m:oMathPara xmlns:m="http://schemas.openxmlformats.org/officeDocument/2006/math">
+                    <m:oMathParaPr>
+                      <m:jc m:val="left"/>
+                    </m:oMathParaPr>
+                    <m:oMath xmlns:m="http://schemas.openxmlformats.org/officeDocument/2006/math">
+                      <m:r>
+                        <m:rPr>
+                          <m:sty m:val="p"/>
+                        </m:rPr>
+                        <a:rPr lang="ko-KR" altLang="en-US" i="0">
+                          <a:latin typeface="Cambria Math" panose="02040503050406030204" pitchFamily="18" charset="0"/>
+                        </a:rPr>
+                        <m:t>Δ</m:t>
+                      </m:r>
+                      <m:sSub>
+                        <m:sSubPr>
+                          <m:ctrlPr>
+                            <a:rPr lang="ko-KR" altLang="en-US" i="1">
+                              <a:latin typeface="Cambria Math" panose="02040503050406030204" pitchFamily="18" charset="0"/>
+                            </a:rPr>
+                          </m:ctrlPr>
+                        </m:sSubPr>
+                        <m:e>
+                          <m:r>
+                            <m:rPr>
+                              <m:sty m:val="p"/>
+                            </m:rPr>
+                            <a:rPr lang="ko-KR" altLang="en-US" i="0">
+                              <a:latin typeface="Cambria Math" panose="02040503050406030204" pitchFamily="18" charset="0"/>
+                            </a:rPr>
+                            <m:t>x</m:t>
+                          </m:r>
+                        </m:e>
+                        <m:sub>
+                          <m:r>
+                            <m:rPr>
+                              <m:sty m:val="p"/>
+                            </m:rPr>
+                            <a:rPr lang="ko-KR" altLang="en-US" i="0">
+                              <a:latin typeface="Cambria Math" panose="02040503050406030204" pitchFamily="18" charset="0"/>
+                            </a:rPr>
+                            <m:t>i</m:t>
+                          </m:r>
+                        </m:sub>
+                      </m:sSub>
+                      <m:r>
+                        <a:rPr lang="ko-KR" altLang="en-US" i="0">
+                          <a:latin typeface="Cambria Math" panose="02040503050406030204" pitchFamily="18" charset="0"/>
+                        </a:rPr>
+                        <m:t> = </m:t>
+                      </m:r>
+                      <m:sSub>
+                        <m:sSubPr>
+                          <m:ctrlPr>
+                            <a:rPr lang="ko-KR" altLang="en-US" i="1">
+                              <a:latin typeface="Cambria Math" panose="02040503050406030204" pitchFamily="18" charset="0"/>
+                            </a:rPr>
+                          </m:ctrlPr>
+                        </m:sSubPr>
+                        <m:e>
+                          <m:acc>
+                            <m:accPr>
+                              <m:chr m:val="̇"/>
+                              <m:ctrlPr>
+                                <a:rPr lang="ko-KR" altLang="en-US" i="1">
+                                  <a:latin typeface="Cambria Math" panose="02040503050406030204" pitchFamily="18" charset="0"/>
+                                </a:rPr>
+                              </m:ctrlPr>
+                            </m:accPr>
+                            <m:e>
+                              <m:r>
+                                <m:rPr>
+                                  <m:sty m:val="p"/>
+                                </m:rPr>
+                                <a:rPr lang="ko-KR" altLang="en-US" i="0">
+                                  <a:latin typeface="Cambria Math" panose="02040503050406030204" pitchFamily="18" charset="0"/>
+                                </a:rPr>
+                                <m:t>x</m:t>
+                              </m:r>
+                            </m:e>
+                          </m:acc>
+                        </m:e>
+                        <m:sub>
+                          <m:r>
+                            <m:rPr>
+                              <m:sty m:val="p"/>
+                            </m:rPr>
+                            <a:rPr lang="ko-KR" altLang="en-US" i="0">
+                              <a:latin typeface="Cambria Math" panose="02040503050406030204" pitchFamily="18" charset="0"/>
+                            </a:rPr>
+                            <m:t>i</m:t>
+                          </m:r>
+                        </m:sub>
+                      </m:sSub>
+                      <m:r>
+                        <m:rPr>
+                          <m:sty m:val="p"/>
+                        </m:rPr>
+                        <a:rPr lang="ko-KR" altLang="en-US" i="0">
+                          <a:latin typeface="Cambria Math" panose="02040503050406030204" pitchFamily="18" charset="0"/>
+                        </a:rPr>
+                        <m:t>Δt</m:t>
+                      </m:r>
+                      <m:r>
+                        <a:rPr lang="ko-KR" altLang="en-US" i="0">
+                          <a:latin typeface="Cambria Math" panose="02040503050406030204" pitchFamily="18" charset="0"/>
+                        </a:rPr>
+                        <m:t> +</m:t>
+                      </m:r>
+                      <m:f>
+                        <m:fPr>
+                          <m:ctrlPr>
+                            <a:rPr lang="ko-KR" altLang="en-US" i="1">
+                              <a:latin typeface="Cambria Math" panose="02040503050406030204" pitchFamily="18" charset="0"/>
+                            </a:rPr>
+                          </m:ctrlPr>
+                        </m:fPr>
+                        <m:num>
+                          <m:r>
+                            <a:rPr lang="ko-KR" altLang="en-US" i="0">
+                              <a:latin typeface="Cambria Math" panose="02040503050406030204" pitchFamily="18" charset="0"/>
+                            </a:rPr>
+                            <m:t>1</m:t>
+                          </m:r>
+                        </m:num>
+                        <m:den>
+                          <m:r>
+                            <a:rPr lang="ko-KR" altLang="en-US" i="0">
+                              <a:latin typeface="Cambria Math" panose="02040503050406030204" pitchFamily="18" charset="0"/>
+                            </a:rPr>
+                            <m:t>2</m:t>
+                          </m:r>
+                        </m:den>
+                      </m:f>
+                      <m:r>
+                        <a:rPr lang="ko-KR" altLang="en-US" i="0">
+                          <a:latin typeface="Cambria Math" panose="02040503050406030204" pitchFamily="18" charset="0"/>
+                        </a:rPr>
+                        <m:t> </m:t>
+                      </m:r>
+                      <m:sSub>
+                        <m:sSubPr>
+                          <m:ctrlPr>
+                            <a:rPr lang="ko-KR" altLang="en-US" i="1">
+                              <a:latin typeface="Cambria Math" panose="02040503050406030204" pitchFamily="18" charset="0"/>
+                            </a:rPr>
+                          </m:ctrlPr>
+                        </m:sSubPr>
+                        <m:e>
+                          <m:acc>
+                            <m:accPr>
+                              <m:chr m:val="̈"/>
+                              <m:ctrlPr>
+                                <a:rPr lang="ko-KR" altLang="en-US" i="1">
+                                  <a:latin typeface="Cambria Math" panose="02040503050406030204" pitchFamily="18" charset="0"/>
+                                </a:rPr>
+                              </m:ctrlPr>
+                            </m:accPr>
+                            <m:e>
+                              <m:r>
+                                <m:rPr>
+                                  <m:sty m:val="p"/>
+                                </m:rPr>
+                                <a:rPr lang="ko-KR" altLang="en-US" i="0">
+                                  <a:latin typeface="Cambria Math" panose="02040503050406030204" pitchFamily="18" charset="0"/>
+                                </a:rPr>
+                                <m:t>x</m:t>
+                              </m:r>
+                            </m:e>
+                          </m:acc>
+                        </m:e>
+                        <m:sub>
+                          <m:r>
+                            <a:rPr lang="ko-KR" altLang="en-US" i="1">
+                              <a:latin typeface="Cambria Math" panose="02040503050406030204" pitchFamily="18" charset="0"/>
+                            </a:rPr>
+                            <m:t>𝑖</m:t>
+                          </m:r>
+                        </m:sub>
+                      </m:sSub>
+                      <m:r>
+                        <m:rPr>
+                          <m:sty m:val="p"/>
+                        </m:rPr>
+                        <a:rPr lang="ko-KR" altLang="en-US" i="0">
+                          <a:latin typeface="Cambria Math" panose="02040503050406030204" pitchFamily="18" charset="0"/>
+                        </a:rPr>
+                        <m:t>Δ</m:t>
+                      </m:r>
+                      <m:sSup>
+                        <m:sSupPr>
+                          <m:ctrlPr>
+                            <a:rPr lang="ko-KR" altLang="en-US" i="1">
+                              <a:latin typeface="Cambria Math" panose="02040503050406030204" pitchFamily="18" charset="0"/>
+                            </a:rPr>
+                          </m:ctrlPr>
+                        </m:sSupPr>
+                        <m:e>
+                          <m:r>
+                            <m:rPr>
+                              <m:sty m:val="p"/>
+                            </m:rPr>
+                            <a:rPr lang="ko-KR" altLang="en-US" i="0">
+                              <a:latin typeface="Cambria Math" panose="02040503050406030204" pitchFamily="18" charset="0"/>
+                            </a:rPr>
+                            <m:t>t</m:t>
+                          </m:r>
+                        </m:e>
+                        <m:sup>
+                          <m:r>
+                            <a:rPr lang="ko-KR" altLang="en-US" i="0">
+                              <a:latin typeface="Cambria Math" panose="02040503050406030204" pitchFamily="18" charset="0"/>
+                            </a:rPr>
+                            <m:t>2</m:t>
+                          </m:r>
+                        </m:sup>
+                      </m:sSup>
+                      <m:r>
+                        <a:rPr lang="ko-KR" altLang="en-US" i="0">
+                          <a:latin typeface="Cambria Math" panose="02040503050406030204" pitchFamily="18" charset="0"/>
+                        </a:rPr>
+                        <m:t> +</m:t>
+                      </m:r>
+                      <m:f>
+                        <m:fPr>
+                          <m:ctrlPr>
+                            <a:rPr lang="ko-KR" altLang="en-US" i="1">
+                              <a:latin typeface="Cambria Math" panose="02040503050406030204" pitchFamily="18" charset="0"/>
+                            </a:rPr>
+                          </m:ctrlPr>
+                        </m:fPr>
+                        <m:num>
+                          <m:r>
+                            <a:rPr lang="ko-KR" altLang="en-US" i="0">
+                              <a:latin typeface="Cambria Math" panose="02040503050406030204" pitchFamily="18" charset="0"/>
+                            </a:rPr>
+                            <m:t>1</m:t>
+                          </m:r>
+                        </m:num>
+                        <m:den>
+                          <m:r>
+                            <a:rPr lang="ko-KR" altLang="en-US" i="0">
+                              <a:latin typeface="Cambria Math" panose="02040503050406030204" pitchFamily="18" charset="0"/>
+                            </a:rPr>
+                            <m:t>6</m:t>
+                          </m:r>
+                        </m:den>
+                      </m:f>
+                      <m:r>
+                        <m:rPr>
+                          <m:sty m:val="p"/>
+                        </m:rPr>
+                        <a:rPr lang="ko-KR" altLang="en-US" i="0">
+                          <a:latin typeface="Cambria Math" panose="02040503050406030204" pitchFamily="18" charset="0"/>
+                        </a:rPr>
+                        <m:t>Δ</m:t>
+                      </m:r>
+                      <m:sSub>
+                        <m:sSubPr>
+                          <m:ctrlPr>
+                            <a:rPr lang="ko-KR" altLang="en-US" i="1">
+                              <a:latin typeface="Cambria Math" panose="02040503050406030204" pitchFamily="18" charset="0"/>
+                            </a:rPr>
+                          </m:ctrlPr>
+                        </m:sSubPr>
+                        <m:e>
+                          <m:acc>
+                            <m:accPr>
+                              <m:chr m:val="̈"/>
+                              <m:ctrlPr>
+                                <a:rPr lang="ko-KR" altLang="en-US" i="1">
+                                  <a:latin typeface="Cambria Math" panose="02040503050406030204" pitchFamily="18" charset="0"/>
+                                </a:rPr>
+                              </m:ctrlPr>
+                            </m:accPr>
+                            <m:e>
+                              <m:r>
+                                <m:rPr>
+                                  <m:sty m:val="p"/>
+                                </m:rPr>
+                                <a:rPr lang="ko-KR" altLang="en-US" i="0">
+                                  <a:latin typeface="Cambria Math" panose="02040503050406030204" pitchFamily="18" charset="0"/>
+                                </a:rPr>
+                                <m:t>x</m:t>
+                              </m:r>
+                            </m:e>
+                          </m:acc>
+                        </m:e>
+                        <m:sub>
+                          <m:r>
+                            <m:rPr>
+                              <m:sty m:val="p"/>
+                            </m:rPr>
+                            <a:rPr lang="ko-KR" altLang="en-US" i="0">
+                              <a:latin typeface="Cambria Math" panose="02040503050406030204" pitchFamily="18" charset="0"/>
+                            </a:rPr>
+                            <m:t>i</m:t>
+                          </m:r>
+                        </m:sub>
+                      </m:sSub>
+                      <m:r>
+                        <m:rPr>
+                          <m:sty m:val="p"/>
+                        </m:rPr>
+                        <a:rPr lang="ko-KR" altLang="en-US" i="0">
+                          <a:latin typeface="Cambria Math" panose="02040503050406030204" pitchFamily="18" charset="0"/>
+                        </a:rPr>
+                        <m:t>Δ</m:t>
+                      </m:r>
+                      <m:sSup>
+                        <m:sSupPr>
+                          <m:ctrlPr>
+                            <a:rPr lang="ko-KR" altLang="en-US" i="1">
+                              <a:latin typeface="Cambria Math" panose="02040503050406030204" pitchFamily="18" charset="0"/>
+                            </a:rPr>
+                          </m:ctrlPr>
+                        </m:sSupPr>
+                        <m:e>
+                          <m:r>
+                            <m:rPr>
+                              <m:sty m:val="p"/>
+                            </m:rPr>
+                            <a:rPr lang="ko-KR" altLang="en-US" i="0">
+                              <a:latin typeface="Cambria Math" panose="02040503050406030204" pitchFamily="18" charset="0"/>
+                            </a:rPr>
+                            <m:t>t</m:t>
+                          </m:r>
+                        </m:e>
+                        <m:sup>
+                          <m:r>
+                            <a:rPr lang="ko-KR" altLang="en-US" i="0">
+                              <a:latin typeface="Cambria Math" panose="02040503050406030204" pitchFamily="18" charset="0"/>
+                            </a:rPr>
+                            <m:t>2</m:t>
+                          </m:r>
+                        </m:sup>
+                      </m:sSup>
+                    </m:oMath>
+                  </m:oMathPara>
+                </a14:m>
+                <a:endParaRPr lang="en-US" altLang="ko-KR" i="1" dirty="0">
+                  <a:latin typeface="Cambria Math" panose="02040503050406030204" pitchFamily="18" charset="0"/>
+                </a:endParaRPr>
+              </a:p>
+              <a:p>
+                <a:pPr/>
+                <a14:m>
+                  <m:oMathPara xmlns:m="http://schemas.openxmlformats.org/officeDocument/2006/math">
+                    <m:oMathParaPr>
+                      <m:jc m:val="left"/>
+                    </m:oMathParaPr>
+                    <m:oMath xmlns:m="http://schemas.openxmlformats.org/officeDocument/2006/math">
+                      <m:sSub>
+                        <m:sSubPr>
+                          <m:ctrlPr>
+                            <a:rPr lang="ko-KR" altLang="en-US" i="1">
+                              <a:latin typeface="Cambria Math" panose="02040503050406030204" pitchFamily="18" charset="0"/>
+                            </a:rPr>
+                          </m:ctrlPr>
+                        </m:sSubPr>
+                        <m:e>
+                          <m:r>
+                            <m:rPr>
+                              <m:sty m:val="p"/>
+                            </m:rPr>
+                            <a:rPr lang="ko-KR" altLang="en-US" i="0">
+                              <a:latin typeface="Cambria Math" panose="02040503050406030204" pitchFamily="18" charset="0"/>
+                            </a:rPr>
+                            <m:t>x</m:t>
+                          </m:r>
+                        </m:e>
+                        <m:sub>
+                          <m:r>
+                            <m:rPr>
+                              <m:sty m:val="p"/>
+                            </m:rPr>
+                            <a:rPr lang="ko-KR" altLang="en-US" i="0">
+                              <a:latin typeface="Cambria Math" panose="02040503050406030204" pitchFamily="18" charset="0"/>
+                            </a:rPr>
+                            <m:t>i</m:t>
+                          </m:r>
+                          <m:r>
+                            <a:rPr lang="ko-KR" altLang="en-US" i="0">
+                              <a:latin typeface="Cambria Math" panose="02040503050406030204" pitchFamily="18" charset="0"/>
+                            </a:rPr>
+                            <m:t>+1</m:t>
+                          </m:r>
+                        </m:sub>
+                      </m:sSub>
+                      <m:r>
+                        <a:rPr lang="ko-KR" altLang="en-US" i="0">
+                          <a:latin typeface="Cambria Math" panose="02040503050406030204" pitchFamily="18" charset="0"/>
+                        </a:rPr>
+                        <m:t> = </m:t>
+                      </m:r>
+                      <m:sSub>
+                        <m:sSubPr>
+                          <m:ctrlPr>
+                            <a:rPr lang="ko-KR" altLang="en-US" i="1">
+                              <a:latin typeface="Cambria Math" panose="02040503050406030204" pitchFamily="18" charset="0"/>
+                            </a:rPr>
+                          </m:ctrlPr>
+                        </m:sSubPr>
+                        <m:e>
+                          <m:r>
+                            <m:rPr>
+                              <m:sty m:val="p"/>
+                            </m:rPr>
+                            <a:rPr lang="ko-KR" altLang="en-US" i="0">
+                              <a:latin typeface="Cambria Math" panose="02040503050406030204" pitchFamily="18" charset="0"/>
+                            </a:rPr>
+                            <m:t>x</m:t>
+                          </m:r>
+                        </m:e>
+                        <m:sub>
+                          <m:r>
+                            <m:rPr>
+                              <m:sty m:val="p"/>
+                            </m:rPr>
+                            <a:rPr lang="ko-KR" altLang="en-US" i="0">
+                              <a:latin typeface="Cambria Math" panose="02040503050406030204" pitchFamily="18" charset="0"/>
+                            </a:rPr>
+                            <m:t>i</m:t>
+                          </m:r>
+                        </m:sub>
+                      </m:sSub>
+                      <m:r>
+                        <a:rPr lang="ko-KR" altLang="en-US" i="0">
+                          <a:latin typeface="Cambria Math" panose="02040503050406030204" pitchFamily="18" charset="0"/>
+                        </a:rPr>
+                        <m:t> +</m:t>
+                      </m:r>
+                      <m:r>
+                        <m:rPr>
+                          <m:sty m:val="p"/>
+                        </m:rPr>
+                        <a:rPr lang="ko-KR" altLang="en-US" i="0">
+                          <a:latin typeface="Cambria Math" panose="02040503050406030204" pitchFamily="18" charset="0"/>
+                        </a:rPr>
+                        <m:t>Δ</m:t>
+                      </m:r>
+                      <m:sSub>
+                        <m:sSubPr>
+                          <m:ctrlPr>
+                            <a:rPr lang="ko-KR" altLang="en-US" i="1">
+                              <a:latin typeface="Cambria Math" panose="02040503050406030204" pitchFamily="18" charset="0"/>
+                            </a:rPr>
+                          </m:ctrlPr>
+                        </m:sSubPr>
+                        <m:e>
+                          <m:r>
+                            <m:rPr>
+                              <m:sty m:val="p"/>
+                            </m:rPr>
+                            <a:rPr lang="ko-KR" altLang="en-US" i="0">
+                              <a:latin typeface="Cambria Math" panose="02040503050406030204" pitchFamily="18" charset="0"/>
+                            </a:rPr>
+                            <m:t>x</m:t>
+                          </m:r>
+                        </m:e>
+                        <m:sub>
+                          <m:r>
+                            <m:rPr>
+                              <m:sty m:val="p"/>
+                            </m:rPr>
+                            <a:rPr lang="ko-KR" altLang="en-US" i="0">
+                              <a:latin typeface="Cambria Math" panose="02040503050406030204" pitchFamily="18" charset="0"/>
+                            </a:rPr>
+                            <m:t>i</m:t>
+                          </m:r>
+                        </m:sub>
+                      </m:sSub>
+                      <m:r>
+                        <a:rPr lang="ko-KR" altLang="en-US" i="0">
+                          <a:latin typeface="Cambria Math" panose="02040503050406030204" pitchFamily="18" charset="0"/>
+                        </a:rPr>
+                        <m:t> </m:t>
+                      </m:r>
+                    </m:oMath>
+                  </m:oMathPara>
+                </a14:m>
+                <a:endParaRPr lang="en-US" altLang="ko-KR" i="0" dirty="0">
+                  <a:latin typeface="Cambria Math" panose="02040503050406030204" pitchFamily="18" charset="0"/>
+                </a:endParaRPr>
+              </a:p>
+              <a:p>
+                <a:pPr/>
+                <a14:m>
+                  <m:oMathPara xmlns:m="http://schemas.openxmlformats.org/officeDocument/2006/math">
+                    <m:oMathParaPr>
+                      <m:jc m:val="left"/>
+                    </m:oMathParaPr>
+                    <m:oMath xmlns:m="http://schemas.openxmlformats.org/officeDocument/2006/math">
+                      <m:sSub>
+                        <m:sSubPr>
+                          <m:ctrlPr>
+                            <a:rPr lang="ko-KR" altLang="en-US" i="1">
+                              <a:latin typeface="Cambria Math" panose="02040503050406030204" pitchFamily="18" charset="0"/>
+                            </a:rPr>
+                          </m:ctrlPr>
+                        </m:sSubPr>
+                        <m:e>
+                          <m:acc>
+                            <m:accPr>
+                              <m:chr m:val="̇"/>
+                              <m:ctrlPr>
+                                <a:rPr lang="ko-KR" altLang="en-US" i="1">
+                                  <a:latin typeface="Cambria Math" panose="02040503050406030204" pitchFamily="18" charset="0"/>
+                                </a:rPr>
+                              </m:ctrlPr>
+                            </m:accPr>
+                            <m:e>
+                              <m:r>
+                                <m:rPr>
+                                  <m:sty m:val="p"/>
+                                </m:rPr>
+                                <a:rPr lang="ko-KR" altLang="en-US" i="0">
+                                  <a:latin typeface="Cambria Math" panose="02040503050406030204" pitchFamily="18" charset="0"/>
+                                </a:rPr>
+                                <m:t>x</m:t>
+                              </m:r>
+                            </m:e>
+                          </m:acc>
+                        </m:e>
+                        <m:sub>
+                          <m:r>
+                            <m:rPr>
+                              <m:sty m:val="p"/>
+                            </m:rPr>
+                            <a:rPr lang="ko-KR" altLang="en-US" i="0">
+                              <a:latin typeface="Cambria Math" panose="02040503050406030204" pitchFamily="18" charset="0"/>
+                            </a:rPr>
+                            <m:t>i</m:t>
+                          </m:r>
+                          <m:r>
+                            <a:rPr lang="ko-KR" altLang="en-US" i="0">
+                              <a:latin typeface="Cambria Math" panose="02040503050406030204" pitchFamily="18" charset="0"/>
+                            </a:rPr>
+                            <m:t>+1</m:t>
+                          </m:r>
+                        </m:sub>
+                      </m:sSub>
+                      <m:r>
+                        <a:rPr lang="ko-KR" altLang="en-US" i="0">
+                          <a:latin typeface="Cambria Math" panose="02040503050406030204" pitchFamily="18" charset="0"/>
+                        </a:rPr>
+                        <m:t>=</m:t>
+                      </m:r>
+                      <m:sSub>
+                        <m:sSubPr>
+                          <m:ctrlPr>
+                            <a:rPr lang="ko-KR" altLang="en-US" i="1">
+                              <a:latin typeface="Cambria Math" panose="02040503050406030204" pitchFamily="18" charset="0"/>
+                            </a:rPr>
+                          </m:ctrlPr>
+                        </m:sSubPr>
+                        <m:e>
+                          <m:acc>
+                            <m:accPr>
+                              <m:chr m:val="̇"/>
+                              <m:ctrlPr>
+                                <a:rPr lang="ko-KR" altLang="en-US" i="1">
+                                  <a:latin typeface="Cambria Math" panose="02040503050406030204" pitchFamily="18" charset="0"/>
+                                </a:rPr>
+                              </m:ctrlPr>
+                            </m:accPr>
+                            <m:e>
+                              <m:r>
+                                <m:rPr>
+                                  <m:sty m:val="p"/>
+                                </m:rPr>
+                                <a:rPr lang="ko-KR" altLang="en-US" i="0">
+                                  <a:latin typeface="Cambria Math" panose="02040503050406030204" pitchFamily="18" charset="0"/>
+                                </a:rPr>
+                                <m:t>x</m:t>
+                              </m:r>
+                            </m:e>
+                          </m:acc>
+                        </m:e>
+                        <m:sub>
+                          <m:r>
+                            <m:rPr>
+                              <m:sty m:val="p"/>
+                            </m:rPr>
+                            <a:rPr lang="ko-KR" altLang="en-US" i="0">
+                              <a:latin typeface="Cambria Math" panose="02040503050406030204" pitchFamily="18" charset="0"/>
+                            </a:rPr>
+                            <m:t>i</m:t>
+                          </m:r>
+                        </m:sub>
+                      </m:sSub>
+                      <m:r>
+                        <a:rPr lang="ko-KR" altLang="en-US" i="0">
+                          <a:latin typeface="Cambria Math" panose="02040503050406030204" pitchFamily="18" charset="0"/>
+                        </a:rPr>
+                        <m:t> +</m:t>
+                      </m:r>
+                      <m:r>
+                        <m:rPr>
+                          <m:sty m:val="p"/>
+                        </m:rPr>
+                        <a:rPr lang="ko-KR" altLang="en-US" i="0">
+                          <a:latin typeface="Cambria Math" panose="02040503050406030204" pitchFamily="18" charset="0"/>
+                        </a:rPr>
+                        <m:t>Δ</m:t>
+                      </m:r>
+                      <m:sSub>
+                        <m:sSubPr>
+                          <m:ctrlPr>
+                            <a:rPr lang="ko-KR" altLang="en-US" i="1">
+                              <a:latin typeface="Cambria Math" panose="02040503050406030204" pitchFamily="18" charset="0"/>
+                            </a:rPr>
+                          </m:ctrlPr>
+                        </m:sSubPr>
+                        <m:e>
+                          <m:acc>
+                            <m:accPr>
+                              <m:chr m:val="̇"/>
+                              <m:ctrlPr>
+                                <a:rPr lang="ko-KR" altLang="en-US" i="1">
+                                  <a:latin typeface="Cambria Math" panose="02040503050406030204" pitchFamily="18" charset="0"/>
+                                </a:rPr>
+                              </m:ctrlPr>
+                            </m:accPr>
+                            <m:e>
+                              <m:r>
+                                <m:rPr>
+                                  <m:sty m:val="p"/>
+                                </m:rPr>
+                                <a:rPr lang="ko-KR" altLang="en-US" i="0">
+                                  <a:latin typeface="Cambria Math" panose="02040503050406030204" pitchFamily="18" charset="0"/>
+                                </a:rPr>
+                                <m:t>x</m:t>
+                              </m:r>
+                            </m:e>
+                          </m:acc>
+                        </m:e>
+                        <m:sub>
+                          <m:r>
+                            <m:rPr>
+                              <m:sty m:val="p"/>
+                            </m:rPr>
+                            <a:rPr lang="ko-KR" altLang="en-US" i="0">
+                              <a:latin typeface="Cambria Math" panose="02040503050406030204" pitchFamily="18" charset="0"/>
+                            </a:rPr>
+                            <m:t>i</m:t>
+                          </m:r>
+                        </m:sub>
+                      </m:sSub>
+                    </m:oMath>
+                  </m:oMathPara>
+                </a14:m>
+                <a:endParaRPr lang="en-US" altLang="ko-KR" i="1" dirty="0">
+                  <a:latin typeface="Cambria Math" panose="02040503050406030204" pitchFamily="18" charset="0"/>
+                </a:endParaRPr>
+              </a:p>
+              <a:p>
+                <a:pPr/>
+                <a14:m>
+                  <m:oMathPara xmlns:m="http://schemas.openxmlformats.org/officeDocument/2006/math">
+                    <m:oMathParaPr>
+                      <m:jc m:val="left"/>
+                    </m:oMathParaPr>
+                    <m:oMath xmlns:m="http://schemas.openxmlformats.org/officeDocument/2006/math">
+                      <m:sSub>
+                        <m:sSubPr>
+                          <m:ctrlPr>
+                            <a:rPr lang="ko-KR" altLang="en-US" i="1">
+                              <a:latin typeface="Cambria Math" panose="02040503050406030204" pitchFamily="18" charset="0"/>
+                            </a:rPr>
+                          </m:ctrlPr>
+                        </m:sSubPr>
+                        <m:e>
+                          <m:acc>
+                            <m:accPr>
+                              <m:chr m:val="̈"/>
+                              <m:ctrlPr>
+                                <a:rPr lang="ko-KR" altLang="en-US" i="1">
+                                  <a:latin typeface="Cambria Math" panose="02040503050406030204" pitchFamily="18" charset="0"/>
+                                </a:rPr>
+                              </m:ctrlPr>
+                            </m:accPr>
+                            <m:e>
+                              <m:r>
+                                <m:rPr>
+                                  <m:sty m:val="p"/>
+                                </m:rPr>
+                                <a:rPr lang="ko-KR" altLang="en-US" i="0">
+                                  <a:latin typeface="Cambria Math" panose="02040503050406030204" pitchFamily="18" charset="0"/>
+                                </a:rPr>
+                                <m:t>x</m:t>
+                              </m:r>
+                            </m:e>
+                          </m:acc>
+                        </m:e>
+                        <m:sub>
+                          <m:r>
+                            <m:rPr>
+                              <m:sty m:val="p"/>
+                            </m:rPr>
+                            <a:rPr lang="ko-KR" altLang="en-US" i="0">
+                              <a:latin typeface="Cambria Math" panose="02040503050406030204" pitchFamily="18" charset="0"/>
+                            </a:rPr>
+                            <m:t>i</m:t>
+                          </m:r>
+                          <m:r>
+                            <a:rPr lang="ko-KR" altLang="en-US" i="0">
+                              <a:latin typeface="Cambria Math" panose="02040503050406030204" pitchFamily="18" charset="0"/>
+                            </a:rPr>
+                            <m:t>+1</m:t>
+                          </m:r>
+                        </m:sub>
+                      </m:sSub>
+                      <m:r>
+                        <a:rPr lang="ko-KR" altLang="en-US" i="0">
+                          <a:latin typeface="Cambria Math" panose="02040503050406030204" pitchFamily="18" charset="0"/>
+                        </a:rPr>
+                        <m:t> =</m:t>
+                      </m:r>
+                      <m:f>
+                        <m:fPr>
+                          <m:ctrlPr>
+                            <a:rPr lang="ko-KR" altLang="en-US" i="1">
+                              <a:latin typeface="Cambria Math" panose="02040503050406030204" pitchFamily="18" charset="0"/>
+                            </a:rPr>
+                          </m:ctrlPr>
+                        </m:fPr>
+                        <m:num>
+                          <m:r>
+                            <a:rPr lang="ko-KR" altLang="en-US" i="0">
+                              <a:latin typeface="Cambria Math" panose="02040503050406030204" pitchFamily="18" charset="0"/>
+                            </a:rPr>
+                            <m:t>1</m:t>
+                          </m:r>
+                        </m:num>
+                        <m:den>
+                          <m:r>
+                            <m:rPr>
+                              <m:sty m:val="p"/>
+                            </m:rPr>
+                            <a:rPr lang="ko-KR" altLang="en-US" i="0">
+                              <a:latin typeface="Cambria Math" panose="02040503050406030204" pitchFamily="18" charset="0"/>
+                            </a:rPr>
+                            <m:t>m</m:t>
+                          </m:r>
+                        </m:den>
+                      </m:f>
+                      <m:r>
+                        <a:rPr lang="ko-KR" altLang="en-US" i="0">
+                          <a:latin typeface="Cambria Math" panose="02040503050406030204" pitchFamily="18" charset="0"/>
+                        </a:rPr>
+                        <m:t> </m:t>
+                      </m:r>
+                      <m:d>
+                        <m:dPr>
+                          <m:ctrlPr>
+                            <a:rPr lang="ko-KR" altLang="en-US" i="1">
+                              <a:latin typeface="Cambria Math" panose="02040503050406030204" pitchFamily="18" charset="0"/>
+                            </a:rPr>
+                          </m:ctrlPr>
+                        </m:dPr>
+                        <m:e>
+                          <m:sSub>
+                            <m:sSubPr>
+                              <m:ctrlPr>
+                                <a:rPr lang="ko-KR" altLang="en-US" i="1">
+                                  <a:latin typeface="Cambria Math" panose="02040503050406030204" pitchFamily="18" charset="0"/>
+                                </a:rPr>
+                              </m:ctrlPr>
+                            </m:sSubPr>
+                            <m:e>
+                              <m:r>
+                                <m:rPr>
+                                  <m:sty m:val="p"/>
+                                </m:rPr>
+                                <a:rPr lang="ko-KR" altLang="en-US" i="0">
+                                  <a:latin typeface="Cambria Math" panose="02040503050406030204" pitchFamily="18" charset="0"/>
+                                </a:rPr>
+                                <m:t>P</m:t>
+                              </m:r>
+                            </m:e>
+                            <m:sub>
+                              <m:r>
+                                <m:rPr>
+                                  <m:sty m:val="p"/>
+                                </m:rPr>
+                                <a:rPr lang="ko-KR" altLang="en-US" i="0">
+                                  <a:latin typeface="Cambria Math" panose="02040503050406030204" pitchFamily="18" charset="0"/>
+                                </a:rPr>
+                                <m:t>i</m:t>
+                              </m:r>
+                              <m:r>
+                                <a:rPr lang="ko-KR" altLang="en-US" i="0">
+                                  <a:latin typeface="Cambria Math" panose="02040503050406030204" pitchFamily="18" charset="0"/>
+                                </a:rPr>
+                                <m:t>+1</m:t>
+                              </m:r>
+                            </m:sub>
+                          </m:sSub>
+                          <m:r>
+                            <a:rPr lang="ko-KR" altLang="en-US" i="0">
+                              <a:latin typeface="Cambria Math" panose="02040503050406030204" pitchFamily="18" charset="0"/>
+                            </a:rPr>
+                            <m:t> − </m:t>
+                          </m:r>
+                          <m:r>
+                            <m:rPr>
+                              <m:sty m:val="p"/>
+                            </m:rPr>
+                            <a:rPr lang="ko-KR" altLang="en-US" i="0">
+                              <a:latin typeface="Cambria Math" panose="02040503050406030204" pitchFamily="18" charset="0"/>
+                            </a:rPr>
+                            <m:t>c</m:t>
+                          </m:r>
+                          <m:sSub>
+                            <m:sSubPr>
+                              <m:ctrlPr>
+                                <a:rPr lang="ko-KR" altLang="en-US" i="1">
+                                  <a:latin typeface="Cambria Math" panose="02040503050406030204" pitchFamily="18" charset="0"/>
+                                </a:rPr>
+                              </m:ctrlPr>
+                            </m:sSubPr>
+                            <m:e>
+                              <m:acc>
+                                <m:accPr>
+                                  <m:chr m:val="̇"/>
+                                  <m:ctrlPr>
+                                    <a:rPr lang="ko-KR" altLang="en-US" i="1">
+                                      <a:latin typeface="Cambria Math" panose="02040503050406030204" pitchFamily="18" charset="0"/>
+                                    </a:rPr>
+                                  </m:ctrlPr>
+                                </m:accPr>
+                                <m:e>
+                                  <m:r>
+                                    <m:rPr>
+                                      <m:sty m:val="p"/>
+                                    </m:rPr>
+                                    <a:rPr lang="ko-KR" altLang="en-US" i="0">
+                                      <a:latin typeface="Cambria Math" panose="02040503050406030204" pitchFamily="18" charset="0"/>
+                                    </a:rPr>
+                                    <m:t>x</m:t>
+                                  </m:r>
+                                </m:e>
+                              </m:acc>
+                            </m:e>
+                            <m:sub>
+                              <m:r>
+                                <m:rPr>
+                                  <m:sty m:val="p"/>
+                                </m:rPr>
+                                <a:rPr lang="ko-KR" altLang="en-US" i="0">
+                                  <a:latin typeface="Cambria Math" panose="02040503050406030204" pitchFamily="18" charset="0"/>
+                                </a:rPr>
+                                <m:t>i</m:t>
+                              </m:r>
+                              <m:r>
+                                <a:rPr lang="ko-KR" altLang="en-US" i="0">
+                                  <a:latin typeface="Cambria Math" panose="02040503050406030204" pitchFamily="18" charset="0"/>
+                                </a:rPr>
+                                <m:t>+1</m:t>
+                              </m:r>
+                            </m:sub>
+                          </m:sSub>
+                          <m:r>
+                            <a:rPr lang="ko-KR" altLang="en-US" i="0">
+                              <a:latin typeface="Cambria Math" panose="02040503050406030204" pitchFamily="18" charset="0"/>
+                            </a:rPr>
+                            <m:t> − </m:t>
+                          </m:r>
+                          <m:r>
+                            <m:rPr>
+                              <m:sty m:val="p"/>
+                            </m:rPr>
+                            <a:rPr lang="ko-KR" altLang="en-US" i="0">
+                              <a:latin typeface="Cambria Math" panose="02040503050406030204" pitchFamily="18" charset="0"/>
+                            </a:rPr>
+                            <m:t>k</m:t>
+                          </m:r>
+                          <m:r>
+                            <a:rPr lang="ko-KR" altLang="en-US" i="0">
+                              <a:latin typeface="Cambria Math" panose="02040503050406030204" pitchFamily="18" charset="0"/>
+                            </a:rPr>
+                            <m:t> </m:t>
+                          </m:r>
+                          <m:sSub>
+                            <m:sSubPr>
+                              <m:ctrlPr>
+                                <a:rPr lang="ko-KR" altLang="en-US" i="1">
+                                  <a:latin typeface="Cambria Math" panose="02040503050406030204" pitchFamily="18" charset="0"/>
+                                </a:rPr>
+                              </m:ctrlPr>
+                            </m:sSubPr>
+                            <m:e>
+                              <m:r>
+                                <m:rPr>
+                                  <m:sty m:val="p"/>
+                                </m:rPr>
+                                <a:rPr lang="ko-KR" altLang="en-US" i="0">
+                                  <a:latin typeface="Cambria Math" panose="02040503050406030204" pitchFamily="18" charset="0"/>
+                                </a:rPr>
+                                <m:t>x</m:t>
+                              </m:r>
+                            </m:e>
+                            <m:sub>
+                              <m:r>
+                                <m:rPr>
+                                  <m:sty m:val="p"/>
+                                </m:rPr>
+                                <a:rPr lang="ko-KR" altLang="en-US" i="0">
+                                  <a:latin typeface="Cambria Math" panose="02040503050406030204" pitchFamily="18" charset="0"/>
+                                </a:rPr>
+                                <m:t>i</m:t>
+                              </m:r>
+                              <m:r>
+                                <a:rPr lang="ko-KR" altLang="en-US" i="0">
+                                  <a:latin typeface="Cambria Math" panose="02040503050406030204" pitchFamily="18" charset="0"/>
+                                </a:rPr>
+                                <m:t>+1</m:t>
+                              </m:r>
+                            </m:sub>
+                          </m:sSub>
+                        </m:e>
+                      </m:d>
+                    </m:oMath>
+                  </m:oMathPara>
+                </a14:m>
+                <a:endParaRPr lang="ko-KR" altLang="en-US" dirty="0"/>
+              </a:p>
+            </p:txBody>
+          </p:sp>
+        </mc:Choice>
+        <mc:Fallback>
+          <p:sp>
+            <p:nvSpPr>
+              <p:cNvPr id="12" name="직사각형 11">
+                <a:extLst>
+                  <a:ext uri="{FF2B5EF4-FFF2-40B4-BE49-F238E27FC236}">
+                    <a16:creationId xmlns:a16="http://schemas.microsoft.com/office/drawing/2014/main" id="{2E8DDC6C-4402-46A5-A57C-2DCDF8C9C621}"/>
+                  </a:ext>
+                </a:extLst>
+              </p:cNvPr>
+              <p:cNvSpPr>
+                <a:spLocks noRot="1" noChangeAspect="1" noMove="1" noResize="1" noEditPoints="1" noAdjustHandles="1" noChangeArrowheads="1" noChangeShapeType="1" noTextEdit="1"/>
+              </p:cNvSpPr>
+              <p:nvPr/>
+            </p:nvSpPr>
+            <p:spPr>
+              <a:xfrm>
+                <a:off x="607546" y="2207185"/>
+                <a:ext cx="7362825" cy="2769925"/>
+              </a:xfrm>
+              <a:prstGeom prst="rect">
+                <a:avLst/>
+              </a:prstGeom>
+              <a:blipFill>
+                <a:blip r:embed="rId3"/>
+                <a:stretch>
+                  <a:fillRect/>
+                </a:stretch>
+              </a:blipFill>
+            </p:spPr>
+            <p:txBody>
+              <a:bodyPr/>
+              <a:lstStyle/>
+              <a:p>
+                <a:r>
+                  <a:rPr lang="ko-KR" altLang="en-US">
+                    <a:noFill/>
+                  </a:rPr>
+                  <a:t> </a:t>
+                </a:r>
+              </a:p>
+            </p:txBody>
+          </p:sp>
+        </mc:Fallback>
+      </mc:AlternateContent>
+    </p:spTree>
+    <p:extLst>
+      <p:ext uri="{BB962C8B-B14F-4D97-AF65-F5344CB8AC3E}">
+        <p14:creationId xmlns:p14="http://schemas.microsoft.com/office/powerpoint/2010/main" val="3930134096"/>
+      </p:ext>
+    </p:extLst>
+  </p:cSld>
+  <p:clrMapOvr>
+    <a:masterClrMapping/>
+  </p:clrMapOvr>
+</p:sld>
+</file>
+
+<file path=ppt/slides/slide16.xml><?xml version="1.0" encoding="utf-8"?>
 <p:sld xmlns:a="http://schemas.openxmlformats.org/drawingml/2006/main" xmlns:r="http://schemas.openxmlformats.org/officeDocument/2006/relationships" xmlns:p="http://schemas.openxmlformats.org/presentationml/2006/main">
   <p:cSld>
     <p:spTree>
@@ -18522,7 +23729,7 @@
             <p:spPr>
               <a:xfrm>
                 <a:off x="570451" y="2155970"/>
-                <a:ext cx="2440925" cy="619400"/>
+                <a:ext cx="2522165" cy="619400"/>
               </a:xfrm>
               <a:prstGeom prst="rect">
                 <a:avLst/>
@@ -18543,13 +23750,10 @@
                     </m:oMathParaPr>
                     <m:oMath xmlns:m="http://schemas.openxmlformats.org/officeDocument/2006/math">
                       <m:r>
-                        <m:rPr>
-                          <m:sty m:val="p"/>
-                        </m:rPr>
-                        <a:rPr lang="en-US" altLang="ko-KR" b="0" i="0" smtClean="0">
+                        <a:rPr lang="en-US" altLang="ko-KR" b="0" i="1" smtClean="0">
                           <a:latin typeface="Cambria Math" panose="02040503050406030204" pitchFamily="18" charset="0"/>
                         </a:rPr>
-                        <m:t>x</m:t>
+                        <m:t>𝑥</m:t>
                       </m:r>
                       <m:d>
                         <m:dPr>
@@ -18561,18 +23765,15 @@
                         </m:dPr>
                         <m:e>
                           <m:r>
-                            <m:rPr>
-                              <m:sty m:val="p"/>
-                            </m:rPr>
-                            <a:rPr lang="en-US" altLang="ko-KR" b="0" i="0" smtClean="0">
-                              <a:latin typeface="Cambria Math" panose="02040503050406030204" pitchFamily="18" charset="0"/>
-                            </a:rPr>
-                            <m:t>t</m:t>
+                            <a:rPr lang="en-US" altLang="ko-KR" b="0" i="1" smtClean="0">
+                              <a:latin typeface="Cambria Math" panose="02040503050406030204" pitchFamily="18" charset="0"/>
+                            </a:rPr>
+                            <m:t>𝑡</m:t>
                           </m:r>
                         </m:e>
                       </m:d>
                       <m:r>
-                        <a:rPr lang="en-US" altLang="ko-KR" b="0" i="0" smtClean="0">
+                        <a:rPr lang="en-US" altLang="ko-KR" b="0" i="1" smtClean="0">
                           <a:latin typeface="Cambria Math" panose="02040503050406030204" pitchFamily="18" charset="0"/>
                         </a:rPr>
                         <m:t>=</m:t>
@@ -18590,7 +23791,7 @@
                             <m:rPr>
                               <m:brk m:alnAt="23"/>
                             </m:rPr>
-                            <a:rPr lang="en-US" altLang="ko-KR" b="0" i="0" smtClean="0">
+                            <a:rPr lang="en-US" altLang="ko-KR" b="0" i="1" smtClean="0">
                               <a:latin typeface="Cambria Math" panose="02040503050406030204" pitchFamily="18" charset="0"/>
                             </a:rPr>
                             <m:t>0</m:t>
@@ -18598,24 +23799,18 @@
                         </m:sub>
                         <m:sup>
                           <m:r>
-                            <m:rPr>
-                              <m:sty m:val="p"/>
-                            </m:rPr>
-                            <a:rPr lang="en-US" altLang="ko-KR" b="0" i="0" smtClean="0">
-                              <a:latin typeface="Cambria Math" panose="02040503050406030204" pitchFamily="18" charset="0"/>
-                            </a:rPr>
-                            <m:t>t</m:t>
+                            <a:rPr lang="en-US" altLang="ko-KR" b="0" i="1" smtClean="0">
+                              <a:latin typeface="Cambria Math" panose="02040503050406030204" pitchFamily="18" charset="0"/>
+                            </a:rPr>
+                            <m:t>𝑡</m:t>
                           </m:r>
                         </m:sup>
                         <m:e>
                           <m:r>
-                            <m:rPr>
-                              <m:sty m:val="p"/>
-                            </m:rPr>
-                            <a:rPr lang="en-US" altLang="ko-KR" b="0" i="0" smtClean="0">
-                              <a:latin typeface="Cambria Math" panose="02040503050406030204" pitchFamily="18" charset="0"/>
-                            </a:rPr>
-                            <m:t>p</m:t>
+                            <a:rPr lang="en-US" altLang="ko-KR" b="0" i="1" smtClean="0">
+                              <a:latin typeface="Cambria Math" panose="02040503050406030204" pitchFamily="18" charset="0"/>
+                            </a:rPr>
+                            <m:t>𝑝</m:t>
                           </m:r>
                           <m:d>
                             <m:dPr>
@@ -18627,21 +23822,15 @@
                             </m:dPr>
                             <m:e>
                               <m:r>
-                                <m:rPr>
-                                  <m:sty m:val="p"/>
-                                </m:rPr>
-                                <a:rPr lang="en-US" altLang="ko-KR" b="0" i="0" smtClean="0">
-                                  <a:latin typeface="Cambria Math" panose="02040503050406030204" pitchFamily="18" charset="0"/>
-                                </a:rPr>
-                                <m:t>τ</m:t>
+                                <a:rPr lang="en-US" altLang="ko-KR" b="0" i="1" smtClean="0">
+                                  <a:latin typeface="Cambria Math" panose="02040503050406030204" pitchFamily="18" charset="0"/>
+                                </a:rPr>
+                                <m:t>𝜏</m:t>
                               </m:r>
                             </m:e>
                           </m:d>
                           <m:r>
-                            <m:rPr>
-                              <m:sty m:val="p"/>
-                            </m:rPr>
-                            <a:rPr lang="en-US" altLang="ko-KR" b="0" i="0" smtClean="0">
+                            <a:rPr lang="en-US" altLang="ko-KR" b="0" i="1" smtClean="0">
                               <a:latin typeface="Cambria Math" panose="02040503050406030204" pitchFamily="18" charset="0"/>
                             </a:rPr>
                             <m:t>h</m:t>
@@ -18656,46 +23845,43 @@
                             </m:dPr>
                             <m:e>
                               <m:r>
-                                <m:rPr>
-                                  <m:sty m:val="p"/>
-                                </m:rPr>
-                                <a:rPr lang="en-US" altLang="ko-KR" b="0" i="0" smtClean="0">
-                                  <a:latin typeface="Cambria Math" panose="02040503050406030204" pitchFamily="18" charset="0"/>
-                                </a:rPr>
-                                <m:t>t</m:t>
-                              </m:r>
-                              <m:r>
-                                <a:rPr lang="en-US" altLang="ko-KR" b="0" i="0" smtClean="0">
+                                <a:rPr lang="en-US" altLang="ko-KR" b="0" i="1" smtClean="0">
+                                  <a:latin typeface="Cambria Math" panose="02040503050406030204" pitchFamily="18" charset="0"/>
+                                </a:rPr>
+                                <m:t>𝑡</m:t>
+                              </m:r>
+                              <m:r>
+                                <a:rPr lang="en-US" altLang="ko-KR" b="0" i="1" smtClean="0">
                                   <a:latin typeface="Cambria Math" panose="02040503050406030204" pitchFamily="18" charset="0"/>
                                 </a:rPr>
                                 <m:t>−</m:t>
                               </m:r>
                               <m:r>
-                                <m:rPr>
-                                  <m:sty m:val="p"/>
-                                </m:rPr>
-                                <a:rPr lang="en-US" altLang="ko-KR" b="0" i="0" smtClean="0">
-                                  <a:latin typeface="Cambria Math" panose="02040503050406030204" pitchFamily="18" charset="0"/>
-                                </a:rPr>
-                                <m:t>τ</m:t>
+                                <a:rPr lang="en-US" altLang="ko-KR" b="0" i="1" smtClean="0">
+                                  <a:latin typeface="Cambria Math" panose="02040503050406030204" pitchFamily="18" charset="0"/>
+                                </a:rPr>
+                                <m:t>𝜏</m:t>
                               </m:r>
                             </m:e>
                           </m:d>
                           <m:r>
-                            <m:rPr>
-                              <m:sty m:val="p"/>
-                            </m:rPr>
-                            <a:rPr lang="en-US" altLang="ko-KR" b="0" i="0" smtClean="0">
-                              <a:latin typeface="Cambria Math" panose="02040503050406030204" pitchFamily="18" charset="0"/>
-                            </a:rPr>
-                            <m:t>dτ</m:t>
+                            <a:rPr lang="en-US" altLang="ko-KR" b="0" i="1" smtClean="0">
+                              <a:latin typeface="Cambria Math" panose="02040503050406030204" pitchFamily="18" charset="0"/>
+                            </a:rPr>
+                            <m:t>𝑑</m:t>
+                          </m:r>
+                          <m:r>
+                            <a:rPr lang="en-US" altLang="ko-KR" b="0" i="1" smtClean="0">
+                              <a:latin typeface="Cambria Math" panose="02040503050406030204" pitchFamily="18" charset="0"/>
+                            </a:rPr>
+                            <m:t>𝜏</m:t>
                           </m:r>
                         </m:e>
                       </m:nary>
                     </m:oMath>
                   </m:oMathPara>
                 </a14:m>
-                <a:endParaRPr lang="ko-KR" altLang="en-US" dirty="0"/>
+                <a:endParaRPr lang="ko-KR" altLang="en-US" i="1" dirty="0"/>
               </a:p>
             </p:txBody>
           </p:sp>
@@ -18718,7 +23904,7 @@
             <p:spPr>
               <a:xfrm>
                 <a:off x="570451" y="2155970"/>
-                <a:ext cx="2440925" cy="619400"/>
+                <a:ext cx="2522165" cy="619400"/>
               </a:xfrm>
               <a:prstGeom prst="rect">
                 <a:avLst/>
@@ -18745,8 +23931,8 @@
           </p:sp>
         </mc:Fallback>
       </mc:AlternateContent>
-      <mc:AlternateContent xmlns:mc="http://schemas.openxmlformats.org/markup-compatibility/2006" xmlns:a14="http://schemas.microsoft.com/office/drawing/2010/main">
-        <mc:Choice Requires="a14">
+      <mc:AlternateContent xmlns:mc="http://schemas.openxmlformats.org/markup-compatibility/2006">
+        <mc:Choice xmlns:a14="http://schemas.microsoft.com/office/drawing/2010/main" Requires="a14">
           <p:sp>
             <p:nvSpPr>
               <p:cNvPr id="13" name="TextBox 12">
@@ -18762,7 +23948,7 @@
             <p:spPr>
               <a:xfrm>
                 <a:off x="3919361" y="2032627"/>
-                <a:ext cx="943400" cy="282193"/>
+                <a:ext cx="980076" cy="282193"/>
               </a:xfrm>
               <a:prstGeom prst="rect">
                 <a:avLst/>
@@ -18778,13 +23964,10 @@
                 <a14:m>
                   <m:oMath xmlns:m="http://schemas.openxmlformats.org/officeDocument/2006/math">
                     <m:r>
-                      <m:rPr>
-                        <m:sty m:val="p"/>
-                      </m:rPr>
-                      <a:rPr lang="en-US" altLang="ko-KR" b="0" i="0" smtClean="0">
+                      <a:rPr lang="en-US" altLang="ko-KR" b="0" i="1" smtClean="0">
                         <a:latin typeface="Cambria Math" panose="02040503050406030204" pitchFamily="18" charset="0"/>
                       </a:rPr>
-                      <m:t>x</m:t>
+                      <m:t>𝑥</m:t>
                     </m:r>
                     <m:d>
                       <m:dPr>
@@ -18796,13 +23979,10 @@
                       </m:dPr>
                       <m:e>
                         <m:r>
-                          <m:rPr>
-                            <m:sty m:val="p"/>
-                          </m:rPr>
-                          <a:rPr lang="en-US" altLang="ko-KR" b="0" i="0" smtClean="0">
+                          <a:rPr lang="en-US" altLang="ko-KR" b="0" i="1" smtClean="0">
                             <a:latin typeface="Cambria Math" panose="02040503050406030204" pitchFamily="18" charset="0"/>
                           </a:rPr>
-                          <m:t>t</m:t>
+                          <m:t>𝑡</m:t>
                         </m:r>
                       </m:e>
                     </m:d>
@@ -18821,14 +24001,14 @@
                   </m:oMath>
                 </a14:m>
                 <a:r>
-                  <a:rPr lang="ko-KR" altLang="en-US" dirty="0"/>
+                  <a:rPr lang="ko-KR" altLang="en-US" i="1" dirty="0"/>
                   <a:t>위</a:t>
                 </a:r>
               </a:p>
             </p:txBody>
           </p:sp>
         </mc:Choice>
-        <mc:Fallback xmlns="">
+        <mc:Fallback>
           <p:sp>
             <p:nvSpPr>
               <p:cNvPr id="13" name="TextBox 12">
@@ -18846,7 +24026,7 @@
             <p:spPr>
               <a:xfrm>
                 <a:off x="3919361" y="2032627"/>
-                <a:ext cx="943400" cy="282193"/>
+                <a:ext cx="980076" cy="282193"/>
               </a:xfrm>
               <a:prstGeom prst="rect">
                 <a:avLst/>
@@ -18854,7 +24034,7 @@
               <a:blipFill>
                 <a:blip r:embed="rId3"/>
                 <a:stretch>
-                  <a:fillRect l="-6452" t="-29787" r="-14194" b="-44681"/>
+                  <a:fillRect l="-6211" t="-29787" r="-13665" b="-44681"/>
                 </a:stretch>
               </a:blipFill>
             </p:spPr>
@@ -18904,7 +24084,7 @@
               <a:lstStyle/>
               <a:p>
                 <a:r>
-                  <a:rPr lang="en-US" altLang="ko-KR" b="0" dirty="0"/>
+                  <a:rPr lang="en-US" altLang="ko-KR" b="0" i="1" dirty="0"/>
                   <a:t>p</a:t>
                 </a:r>
                 <a14:m>
@@ -18941,7 +24121,7 @@
                   </m:oMath>
                 </a14:m>
                 <a:r>
-                  <a:rPr lang="ko-KR" altLang="en-US" dirty="0"/>
+                  <a:rPr lang="ko-KR" altLang="en-US" i="1" dirty="0"/>
                   <a:t>중</a:t>
                 </a:r>
               </a:p>
@@ -22079,8 +27259,8 @@
           </a:p>
         </p:txBody>
       </p:sp>
-      <mc:AlternateContent xmlns:mc="http://schemas.openxmlformats.org/markup-compatibility/2006" xmlns:a14="http://schemas.microsoft.com/office/drawing/2010/main">
-        <mc:Choice Requires="a14">
+      <mc:AlternateContent xmlns:mc="http://schemas.openxmlformats.org/markup-compatibility/2006">
+        <mc:Choice xmlns:a14="http://schemas.microsoft.com/office/drawing/2010/main" Requires="a14">
           <p:sp>
             <p:nvSpPr>
               <p:cNvPr id="8" name="TextBox 7">
@@ -22131,7 +27311,7 @@
                 <a14:m>
                   <m:oMathPara xmlns:m="http://schemas.openxmlformats.org/officeDocument/2006/math">
                     <m:oMathParaPr>
-                      <m:jc m:val="centerGroup"/>
+                      <m:jc m:val="left"/>
                     </m:oMathParaPr>
                     <m:oMath xmlns:m="http://schemas.openxmlformats.org/officeDocument/2006/math">
                       <m:sSub>
@@ -22284,7 +27464,7 @@
                 <a14:m>
                   <m:oMathPara xmlns:m="http://schemas.openxmlformats.org/officeDocument/2006/math">
                     <m:oMathParaPr>
-                      <m:jc m:val="centerGroup"/>
+                      <m:jc m:val="left"/>
                     </m:oMathParaPr>
                     <m:oMath xmlns:m="http://schemas.openxmlformats.org/officeDocument/2006/math">
                       <m:sSub>
@@ -22495,7 +27675,7 @@
                 <a14:m>
                   <m:oMathPara xmlns:m="http://schemas.openxmlformats.org/officeDocument/2006/math">
                     <m:oMathParaPr>
-                      <m:jc m:val="centerGroup"/>
+                      <m:jc m:val="left"/>
                     </m:oMathParaPr>
                     <m:oMath xmlns:m="http://schemas.openxmlformats.org/officeDocument/2006/math">
                       <m:sSub>
@@ -22699,7 +27879,7 @@
                 <a14:m>
                   <m:oMathPara xmlns:m="http://schemas.openxmlformats.org/officeDocument/2006/math">
                     <m:oMathParaPr>
-                      <m:jc m:val="centerGroup"/>
+                      <m:jc m:val="left"/>
                     </m:oMathParaPr>
                     <m:oMath xmlns:m="http://schemas.openxmlformats.org/officeDocument/2006/math">
                       <m:sSub>
@@ -22833,7 +28013,7 @@
                 <a14:m>
                   <m:oMathPara xmlns:m="http://schemas.openxmlformats.org/officeDocument/2006/math">
                     <m:oMathParaPr>
-                      <m:jc m:val="centerGroup"/>
+                      <m:jc m:val="left"/>
                     </m:oMathParaPr>
                     <m:oMath xmlns:m="http://schemas.openxmlformats.org/officeDocument/2006/math">
                       <m:sSub>
@@ -22922,7 +28102,7 @@
                 <a14:m>
                   <m:oMathPara xmlns:m="http://schemas.openxmlformats.org/officeDocument/2006/math">
                     <m:oMathParaPr>
-                      <m:jc m:val="centerGroup"/>
+                      <m:jc m:val="left"/>
                     </m:oMathParaPr>
                     <m:oMath xmlns:m="http://schemas.openxmlformats.org/officeDocument/2006/math">
                       <m:r>
@@ -23009,7 +28189,7 @@
                 <a14:m>
                   <m:oMathPara xmlns:m="http://schemas.openxmlformats.org/officeDocument/2006/math">
                     <m:oMathParaPr>
-                      <m:jc m:val="centerGroup"/>
+                      <m:jc m:val="left"/>
                     </m:oMathParaPr>
                     <m:oMath xmlns:m="http://schemas.openxmlformats.org/officeDocument/2006/math">
                       <m:r>
@@ -23144,7 +28324,7 @@
             </p:txBody>
           </p:sp>
         </mc:Choice>
-        <mc:Fallback xmlns="">
+        <mc:Fallback>
           <p:sp>
             <p:nvSpPr>
               <p:cNvPr id="8" name="TextBox 7">
@@ -24074,8 +29254,8 @@
           </a:p>
         </p:txBody>
       </p:sp>
-      <mc:AlternateContent xmlns:mc="http://schemas.openxmlformats.org/markup-compatibility/2006">
-        <mc:Choice xmlns:a14="http://schemas.microsoft.com/office/drawing/2010/main" Requires="a14">
+      <mc:AlternateContent xmlns:mc="http://schemas.openxmlformats.org/markup-compatibility/2006" xmlns:a14="http://schemas.microsoft.com/office/drawing/2010/main">
+        <mc:Choice Requires="a14">
           <p:sp>
             <p:nvSpPr>
               <p:cNvPr id="5" name="TextBox 4">
@@ -24266,7 +29446,7 @@
             </p:txBody>
           </p:sp>
         </mc:Choice>
-        <mc:Fallback>
+        <mc:Fallback xmlns="">
           <p:sp>
             <p:nvSpPr>
               <p:cNvPr id="5" name="TextBox 4">
@@ -24311,8 +29491,8 @@
           </p:sp>
         </mc:Fallback>
       </mc:AlternateContent>
-      <mc:AlternateContent xmlns:mc="http://schemas.openxmlformats.org/markup-compatibility/2006">
-        <mc:Choice xmlns:a14="http://schemas.microsoft.com/office/drawing/2010/main" Requires="a14">
+      <mc:AlternateContent xmlns:mc="http://schemas.openxmlformats.org/markup-compatibility/2006" xmlns:a14="http://schemas.microsoft.com/office/drawing/2010/main">
+        <mc:Choice Requires="a14">
           <p:sp>
             <p:nvSpPr>
               <p:cNvPr id="6" name="TextBox 5">
@@ -24394,7 +29574,7 @@
             </p:txBody>
           </p:sp>
         </mc:Choice>
-        <mc:Fallback>
+        <mc:Fallback xmlns="">
           <p:sp>
             <p:nvSpPr>
               <p:cNvPr id="6" name="TextBox 5">
@@ -24439,8 +29619,8 @@
           </p:sp>
         </mc:Fallback>
       </mc:AlternateContent>
-      <mc:AlternateContent xmlns:mc="http://schemas.openxmlformats.org/markup-compatibility/2006">
-        <mc:Choice xmlns:a14="http://schemas.microsoft.com/office/drawing/2010/main" Requires="a14">
+      <mc:AlternateContent xmlns:mc="http://schemas.openxmlformats.org/markup-compatibility/2006" xmlns:a14="http://schemas.microsoft.com/office/drawing/2010/main">
+        <mc:Choice Requires="a14">
           <p:sp>
             <p:nvSpPr>
               <p:cNvPr id="7" name="TextBox 6">
@@ -24514,7 +29694,7 @@
             </p:txBody>
           </p:sp>
         </mc:Choice>
-        <mc:Fallback>
+        <mc:Fallback xmlns="">
           <p:sp>
             <p:nvSpPr>
               <p:cNvPr id="7" name="TextBox 6">
@@ -24559,8 +29739,8 @@
           </p:sp>
         </mc:Fallback>
       </mc:AlternateContent>
-      <mc:AlternateContent xmlns:mc="http://schemas.openxmlformats.org/markup-compatibility/2006">
-        <mc:Choice xmlns:a14="http://schemas.microsoft.com/office/drawing/2010/main" Requires="a14">
+      <mc:AlternateContent xmlns:mc="http://schemas.openxmlformats.org/markup-compatibility/2006" xmlns:a14="http://schemas.microsoft.com/office/drawing/2010/main">
+        <mc:Choice Requires="a14">
           <p:sp>
             <p:nvSpPr>
               <p:cNvPr id="8" name="TextBox 7">
@@ -25073,7 +30253,7 @@
             </p:txBody>
           </p:sp>
         </mc:Choice>
-        <mc:Fallback>
+        <mc:Fallback xmlns="">
           <p:sp>
             <p:nvSpPr>
               <p:cNvPr id="8" name="TextBox 7">
@@ -25201,8 +30381,8 @@
           </a:p>
         </p:txBody>
       </p:sp>
-      <mc:AlternateContent xmlns:mc="http://schemas.openxmlformats.org/markup-compatibility/2006">
-        <mc:Choice xmlns:a14="http://schemas.microsoft.com/office/drawing/2010/main" Requires="a14">
+      <mc:AlternateContent xmlns:mc="http://schemas.openxmlformats.org/markup-compatibility/2006" xmlns:a14="http://schemas.microsoft.com/office/drawing/2010/main">
+        <mc:Choice Requires="a14">
           <p:sp>
             <p:nvSpPr>
               <p:cNvPr id="11" name="직사각형 10">
@@ -25578,7 +30758,7 @@
             </p:txBody>
           </p:sp>
         </mc:Choice>
-        <mc:Fallback>
+        <mc:Fallback xmlns="">
           <p:sp>
             <p:nvSpPr>
               <p:cNvPr id="11" name="직사각형 10">
@@ -25670,8 +30850,8 @@
           </a:p>
         </p:txBody>
       </p:sp>
-      <mc:AlternateContent xmlns:mc="http://schemas.openxmlformats.org/markup-compatibility/2006">
-        <mc:Choice xmlns:a14="http://schemas.microsoft.com/office/drawing/2010/main" Requires="a14">
+      <mc:AlternateContent xmlns:mc="http://schemas.openxmlformats.org/markup-compatibility/2006" xmlns:a14="http://schemas.microsoft.com/office/drawing/2010/main">
+        <mc:Choice Requires="a14">
           <p:sp>
             <p:nvSpPr>
               <p:cNvPr id="15" name="직사각형 14">
@@ -25699,6 +30879,7 @@
               </a:bodyPr>
               <a:lstStyle/>
               <a:p>
+                <a:pPr/>
                 <a14:m>
                   <m:oMathPara xmlns:m="http://schemas.openxmlformats.org/officeDocument/2006/math">
                     <m:oMathParaPr>
@@ -26029,7 +31210,7 @@
             </p:txBody>
           </p:sp>
         </mc:Choice>
-        <mc:Fallback>
+        <mc:Fallback xmlns="">
           <p:sp>
             <p:nvSpPr>
               <p:cNvPr id="15" name="직사각형 14">
@@ -26308,8 +31489,8 @@
           </a:p>
         </p:txBody>
       </p:sp>
-      <mc:AlternateContent xmlns:mc="http://schemas.openxmlformats.org/markup-compatibility/2006">
-        <mc:Choice xmlns:a14="http://schemas.microsoft.com/office/drawing/2010/main" Requires="a14">
+      <mc:AlternateContent xmlns:mc="http://schemas.openxmlformats.org/markup-compatibility/2006" xmlns:a14="http://schemas.microsoft.com/office/drawing/2010/main">
+        <mc:Choice Requires="a14">
           <p:sp>
             <p:nvSpPr>
               <p:cNvPr id="13" name="직사각형 12">
@@ -27793,7 +32974,7 @@
             </p:txBody>
           </p:sp>
         </mc:Choice>
-        <mc:Fallback>
+        <mc:Fallback xmlns="">
           <p:sp>
             <p:nvSpPr>
               <p:cNvPr id="13" name="직사각형 12">
@@ -27890,8 +33071,8 @@
           </a:p>
         </p:txBody>
       </p:sp>
-      <mc:AlternateContent xmlns:mc="http://schemas.openxmlformats.org/markup-compatibility/2006">
-        <mc:Choice xmlns:a14="http://schemas.microsoft.com/office/drawing/2010/main" Requires="a14">
+      <mc:AlternateContent xmlns:mc="http://schemas.openxmlformats.org/markup-compatibility/2006" xmlns:a14="http://schemas.microsoft.com/office/drawing/2010/main">
+        <mc:Choice Requires="a14">
           <p:sp>
             <p:nvSpPr>
               <p:cNvPr id="15" name="직사각형 14">
@@ -29103,7 +34284,7 @@
             </p:txBody>
           </p:sp>
         </mc:Choice>
-        <mc:Fallback>
+        <mc:Fallback xmlns="">
           <p:sp>
             <p:nvSpPr>
               <p:cNvPr id="15" name="직사각형 14">
@@ -29148,8 +34329,8 @@
           </p:sp>
         </mc:Fallback>
       </mc:AlternateContent>
-      <mc:AlternateContent xmlns:mc="http://schemas.openxmlformats.org/markup-compatibility/2006">
-        <mc:Choice xmlns:a14="http://schemas.microsoft.com/office/drawing/2010/main" Requires="a14">
+      <mc:AlternateContent xmlns:mc="http://schemas.openxmlformats.org/markup-compatibility/2006" xmlns:a14="http://schemas.microsoft.com/office/drawing/2010/main">
+        <mc:Choice Requires="a14">
           <p:sp>
             <p:nvSpPr>
               <p:cNvPr id="16" name="직사각형 15">
@@ -32165,7 +37346,7 @@
             </p:txBody>
           </p:sp>
         </mc:Choice>
-        <mc:Fallback>
+        <mc:Fallback xmlns="">
           <p:sp>
             <p:nvSpPr>
               <p:cNvPr id="16" name="직사각형 15">
